--- a/reports/figures/edit-desindex-fig2.pptx
+++ b/reports/figures/edit-desindex-fig2.pptx
@@ -1,6 +1,6 @@
 
 <file path=ppt/presentation.xml><?xml version="1.0" encoding="utf-8"?>
-<p:presentation xmlns:a="http://schemas.openxmlformats.org/drawingml/2006/main" xmlns:r="http://schemas.openxmlformats.org/officeDocument/2006/relationships" xmlns:p="http://schemas.openxmlformats.org/presentationml/2006/main" saveSubsetFonts="1">
+<p:presentation xmlns:a="http://schemas.openxmlformats.org/drawingml/2006/main" xmlns:r="http://schemas.openxmlformats.org/officeDocument/2006/relationships" xmlns:p="http://schemas.openxmlformats.org/presentationml/2006/main" saveSubsetFonts="1" autoCompressPictures="0">
   <p:sldMasterIdLst>
     <p:sldMasterId id="2147483660" r:id="rId1"/>
   </p:sldMasterIdLst>
@@ -107,12 +107,22 @@
   <p:extLst>
     <p:ext uri="{EFAFB233-063F-42B5-8137-9DF3F51BA10A}">
       <p15:sldGuideLst xmlns:p15="http://schemas.microsoft.com/office/powerpoint/2012/main">
-        <p15:guide id="1" orient="horz" pos="3367" userDrawn="1">
+        <p15:guide id="1" orient="horz" pos="3368" userDrawn="1">
           <p15:clr>
             <a:srgbClr val="A4A3A4"/>
           </p15:clr>
         </p15:guide>
         <p15:guide id="2" pos="2381" userDrawn="1">
+          <p15:clr>
+            <a:srgbClr val="A4A3A4"/>
+          </p15:clr>
+        </p15:guide>
+        <p15:guide id="3" orient="horz" pos="4320" userDrawn="1">
+          <p15:clr>
+            <a:srgbClr val="A4A3A4"/>
+          </p15:clr>
+        </p15:guide>
+        <p15:guide id="4" orient="horz" pos="5363" userDrawn="1">
           <p15:clr>
             <a:srgbClr val="A4A3A4"/>
           </p15:clr>
@@ -266,7 +276,7 @@
           <a:p>
             <a:fld id="{A1C612FA-B09C-4DDE-B9F8-2309F1C19A07}" type="datetimeFigureOut">
               <a:rPr lang="en-GB" smtClean="0"/>
-              <a:t>25/02/2024</a:t>
+              <a:t>26/02/2024</a:t>
             </a:fld>
             <a:endParaRPr lang="en-GB"/>
           </a:p>
@@ -436,7 +446,7 @@
           <a:p>
             <a:fld id="{A1C612FA-B09C-4DDE-B9F8-2309F1C19A07}" type="datetimeFigureOut">
               <a:rPr lang="en-GB" smtClean="0"/>
-              <a:t>25/02/2024</a:t>
+              <a:t>26/02/2024</a:t>
             </a:fld>
             <a:endParaRPr lang="en-GB"/>
           </a:p>
@@ -616,7 +626,7 @@
           <a:p>
             <a:fld id="{A1C612FA-B09C-4DDE-B9F8-2309F1C19A07}" type="datetimeFigureOut">
               <a:rPr lang="en-GB" smtClean="0"/>
-              <a:t>25/02/2024</a:t>
+              <a:t>26/02/2024</a:t>
             </a:fld>
             <a:endParaRPr lang="en-GB"/>
           </a:p>
@@ -786,7 +796,7 @@
           <a:p>
             <a:fld id="{A1C612FA-B09C-4DDE-B9F8-2309F1C19A07}" type="datetimeFigureOut">
               <a:rPr lang="en-GB" smtClean="0"/>
-              <a:t>25/02/2024</a:t>
+              <a:t>26/02/2024</a:t>
             </a:fld>
             <a:endParaRPr lang="en-GB"/>
           </a:p>
@@ -1030,7 +1040,7 @@
           <a:p>
             <a:fld id="{A1C612FA-B09C-4DDE-B9F8-2309F1C19A07}" type="datetimeFigureOut">
               <a:rPr lang="en-GB" smtClean="0"/>
-              <a:t>25/02/2024</a:t>
+              <a:t>26/02/2024</a:t>
             </a:fld>
             <a:endParaRPr lang="en-GB"/>
           </a:p>
@@ -1262,7 +1272,7 @@
           <a:p>
             <a:fld id="{A1C612FA-B09C-4DDE-B9F8-2309F1C19A07}" type="datetimeFigureOut">
               <a:rPr lang="en-GB" smtClean="0"/>
-              <a:t>25/02/2024</a:t>
+              <a:t>26/02/2024</a:t>
             </a:fld>
             <a:endParaRPr lang="en-GB"/>
           </a:p>
@@ -1629,7 +1639,7 @@
           <a:p>
             <a:fld id="{A1C612FA-B09C-4DDE-B9F8-2309F1C19A07}" type="datetimeFigureOut">
               <a:rPr lang="en-GB" smtClean="0"/>
-              <a:t>25/02/2024</a:t>
+              <a:t>26/02/2024</a:t>
             </a:fld>
             <a:endParaRPr lang="en-GB"/>
           </a:p>
@@ -1747,7 +1757,7 @@
           <a:p>
             <a:fld id="{A1C612FA-B09C-4DDE-B9F8-2309F1C19A07}" type="datetimeFigureOut">
               <a:rPr lang="en-GB" smtClean="0"/>
-              <a:t>25/02/2024</a:t>
+              <a:t>26/02/2024</a:t>
             </a:fld>
             <a:endParaRPr lang="en-GB"/>
           </a:p>
@@ -1842,7 +1852,7 @@
           <a:p>
             <a:fld id="{A1C612FA-B09C-4DDE-B9F8-2309F1C19A07}" type="datetimeFigureOut">
               <a:rPr lang="en-GB" smtClean="0"/>
-              <a:t>25/02/2024</a:t>
+              <a:t>26/02/2024</a:t>
             </a:fld>
             <a:endParaRPr lang="en-GB"/>
           </a:p>
@@ -2119,7 +2129,7 @@
           <a:p>
             <a:fld id="{A1C612FA-B09C-4DDE-B9F8-2309F1C19A07}" type="datetimeFigureOut">
               <a:rPr lang="en-GB" smtClean="0"/>
-              <a:t>25/02/2024</a:t>
+              <a:t>26/02/2024</a:t>
             </a:fld>
             <a:endParaRPr lang="en-GB"/>
           </a:p>
@@ -2376,7 +2386,7 @@
           <a:p>
             <a:fld id="{A1C612FA-B09C-4DDE-B9F8-2309F1C19A07}" type="datetimeFigureOut">
               <a:rPr lang="en-GB" smtClean="0"/>
-              <a:t>25/02/2024</a:t>
+              <a:t>26/02/2024</a:t>
             </a:fld>
             <a:endParaRPr lang="en-GB"/>
           </a:p>
@@ -2589,7 +2599,7 @@
           <a:p>
             <a:fld id="{A1C612FA-B09C-4DDE-B9F8-2309F1C19A07}" type="datetimeFigureOut">
               <a:rPr lang="en-GB" smtClean="0"/>
-              <a:t>25/02/2024</a:t>
+              <a:t>26/02/2024</a:t>
             </a:fld>
             <a:endParaRPr lang="en-GB"/>
           </a:p>
@@ -2994,59 +3004,92 @@
           <a:chExt cx="0" cy="0"/>
         </a:xfrm>
       </p:grpSpPr>
+      <p:pic>
+        <p:nvPicPr>
+          <p:cNvPr id="340" name="Picture 339"/>
+          <p:cNvPicPr>
+            <a:picLocks noChangeAspect="1"/>
+          </p:cNvPicPr>
+          <p:nvPr/>
+        </p:nvPicPr>
+        <p:blipFill>
+          <a:blip r:embed="rId2" cstate="print">
+            <a:extLst>
+              <a:ext uri="{28A0092B-C50C-407E-A947-70E740481C1C}">
+                <a14:useLocalDpi xmlns:a14="http://schemas.microsoft.com/office/drawing/2010/main" val="0"/>
+              </a:ext>
+            </a:extLst>
+          </a:blip>
+          <a:stretch>
+            <a:fillRect/>
+          </a:stretch>
+        </p:blipFill>
+        <p:spPr>
+          <a:xfrm rot="8896502">
+            <a:off x="2526882" y="40265"/>
+            <a:ext cx="6632210" cy="6632210"/>
+          </a:xfrm>
+          <a:prstGeom prst="ellipse">
+            <a:avLst/>
+          </a:prstGeom>
+        </p:spPr>
+      </p:pic>
+      <p:sp>
+        <p:nvSpPr>
+          <p:cNvPr id="278" name="TextBox 277"/>
+          <p:cNvSpPr txBox="1"/>
+          <p:nvPr/>
+        </p:nvSpPr>
+        <p:spPr>
+          <a:xfrm rot="19521356">
+            <a:off x="7082054" y="2032150"/>
+            <a:ext cx="1060803" cy="170496"/>
+          </a:xfrm>
+          <a:prstGeom prst="rect">
+            <a:avLst/>
+          </a:prstGeom>
+          <a:noFill/>
+        </p:spPr>
+        <p:txBody>
+          <a:bodyPr wrap="square" rtlCol="0">
+            <a:spAutoFit/>
+          </a:bodyPr>
+          <a:lstStyle/>
+          <a:p>
+            <a:r>
+              <a:rPr lang="en-GB" sz="508" dirty="0">
+                <a:latin typeface="Helvetica" panose="020B0604020202020204" pitchFamily="34" charset="0"/>
+                <a:cs typeface="Helvetica" panose="020B0604020202020204" pitchFamily="34" charset="0"/>
+              </a:rPr>
+              <a:t>MoJ (n=17)</a:t>
+            </a:r>
+          </a:p>
+        </p:txBody>
+      </p:sp>
       <p:grpSp>
         <p:nvGrpSpPr>
-          <p:cNvPr id="111" name="Group 110"/>
+          <p:cNvPr id="108" name="Group 107"/>
           <p:cNvGrpSpPr/>
           <p:nvPr/>
         </p:nvGrpSpPr>
         <p:grpSpPr>
           <a:xfrm rot="19871965">
-            <a:off x="2581581" y="785655"/>
-            <a:ext cx="5989414" cy="5486490"/>
+            <a:off x="2507103" y="962148"/>
+            <a:ext cx="5372702" cy="5034770"/>
             <a:chOff x="1619789" y="309574"/>
-            <a:chExt cx="5989414" cy="5486490"/>
+            <a:chExt cx="5372702" cy="5034770"/>
           </a:xfrm>
         </p:grpSpPr>
-        <p:pic>
-          <p:nvPicPr>
-            <p:cNvPr id="340" name="Picture 339"/>
-            <p:cNvPicPr>
-              <a:picLocks noChangeAspect="1"/>
-            </p:cNvPicPr>
-            <p:nvPr/>
-          </p:nvPicPr>
-          <p:blipFill rotWithShape="1">
-            <a:blip r:embed="rId2" cstate="print">
-              <a:extLst>
-                <a:ext uri="{28A0092B-C50C-407E-A947-70E740481C1C}">
-                  <a14:useLocalDpi xmlns:a14="http://schemas.microsoft.com/office/drawing/2010/main" val="0"/>
-                </a:ext>
-              </a:extLst>
-            </a:blip>
-            <a:srcRect l="24064" t="9259" r="7200" b="14198"/>
-            <a:stretch/>
-          </p:blipFill>
-          <p:spPr>
-            <a:xfrm rot="10624537">
-              <a:off x="2069509" y="664586"/>
-              <a:ext cx="4608034" cy="5131478"/>
-            </a:xfrm>
-            <a:prstGeom prst="ellipse">
-              <a:avLst/>
-            </a:prstGeom>
-          </p:spPr>
-        </p:pic>
         <p:sp>
           <p:nvSpPr>
-            <p:cNvPr id="278" name="TextBox 277"/>
+            <p:cNvPr id="240" name="TextBox 239"/>
             <p:cNvSpPr txBox="1"/>
             <p:nvPr/>
           </p:nvSpPr>
           <p:spPr>
-            <a:xfrm rot="21249391">
-              <a:off x="6548400" y="2711619"/>
-              <a:ext cx="1060803" cy="170496"/>
+            <a:xfrm rot="2421631">
+              <a:off x="4076173" y="2496828"/>
+              <a:ext cx="539679" cy="170496"/>
             </a:xfrm>
             <a:prstGeom prst="rect">
               <a:avLst/>
@@ -3064,2810 +3107,2763 @@
                   <a:latin typeface="Helvetica" panose="020B0604020202020204" pitchFamily="34" charset="0"/>
                   <a:cs typeface="Helvetica" panose="020B0604020202020204" pitchFamily="34" charset="0"/>
                 </a:rPr>
-                <a:t>MoJ (n=17)</a:t>
+                <a:t>OZEV (n=4)</a:t>
               </a:r>
             </a:p>
           </p:txBody>
         </p:sp>
-        <p:grpSp>
-          <p:nvGrpSpPr>
-            <p:cNvPr id="108" name="Group 107"/>
-            <p:cNvGrpSpPr/>
-            <p:nvPr/>
-          </p:nvGrpSpPr>
-          <p:grpSpPr>
-            <a:xfrm>
-              <a:off x="1619789" y="309574"/>
-              <a:ext cx="5372702" cy="5034770"/>
-              <a:chOff x="1619789" y="309574"/>
-              <a:chExt cx="5372702" cy="5034770"/>
-            </a:xfrm>
-          </p:grpSpPr>
-          <p:sp>
-            <p:nvSpPr>
-              <p:cNvPr id="240" name="TextBox 239"/>
-              <p:cNvSpPr txBox="1"/>
-              <p:nvPr/>
-            </p:nvSpPr>
-            <p:spPr>
-              <a:xfrm rot="2421631">
-                <a:off x="4076173" y="2496828"/>
-                <a:ext cx="539679" cy="170496"/>
-              </a:xfrm>
-              <a:prstGeom prst="rect">
-                <a:avLst/>
-              </a:prstGeom>
-              <a:noFill/>
-            </p:spPr>
-            <p:txBody>
-              <a:bodyPr wrap="square" rtlCol="0">
-                <a:spAutoFit/>
-              </a:bodyPr>
-              <a:lstStyle/>
-              <a:p>
-                <a:r>
-                  <a:rPr lang="en-GB" sz="508" dirty="0">
-                    <a:latin typeface="Helvetica" panose="020B0604020202020204" pitchFamily="34" charset="0"/>
-                    <a:cs typeface="Helvetica" panose="020B0604020202020204" pitchFamily="34" charset="0"/>
-                  </a:rPr>
-                  <a:t>OZEV (n=4)</a:t>
-                </a:r>
-              </a:p>
-            </p:txBody>
-          </p:sp>
-          <p:sp>
-            <p:nvSpPr>
-              <p:cNvPr id="50" name="TextBox 49"/>
-              <p:cNvSpPr txBox="1"/>
-              <p:nvPr/>
-            </p:nvSpPr>
-            <p:spPr>
-              <a:xfrm rot="951685">
-                <a:off x="3663977" y="2726268"/>
-                <a:ext cx="1060803" cy="170496"/>
-              </a:xfrm>
-              <a:prstGeom prst="rect">
-                <a:avLst/>
-              </a:prstGeom>
-              <a:noFill/>
-            </p:spPr>
-            <p:txBody>
-              <a:bodyPr wrap="square" rtlCol="0">
-                <a:spAutoFit/>
-              </a:bodyPr>
-              <a:lstStyle/>
-              <a:p>
-                <a:r>
-                  <a:rPr lang="en-GB" sz="508" dirty="0">
-                    <a:latin typeface="Helvetica" panose="020B0604020202020204" pitchFamily="34" charset="0"/>
-                    <a:cs typeface="Helvetica" panose="020B0604020202020204" pitchFamily="34" charset="0"/>
-                  </a:rPr>
-                  <a:t>MHRA (n=1)</a:t>
-                </a:r>
-              </a:p>
-            </p:txBody>
-          </p:sp>
-          <p:sp>
-            <p:nvSpPr>
-              <p:cNvPr id="241" name="TextBox 240"/>
-              <p:cNvSpPr txBox="1"/>
-              <p:nvPr/>
-            </p:nvSpPr>
-            <p:spPr>
-              <a:xfrm rot="438043">
-                <a:off x="3714601" y="2892373"/>
-                <a:ext cx="1060803" cy="170496"/>
-              </a:xfrm>
-              <a:prstGeom prst="rect">
-                <a:avLst/>
-              </a:prstGeom>
-              <a:noFill/>
-            </p:spPr>
-            <p:txBody>
-              <a:bodyPr wrap="square" rtlCol="0">
-                <a:spAutoFit/>
-              </a:bodyPr>
-              <a:lstStyle/>
-              <a:p>
-                <a:r>
-                  <a:rPr lang="en-GB" sz="508" dirty="0">
-                    <a:latin typeface="Helvetica" panose="020B0604020202020204" pitchFamily="34" charset="0"/>
-                    <a:cs typeface="Helvetica" panose="020B0604020202020204" pitchFamily="34" charset="0"/>
-                  </a:rPr>
-                  <a:t>IPO (n=7)</a:t>
-                </a:r>
-              </a:p>
-            </p:txBody>
-          </p:sp>
-          <p:sp>
-            <p:nvSpPr>
-              <p:cNvPr id="209" name="TextBox 208"/>
-              <p:cNvSpPr txBox="1"/>
-              <p:nvPr/>
-            </p:nvSpPr>
-            <p:spPr>
-              <a:xfrm rot="17694603">
-                <a:off x="4866260" y="2239571"/>
-                <a:ext cx="850219" cy="170496"/>
-              </a:xfrm>
-              <a:prstGeom prst="rect">
-                <a:avLst/>
-              </a:prstGeom>
-              <a:noFill/>
-            </p:spPr>
-            <p:txBody>
-              <a:bodyPr wrap="square" rtlCol="0">
-                <a:spAutoFit/>
-              </a:bodyPr>
-              <a:lstStyle/>
-              <a:p>
-                <a:r>
-                  <a:rPr lang="en-GB" sz="508" dirty="0" smtClean="0">
-                    <a:latin typeface="Helvetica" panose="020B0604020202020204" pitchFamily="34" charset="0"/>
-                    <a:cs typeface="Helvetica" panose="020B0604020202020204" pitchFamily="34" charset="0"/>
-                  </a:rPr>
-                  <a:t>CSFS </a:t>
-                </a:r>
-                <a:r>
-                  <a:rPr lang="en-GB" sz="508" dirty="0">
-                    <a:latin typeface="Helvetica" panose="020B0604020202020204" pitchFamily="34" charset="0"/>
-                    <a:cs typeface="Helvetica" panose="020B0604020202020204" pitchFamily="34" charset="0"/>
-                  </a:rPr>
-                  <a:t>(n=1)</a:t>
-                </a:r>
-              </a:p>
-            </p:txBody>
-          </p:sp>
-          <p:sp>
-            <p:nvSpPr>
-              <p:cNvPr id="71" name="TextBox 70"/>
-              <p:cNvSpPr txBox="1"/>
-              <p:nvPr/>
-            </p:nvSpPr>
-            <p:spPr>
-              <a:xfrm rot="19404570">
-                <a:off x="2181408" y="4604656"/>
-                <a:ext cx="1060803" cy="170496"/>
-              </a:xfrm>
-              <a:prstGeom prst="rect">
-                <a:avLst/>
-              </a:prstGeom>
-              <a:noFill/>
-            </p:spPr>
-            <p:txBody>
-              <a:bodyPr wrap="square" rtlCol="0">
-                <a:spAutoFit/>
-              </a:bodyPr>
-              <a:lstStyle/>
-              <a:p>
-                <a:r>
-                  <a:rPr lang="en-GB" sz="508" dirty="0">
-                    <a:latin typeface="Helvetica" panose="020B0604020202020204" pitchFamily="34" charset="0"/>
-                    <a:cs typeface="Helvetica" panose="020B0604020202020204" pitchFamily="34" charset="0"/>
-                  </a:rPr>
-                  <a:t>DfE (n=30)</a:t>
-                </a:r>
-              </a:p>
-            </p:txBody>
-          </p:sp>
-          <p:sp>
-            <p:nvSpPr>
-              <p:cNvPr id="41" name="TextBox 40"/>
-              <p:cNvSpPr txBox="1"/>
-              <p:nvPr/>
-            </p:nvSpPr>
-            <p:spPr>
-              <a:xfrm rot="20247595">
-                <a:off x="3536707" y="3365213"/>
-                <a:ext cx="1060803" cy="170496"/>
-              </a:xfrm>
-              <a:prstGeom prst="rect">
-                <a:avLst/>
-              </a:prstGeom>
-              <a:noFill/>
-            </p:spPr>
-            <p:txBody>
-              <a:bodyPr wrap="square" rtlCol="0">
-                <a:spAutoFit/>
-              </a:bodyPr>
-              <a:lstStyle/>
-              <a:p>
-                <a:r>
-                  <a:rPr lang="en-GB" sz="508" dirty="0">
-                    <a:latin typeface="Helvetica" panose="020B0604020202020204" pitchFamily="34" charset="0"/>
-                    <a:cs typeface="Helvetica" panose="020B0604020202020204" pitchFamily="34" charset="0"/>
-                  </a:rPr>
-                  <a:t>DLHC (n=9)</a:t>
-                </a:r>
-              </a:p>
-            </p:txBody>
-          </p:sp>
-          <p:sp>
-            <p:nvSpPr>
-              <p:cNvPr id="42" name="TextBox 41"/>
-              <p:cNvSpPr txBox="1"/>
-              <p:nvPr/>
-            </p:nvSpPr>
-            <p:spPr>
-              <a:xfrm rot="19084211">
-                <a:off x="4067889" y="3290163"/>
-                <a:ext cx="1060803" cy="170496"/>
-              </a:xfrm>
-              <a:prstGeom prst="rect">
-                <a:avLst/>
-              </a:prstGeom>
-              <a:noFill/>
-            </p:spPr>
-            <p:txBody>
-              <a:bodyPr wrap="square" rtlCol="0">
-                <a:spAutoFit/>
-              </a:bodyPr>
-              <a:lstStyle/>
-              <a:p>
-                <a:r>
-                  <a:rPr lang="en-GB" sz="508" dirty="0">
-                    <a:latin typeface="Helvetica" panose="020B0604020202020204" pitchFamily="34" charset="0"/>
-                    <a:cs typeface="Helvetica" panose="020B0604020202020204" pitchFamily="34" charset="0"/>
-                  </a:rPr>
-                  <a:t>CCS (n=1)</a:t>
-                </a:r>
-              </a:p>
-            </p:txBody>
-          </p:sp>
-          <p:cxnSp>
-            <p:nvCxnSpPr>
-              <p:cNvPr id="54" name="Straight Connector 53"/>
-              <p:cNvCxnSpPr/>
-              <p:nvPr/>
-            </p:nvCxnSpPr>
-            <p:spPr>
-              <a:xfrm rot="21424537">
-                <a:off x="4133651" y="2786808"/>
-                <a:ext cx="484213" cy="188847"/>
-              </a:xfrm>
-              <a:prstGeom prst="line">
-                <a:avLst/>
-              </a:prstGeom>
-              <a:ln w="3175">
-                <a:solidFill>
-                  <a:schemeClr val="tx1"/>
-                </a:solidFill>
-              </a:ln>
-            </p:spPr>
-            <p:style>
-              <a:lnRef idx="1">
-                <a:schemeClr val="accent1"/>
-              </a:lnRef>
-              <a:fillRef idx="0">
-                <a:schemeClr val="accent1"/>
-              </a:fillRef>
-              <a:effectRef idx="0">
-                <a:schemeClr val="accent1"/>
-              </a:effectRef>
-              <a:fontRef idx="minor">
-                <a:schemeClr val="tx1"/>
-              </a:fontRef>
-            </p:style>
-          </p:cxnSp>
-          <p:sp>
-            <p:nvSpPr>
-              <p:cNvPr id="62" name="TextBox 61"/>
-              <p:cNvSpPr txBox="1"/>
-              <p:nvPr/>
-            </p:nvSpPr>
-            <p:spPr>
-              <a:xfrm rot="3582453">
-                <a:off x="4211416" y="2682220"/>
-                <a:ext cx="1060803" cy="170496"/>
-              </a:xfrm>
-              <a:prstGeom prst="rect">
-                <a:avLst/>
-              </a:prstGeom>
-              <a:noFill/>
-            </p:spPr>
-            <p:txBody>
-              <a:bodyPr wrap="square" rtlCol="0">
-                <a:spAutoFit/>
-              </a:bodyPr>
-              <a:lstStyle/>
-              <a:p>
-                <a:r>
-                  <a:rPr lang="en-GB" sz="508" dirty="0">
-                    <a:latin typeface="Helvetica" panose="020B0604020202020204" pitchFamily="34" charset="0"/>
-                    <a:cs typeface="Helvetica" panose="020B0604020202020204" pitchFamily="34" charset="0"/>
-                  </a:rPr>
-                  <a:t>UKTI (n=1)</a:t>
-                </a:r>
-              </a:p>
-            </p:txBody>
-          </p:sp>
-          <p:cxnSp>
-            <p:nvCxnSpPr>
-              <p:cNvPr id="63" name="Straight Connector 62"/>
-              <p:cNvCxnSpPr/>
-              <p:nvPr/>
-            </p:nvCxnSpPr>
-            <p:spPr>
-              <a:xfrm rot="21424537">
-                <a:off x="4336838" y="2795040"/>
-                <a:ext cx="218252" cy="102433"/>
-              </a:xfrm>
-              <a:prstGeom prst="line">
-                <a:avLst/>
-              </a:prstGeom>
-              <a:ln w="3175">
-                <a:solidFill>
-                  <a:schemeClr val="tx1"/>
-                </a:solidFill>
-              </a:ln>
-            </p:spPr>
-            <p:style>
-              <a:lnRef idx="1">
-                <a:schemeClr val="accent1"/>
-              </a:lnRef>
-              <a:fillRef idx="0">
-                <a:schemeClr val="accent1"/>
-              </a:fillRef>
-              <a:effectRef idx="0">
-                <a:schemeClr val="accent1"/>
-              </a:effectRef>
-              <a:fontRef idx="minor">
-                <a:schemeClr val="tx1"/>
-              </a:fontRef>
-            </p:style>
-          </p:cxnSp>
-          <p:sp>
-            <p:nvSpPr>
-              <p:cNvPr id="70" name="TextBox 69"/>
-              <p:cNvSpPr txBox="1"/>
-              <p:nvPr/>
-            </p:nvSpPr>
-            <p:spPr>
-              <a:xfrm rot="1415197">
-                <a:off x="3930291" y="2659434"/>
-                <a:ext cx="572314" cy="170496"/>
-              </a:xfrm>
-              <a:prstGeom prst="rect">
-                <a:avLst/>
-              </a:prstGeom>
-              <a:noFill/>
-            </p:spPr>
-            <p:txBody>
-              <a:bodyPr wrap="square" rtlCol="0">
-                <a:spAutoFit/>
-              </a:bodyPr>
-              <a:lstStyle/>
-              <a:p>
-                <a:r>
-                  <a:rPr lang="en-GB" sz="508" dirty="0">
-                    <a:latin typeface="Helvetica" panose="020B0604020202020204" pitchFamily="34" charset="0"/>
-                    <a:cs typeface="Helvetica" panose="020B0604020202020204" pitchFamily="34" charset="0"/>
-                  </a:rPr>
-                  <a:t>MoD (n=2)</a:t>
-                </a:r>
-              </a:p>
-            </p:txBody>
-          </p:sp>
-          <p:cxnSp>
-            <p:nvCxnSpPr>
-              <p:cNvPr id="114" name="Straight Connector 113"/>
-              <p:cNvCxnSpPr/>
-              <p:nvPr/>
-            </p:nvCxnSpPr>
-            <p:spPr>
-              <a:xfrm rot="21424537" flipH="1" flipV="1">
-                <a:off x="4488475" y="2480387"/>
-                <a:ext cx="237658" cy="351242"/>
-              </a:xfrm>
-              <a:prstGeom prst="line">
-                <a:avLst/>
-              </a:prstGeom>
-              <a:ln w="3175">
-                <a:solidFill>
-                  <a:schemeClr val="tx1"/>
-                </a:solidFill>
-              </a:ln>
-            </p:spPr>
-            <p:style>
-              <a:lnRef idx="1">
-                <a:schemeClr val="accent1"/>
-              </a:lnRef>
-              <a:fillRef idx="0">
-                <a:schemeClr val="accent1"/>
-              </a:fillRef>
-              <a:effectRef idx="0">
-                <a:schemeClr val="accent1"/>
-              </a:effectRef>
-              <a:fontRef idx="minor">
-                <a:schemeClr val="tx1"/>
-              </a:fontRef>
-            </p:style>
-          </p:cxnSp>
-          <p:cxnSp>
-            <p:nvCxnSpPr>
-              <p:cNvPr id="161" name="Straight Connector 160"/>
-              <p:cNvCxnSpPr/>
-              <p:nvPr/>
-            </p:nvCxnSpPr>
-            <p:spPr>
-              <a:xfrm rot="21424537" flipH="1">
-                <a:off x="4111564" y="3121087"/>
-                <a:ext cx="492259" cy="13034"/>
-              </a:xfrm>
-              <a:prstGeom prst="line">
-                <a:avLst/>
-              </a:prstGeom>
-              <a:ln w="3175">
-                <a:solidFill>
-                  <a:schemeClr val="tx1"/>
-                </a:solidFill>
-              </a:ln>
-            </p:spPr>
-            <p:style>
-              <a:lnRef idx="1">
-                <a:schemeClr val="accent1"/>
-              </a:lnRef>
-              <a:fillRef idx="0">
-                <a:schemeClr val="accent1"/>
-              </a:fillRef>
-              <a:effectRef idx="0">
-                <a:schemeClr val="accent1"/>
-              </a:effectRef>
-              <a:fontRef idx="minor">
-                <a:schemeClr val="tx1"/>
-              </a:fontRef>
-            </p:style>
-          </p:cxnSp>
-          <p:cxnSp>
-            <p:nvCxnSpPr>
-              <p:cNvPr id="166" name="Straight Connector 165"/>
-              <p:cNvCxnSpPr/>
-              <p:nvPr/>
-            </p:nvCxnSpPr>
-            <p:spPr>
-              <a:xfrm rot="21424537" flipV="1">
-                <a:off x="4085603" y="3462933"/>
-                <a:ext cx="182741" cy="92210"/>
-              </a:xfrm>
-              <a:prstGeom prst="line">
-                <a:avLst/>
-              </a:prstGeom>
-              <a:ln w="3175">
-                <a:solidFill>
-                  <a:schemeClr val="tx1"/>
-                </a:solidFill>
-              </a:ln>
-            </p:spPr>
-            <p:style>
-              <a:lnRef idx="1">
-                <a:schemeClr val="accent1"/>
-              </a:lnRef>
-              <a:fillRef idx="0">
-                <a:schemeClr val="accent1"/>
-              </a:fillRef>
-              <a:effectRef idx="0">
-                <a:schemeClr val="accent1"/>
-              </a:effectRef>
-              <a:fontRef idx="minor">
-                <a:schemeClr val="tx1"/>
-              </a:fontRef>
-            </p:style>
-          </p:cxnSp>
-          <p:cxnSp>
-            <p:nvCxnSpPr>
-              <p:cNvPr id="171" name="Straight Connector 170"/>
-              <p:cNvCxnSpPr/>
-              <p:nvPr/>
-            </p:nvCxnSpPr>
-            <p:spPr>
-              <a:xfrm rot="21424537">
-                <a:off x="4054949" y="2848967"/>
-                <a:ext cx="373293" cy="115197"/>
-              </a:xfrm>
-              <a:prstGeom prst="line">
-                <a:avLst/>
-              </a:prstGeom>
-              <a:ln w="3175">
-                <a:solidFill>
-                  <a:schemeClr val="tx1"/>
-                </a:solidFill>
-              </a:ln>
-            </p:spPr>
-            <p:style>
-              <a:lnRef idx="1">
-                <a:schemeClr val="accent1"/>
-              </a:lnRef>
-              <a:fillRef idx="0">
-                <a:schemeClr val="accent1"/>
-              </a:fillRef>
-              <a:effectRef idx="0">
-                <a:schemeClr val="accent1"/>
-              </a:effectRef>
-              <a:fontRef idx="minor">
-                <a:schemeClr val="tx1"/>
-              </a:fontRef>
-            </p:style>
-          </p:cxnSp>
-          <p:cxnSp>
-            <p:nvCxnSpPr>
-              <p:cNvPr id="175" name="Straight Connector 174"/>
-              <p:cNvCxnSpPr/>
-              <p:nvPr/>
-            </p:nvCxnSpPr>
-            <p:spPr>
-              <a:xfrm rot="21424537">
-                <a:off x="4281473" y="2656596"/>
-                <a:ext cx="303968" cy="209962"/>
-              </a:xfrm>
-              <a:prstGeom prst="line">
-                <a:avLst/>
-              </a:prstGeom>
-              <a:ln w="3175">
-                <a:solidFill>
-                  <a:schemeClr val="tx1"/>
-                </a:solidFill>
-              </a:ln>
-            </p:spPr>
-            <p:style>
-              <a:lnRef idx="1">
-                <a:schemeClr val="accent1"/>
-              </a:lnRef>
-              <a:fillRef idx="0">
-                <a:schemeClr val="accent1"/>
-              </a:fillRef>
-              <a:effectRef idx="0">
-                <a:schemeClr val="accent1"/>
-              </a:effectRef>
-              <a:fontRef idx="minor">
-                <a:schemeClr val="tx1"/>
-              </a:fontRef>
-            </p:style>
-          </p:cxnSp>
-          <p:sp>
-            <p:nvSpPr>
-              <p:cNvPr id="188" name="TextBox 187"/>
-              <p:cNvSpPr txBox="1"/>
-              <p:nvPr/>
-            </p:nvSpPr>
-            <p:spPr>
-              <a:xfrm rot="19123985">
-                <a:off x="5112145" y="2435602"/>
-                <a:ext cx="801697" cy="170496"/>
-              </a:xfrm>
-              <a:prstGeom prst="rect">
-                <a:avLst/>
-              </a:prstGeom>
-              <a:noFill/>
-            </p:spPr>
-            <p:txBody>
-              <a:bodyPr wrap="square" rtlCol="0">
-                <a:spAutoFit/>
-              </a:bodyPr>
-              <a:lstStyle/>
-              <a:p>
-                <a:r>
-                  <a:rPr lang="en-GB" sz="508" dirty="0">
-                    <a:latin typeface="Helvetica" panose="020B0604020202020204" pitchFamily="34" charset="0"/>
-                    <a:cs typeface="Helvetica" panose="020B0604020202020204" pitchFamily="34" charset="0"/>
-                  </a:rPr>
-                  <a:t>SLC (n=3)</a:t>
-                </a:r>
-              </a:p>
-            </p:txBody>
-          </p:sp>
-          <p:sp>
-            <p:nvSpPr>
-              <p:cNvPr id="187" name="TextBox 186"/>
-              <p:cNvSpPr txBox="1"/>
-              <p:nvPr/>
-            </p:nvSpPr>
-            <p:spPr>
-              <a:xfrm rot="2807193">
-                <a:off x="4266585" y="2546045"/>
-                <a:ext cx="515362" cy="170496"/>
-              </a:xfrm>
-              <a:prstGeom prst="rect">
-                <a:avLst/>
-              </a:prstGeom>
-              <a:noFill/>
-            </p:spPr>
-            <p:txBody>
-              <a:bodyPr wrap="square" rtlCol="0">
-                <a:spAutoFit/>
-              </a:bodyPr>
-              <a:lstStyle/>
-              <a:p>
-                <a:r>
-                  <a:rPr lang="en-GB" sz="508" dirty="0">
-                    <a:latin typeface="Helvetica" panose="020B0604020202020204" pitchFamily="34" charset="0"/>
-                    <a:cs typeface="Helvetica" panose="020B0604020202020204" pitchFamily="34" charset="0"/>
-                  </a:rPr>
-                  <a:t>CC (n=3)</a:t>
-                </a:r>
-              </a:p>
-            </p:txBody>
-          </p:sp>
-          <p:sp>
-            <p:nvSpPr>
-              <p:cNvPr id="189" name="TextBox 188"/>
-              <p:cNvSpPr txBox="1"/>
-              <p:nvPr/>
-            </p:nvSpPr>
-            <p:spPr>
-              <a:xfrm rot="704072">
-                <a:off x="5838704" y="3264355"/>
-                <a:ext cx="850219" cy="170496"/>
-              </a:xfrm>
-              <a:prstGeom prst="rect">
-                <a:avLst/>
-              </a:prstGeom>
-              <a:noFill/>
-            </p:spPr>
-            <p:txBody>
-              <a:bodyPr wrap="square" rtlCol="0">
-                <a:spAutoFit/>
-              </a:bodyPr>
-              <a:lstStyle/>
-              <a:p>
-                <a:r>
-                  <a:rPr lang="en-GB" sz="508" dirty="0">
-                    <a:latin typeface="Helvetica" panose="020B0604020202020204" pitchFamily="34" charset="0"/>
-                    <a:cs typeface="Helvetica" panose="020B0604020202020204" pitchFamily="34" charset="0"/>
-                  </a:rPr>
-                  <a:t>Ofsted (n=9)</a:t>
-                </a:r>
-              </a:p>
-            </p:txBody>
-          </p:sp>
-          <p:sp>
-            <p:nvSpPr>
-              <p:cNvPr id="191" name="TextBox 190"/>
-              <p:cNvSpPr txBox="1"/>
-              <p:nvPr/>
-            </p:nvSpPr>
-            <p:spPr>
-              <a:xfrm rot="18199298">
-                <a:off x="5271520" y="1773858"/>
-                <a:ext cx="850219" cy="170496"/>
-              </a:xfrm>
-              <a:prstGeom prst="rect">
-                <a:avLst/>
-              </a:prstGeom>
-              <a:noFill/>
-            </p:spPr>
-            <p:txBody>
-              <a:bodyPr wrap="square" rtlCol="0">
-                <a:spAutoFit/>
-              </a:bodyPr>
-              <a:lstStyle/>
-              <a:p>
-                <a:r>
-                  <a:rPr lang="en-GB" sz="508" dirty="0">
-                    <a:latin typeface="Helvetica" panose="020B0604020202020204" pitchFamily="34" charset="0"/>
-                    <a:cs typeface="Helvetica" panose="020B0604020202020204" pitchFamily="34" charset="0"/>
-                  </a:rPr>
-                  <a:t>ESFA (</a:t>
-                </a:r>
-                <a:r>
-                  <a:rPr lang="en-GB" sz="508" dirty="0" smtClean="0">
-                    <a:latin typeface="Helvetica" panose="020B0604020202020204" pitchFamily="34" charset="0"/>
-                    <a:cs typeface="Helvetica" panose="020B0604020202020204" pitchFamily="34" charset="0"/>
-                  </a:rPr>
-                  <a:t>n=10)</a:t>
-                </a:r>
-                <a:endParaRPr lang="en-GB" sz="508" dirty="0">
+        <p:sp>
+          <p:nvSpPr>
+            <p:cNvPr id="50" name="TextBox 49"/>
+            <p:cNvSpPr txBox="1"/>
+            <p:nvPr/>
+          </p:nvSpPr>
+          <p:spPr>
+            <a:xfrm rot="951685">
+              <a:off x="3668882" y="2691063"/>
+              <a:ext cx="803181" cy="170496"/>
+            </a:xfrm>
+            <a:prstGeom prst="rect">
+              <a:avLst/>
+            </a:prstGeom>
+            <a:noFill/>
+          </p:spPr>
+          <p:txBody>
+            <a:bodyPr wrap="square" rtlCol="0">
+              <a:spAutoFit/>
+            </a:bodyPr>
+            <a:lstStyle/>
+            <a:p>
+              <a:r>
+                <a:rPr lang="en-GB" sz="508" dirty="0">
                   <a:latin typeface="Helvetica" panose="020B0604020202020204" pitchFamily="34" charset="0"/>
                   <a:cs typeface="Helvetica" panose="020B0604020202020204" pitchFamily="34" charset="0"/>
-                </a:endParaRPr>
-              </a:p>
-            </p:txBody>
-          </p:sp>
-          <p:sp>
-            <p:nvSpPr>
-              <p:cNvPr id="192" name="TextBox 191"/>
-              <p:cNvSpPr txBox="1"/>
-              <p:nvPr/>
-            </p:nvSpPr>
-            <p:spPr>
-              <a:xfrm rot="2198138">
-                <a:off x="5102493" y="3435189"/>
-                <a:ext cx="850219" cy="170496"/>
-              </a:xfrm>
-              <a:prstGeom prst="rect">
-                <a:avLst/>
-              </a:prstGeom>
-              <a:noFill/>
-            </p:spPr>
-            <p:txBody>
-              <a:bodyPr wrap="square" rtlCol="0">
-                <a:spAutoFit/>
-              </a:bodyPr>
-              <a:lstStyle/>
-              <a:p>
-                <a:r>
-                  <a:rPr lang="en-GB" sz="508" dirty="0">
-                    <a:latin typeface="Helvetica" panose="020B0604020202020204" pitchFamily="34" charset="0"/>
-                    <a:cs typeface="Helvetica" panose="020B0604020202020204" pitchFamily="34" charset="0"/>
-                  </a:rPr>
-                  <a:t>Ofqual (n=2)</a:t>
-                </a:r>
-              </a:p>
-            </p:txBody>
-          </p:sp>
-          <p:sp>
-            <p:nvSpPr>
-              <p:cNvPr id="193" name="TextBox 192"/>
-              <p:cNvSpPr txBox="1"/>
-              <p:nvPr/>
-            </p:nvSpPr>
-            <p:spPr>
-              <a:xfrm rot="3002983">
-                <a:off x="5173736" y="3786963"/>
-                <a:ext cx="850219" cy="170496"/>
-              </a:xfrm>
-              <a:prstGeom prst="rect">
-                <a:avLst/>
-              </a:prstGeom>
-              <a:noFill/>
-            </p:spPr>
-            <p:txBody>
-              <a:bodyPr wrap="square" rtlCol="0">
-                <a:spAutoFit/>
-              </a:bodyPr>
-              <a:lstStyle/>
-              <a:p>
-                <a:r>
-                  <a:rPr lang="en-GB" sz="508" dirty="0">
-                    <a:latin typeface="Helvetica" panose="020B0604020202020204" pitchFamily="34" charset="0"/>
-                    <a:cs typeface="Helvetica" panose="020B0604020202020204" pitchFamily="34" charset="0"/>
-                  </a:rPr>
-                  <a:t>TRA (n=1)</a:t>
-                </a:r>
-              </a:p>
-            </p:txBody>
-          </p:sp>
-          <p:sp>
-            <p:nvSpPr>
-              <p:cNvPr id="194" name="TextBox 193"/>
-              <p:cNvSpPr txBox="1"/>
-              <p:nvPr/>
-            </p:nvSpPr>
-            <p:spPr>
-              <a:xfrm rot="2720284">
-                <a:off x="5190188" y="3664013"/>
-                <a:ext cx="850219" cy="170496"/>
-              </a:xfrm>
-              <a:prstGeom prst="rect">
-                <a:avLst/>
-              </a:prstGeom>
-              <a:noFill/>
-            </p:spPr>
-            <p:txBody>
-              <a:bodyPr wrap="square" rtlCol="0">
-                <a:spAutoFit/>
-              </a:bodyPr>
-              <a:lstStyle/>
-              <a:p>
-                <a:r>
-                  <a:rPr lang="en-GB" sz="508" dirty="0">
-                    <a:latin typeface="Helvetica" panose="020B0604020202020204" pitchFamily="34" charset="0"/>
-                    <a:cs typeface="Helvetica" panose="020B0604020202020204" pitchFamily="34" charset="0"/>
-                  </a:rPr>
-                  <a:t>STA (n=1)</a:t>
-                </a:r>
-              </a:p>
-            </p:txBody>
-          </p:sp>
-          <p:sp>
-            <p:nvSpPr>
-              <p:cNvPr id="196" name="TextBox 195"/>
-              <p:cNvSpPr txBox="1"/>
-              <p:nvPr/>
-            </p:nvSpPr>
-            <p:spPr>
-              <a:xfrm rot="19500686">
-                <a:off x="5415249" y="2282439"/>
-                <a:ext cx="908612" cy="170496"/>
-              </a:xfrm>
-              <a:prstGeom prst="rect">
-                <a:avLst/>
-              </a:prstGeom>
-              <a:noFill/>
-            </p:spPr>
-            <p:txBody>
-              <a:bodyPr wrap="square" rtlCol="0">
-                <a:spAutoFit/>
-              </a:bodyPr>
-              <a:lstStyle/>
-              <a:p>
-                <a:r>
-                  <a:rPr lang="en-GB" sz="508" dirty="0" smtClean="0">
-                    <a:latin typeface="Helvetica" panose="020B0604020202020204" pitchFamily="34" charset="0"/>
-                    <a:cs typeface="Helvetica" panose="020B0604020202020204" pitchFamily="34" charset="0"/>
-                  </a:rPr>
-                  <a:t>NHS BSA </a:t>
-                </a:r>
-                <a:r>
-                  <a:rPr lang="en-GB" sz="508" dirty="0">
-                    <a:latin typeface="Helvetica" panose="020B0604020202020204" pitchFamily="34" charset="0"/>
-                    <a:cs typeface="Helvetica" panose="020B0604020202020204" pitchFamily="34" charset="0"/>
-                  </a:rPr>
-                  <a:t>(n=1)</a:t>
-                </a:r>
-              </a:p>
-            </p:txBody>
-          </p:sp>
-          <p:sp>
-            <p:nvSpPr>
-              <p:cNvPr id="197" name="TextBox 196"/>
-              <p:cNvSpPr txBox="1"/>
-              <p:nvPr/>
-            </p:nvSpPr>
-            <p:spPr>
-              <a:xfrm rot="17033506">
-                <a:off x="4950250" y="1081994"/>
-                <a:ext cx="850219" cy="170496"/>
-              </a:xfrm>
-              <a:prstGeom prst="rect">
-                <a:avLst/>
-              </a:prstGeom>
-              <a:noFill/>
-            </p:spPr>
-            <p:txBody>
-              <a:bodyPr wrap="square" rtlCol="0">
-                <a:spAutoFit/>
-              </a:bodyPr>
-              <a:lstStyle/>
-              <a:p>
-                <a:r>
-                  <a:rPr lang="en-GB" sz="508" dirty="0">
-                    <a:latin typeface="Helvetica" panose="020B0604020202020204" pitchFamily="34" charset="0"/>
-                    <a:cs typeface="Helvetica" panose="020B0604020202020204" pitchFamily="34" charset="0"/>
-                  </a:rPr>
-                  <a:t>DVSA (n=16)</a:t>
-                </a:r>
-              </a:p>
-            </p:txBody>
-          </p:sp>
-          <p:sp>
-            <p:nvSpPr>
-              <p:cNvPr id="198" name="TextBox 197"/>
-              <p:cNvSpPr txBox="1"/>
-              <p:nvPr/>
-            </p:nvSpPr>
-            <p:spPr>
-              <a:xfrm rot="16707174">
-                <a:off x="4747807" y="1037472"/>
-                <a:ext cx="850219" cy="170496"/>
-              </a:xfrm>
-              <a:prstGeom prst="rect">
-                <a:avLst/>
-              </a:prstGeom>
-              <a:noFill/>
-            </p:spPr>
-            <p:txBody>
-              <a:bodyPr wrap="square" rtlCol="0">
-                <a:spAutoFit/>
-              </a:bodyPr>
-              <a:lstStyle/>
-              <a:p>
-                <a:r>
-                  <a:rPr lang="en-GB" sz="508" dirty="0">
-                    <a:latin typeface="Helvetica" panose="020B0604020202020204" pitchFamily="34" charset="0"/>
-                    <a:cs typeface="Helvetica" panose="020B0604020202020204" pitchFamily="34" charset="0"/>
-                  </a:rPr>
-                  <a:t>DVLA (n=16)</a:t>
-                </a:r>
-              </a:p>
-            </p:txBody>
-          </p:sp>
-          <p:sp>
-            <p:nvSpPr>
-              <p:cNvPr id="199" name="TextBox 198"/>
-              <p:cNvSpPr txBox="1"/>
-              <p:nvPr/>
-            </p:nvSpPr>
-            <p:spPr>
-              <a:xfrm rot="16353225">
-                <a:off x="4528197" y="1726906"/>
-                <a:ext cx="850219" cy="170496"/>
-              </a:xfrm>
-              <a:prstGeom prst="rect">
-                <a:avLst/>
-              </a:prstGeom>
-              <a:noFill/>
-            </p:spPr>
-            <p:txBody>
-              <a:bodyPr wrap="square" rtlCol="0">
-                <a:spAutoFit/>
-              </a:bodyPr>
-              <a:lstStyle/>
-              <a:p>
-                <a:r>
-                  <a:rPr lang="en-GB" sz="508" dirty="0">
-                    <a:latin typeface="Helvetica" panose="020B0604020202020204" pitchFamily="34" charset="0"/>
-                    <a:cs typeface="Helvetica" panose="020B0604020202020204" pitchFamily="34" charset="0"/>
-                  </a:rPr>
-                  <a:t>DfT (n=8)</a:t>
-                </a:r>
-              </a:p>
-            </p:txBody>
-          </p:sp>
-          <p:sp>
-            <p:nvSpPr>
-              <p:cNvPr id="201" name="TextBox 200"/>
-              <p:cNvSpPr txBox="1"/>
-              <p:nvPr/>
-            </p:nvSpPr>
-            <p:spPr>
-              <a:xfrm rot="5011192">
-                <a:off x="4447288" y="2412560"/>
-                <a:ext cx="850219" cy="170496"/>
-              </a:xfrm>
-              <a:prstGeom prst="rect">
-                <a:avLst/>
-              </a:prstGeom>
-              <a:noFill/>
-            </p:spPr>
-            <p:txBody>
-              <a:bodyPr wrap="square" rtlCol="0">
-                <a:spAutoFit/>
-              </a:bodyPr>
-              <a:lstStyle/>
-              <a:p>
-                <a:r>
-                  <a:rPr lang="en-GB" sz="508" dirty="0">
-                    <a:latin typeface="Helvetica" panose="020B0604020202020204" pitchFamily="34" charset="0"/>
-                    <a:cs typeface="Helvetica" panose="020B0604020202020204" pitchFamily="34" charset="0"/>
-                  </a:rPr>
-                  <a:t>CAA (n=1)</a:t>
-                </a:r>
-              </a:p>
-            </p:txBody>
-          </p:sp>
-          <p:sp>
-            <p:nvSpPr>
-              <p:cNvPr id="202" name="TextBox 201"/>
-              <p:cNvSpPr txBox="1"/>
-              <p:nvPr/>
-            </p:nvSpPr>
-            <p:spPr>
-              <a:xfrm rot="17490438">
-                <a:off x="4827401" y="2100664"/>
-                <a:ext cx="850219" cy="170496"/>
-              </a:xfrm>
-              <a:prstGeom prst="rect">
-                <a:avLst/>
-              </a:prstGeom>
-              <a:noFill/>
-            </p:spPr>
-            <p:txBody>
-              <a:bodyPr wrap="square" rtlCol="0">
-                <a:spAutoFit/>
-              </a:bodyPr>
-              <a:lstStyle/>
-              <a:p>
-                <a:r>
-                  <a:rPr lang="en-GB" sz="508" dirty="0">
-                    <a:latin typeface="Helvetica" panose="020B0604020202020204" pitchFamily="34" charset="0"/>
-                    <a:cs typeface="Helvetica" panose="020B0604020202020204" pitchFamily="34" charset="0"/>
-                  </a:rPr>
-                  <a:t>HE (n=1)</a:t>
-                </a:r>
-              </a:p>
-            </p:txBody>
-          </p:sp>
-          <p:sp>
-            <p:nvSpPr>
-              <p:cNvPr id="205" name="TextBox 204"/>
-              <p:cNvSpPr txBox="1"/>
-              <p:nvPr/>
-            </p:nvSpPr>
-            <p:spPr>
-              <a:xfrm rot="4360523">
-                <a:off x="4781111" y="3769554"/>
-                <a:ext cx="850219" cy="170496"/>
-              </a:xfrm>
-              <a:prstGeom prst="rect">
-                <a:avLst/>
-              </a:prstGeom>
-              <a:noFill/>
-            </p:spPr>
-            <p:txBody>
-              <a:bodyPr wrap="square" rtlCol="0">
-                <a:spAutoFit/>
-              </a:bodyPr>
-              <a:lstStyle/>
-              <a:p>
-                <a:r>
-                  <a:rPr lang="en-GB" sz="508" dirty="0">
-                    <a:latin typeface="Helvetica" panose="020B0604020202020204" pitchFamily="34" charset="0"/>
-                    <a:cs typeface="Helvetica" panose="020B0604020202020204" pitchFamily="34" charset="0"/>
-                  </a:rPr>
-                  <a:t>LAA (n=2)</a:t>
-                </a:r>
-              </a:p>
-            </p:txBody>
-          </p:sp>
-          <p:sp>
-            <p:nvSpPr>
-              <p:cNvPr id="206" name="TextBox 205"/>
-              <p:cNvSpPr txBox="1"/>
-              <p:nvPr/>
-            </p:nvSpPr>
-            <p:spPr>
-              <a:xfrm rot="3927969">
-                <a:off x="4894558" y="3783545"/>
-                <a:ext cx="850219" cy="170496"/>
-              </a:xfrm>
-              <a:prstGeom prst="rect">
-                <a:avLst/>
-              </a:prstGeom>
-              <a:noFill/>
-            </p:spPr>
-            <p:txBody>
-              <a:bodyPr wrap="square" rtlCol="0">
-                <a:spAutoFit/>
-              </a:bodyPr>
-              <a:lstStyle/>
-              <a:p>
-                <a:r>
-                  <a:rPr lang="en-GB" sz="508" dirty="0">
-                    <a:latin typeface="Helvetica" panose="020B0604020202020204" pitchFamily="34" charset="0"/>
-                    <a:cs typeface="Helvetica" panose="020B0604020202020204" pitchFamily="34" charset="0"/>
-                  </a:rPr>
-                  <a:t>DBS (n=1)</a:t>
-                </a:r>
-              </a:p>
-            </p:txBody>
-          </p:sp>
-          <p:sp>
-            <p:nvSpPr>
-              <p:cNvPr id="204" name="TextBox 203"/>
-              <p:cNvSpPr txBox="1"/>
-              <p:nvPr/>
-            </p:nvSpPr>
-            <p:spPr>
-              <a:xfrm rot="4244605">
-                <a:off x="4267117" y="2279500"/>
-                <a:ext cx="850219" cy="170496"/>
-              </a:xfrm>
-              <a:prstGeom prst="rect">
-                <a:avLst/>
-              </a:prstGeom>
-              <a:noFill/>
-            </p:spPr>
-            <p:txBody>
-              <a:bodyPr wrap="square" rtlCol="0">
-                <a:spAutoFit/>
-              </a:bodyPr>
-              <a:lstStyle/>
-              <a:p>
-                <a:r>
-                  <a:rPr lang="en-GB" sz="508" dirty="0">
-                    <a:latin typeface="Helvetica" panose="020B0604020202020204" pitchFamily="34" charset="0"/>
-                    <a:cs typeface="Helvetica" panose="020B0604020202020204" pitchFamily="34" charset="0"/>
-                  </a:rPr>
-                  <a:t>DCMS (n=1)</a:t>
-                </a:r>
-              </a:p>
-            </p:txBody>
-          </p:sp>
-          <p:sp>
-            <p:nvSpPr>
-              <p:cNvPr id="203" name="TextBox 202"/>
-              <p:cNvSpPr txBox="1"/>
-              <p:nvPr/>
-            </p:nvSpPr>
-            <p:spPr>
-              <a:xfrm rot="17870527">
-                <a:off x="4150236" y="3618153"/>
-                <a:ext cx="850219" cy="170496"/>
-              </a:xfrm>
-              <a:prstGeom prst="rect">
-                <a:avLst/>
-              </a:prstGeom>
-              <a:noFill/>
-            </p:spPr>
-            <p:txBody>
-              <a:bodyPr wrap="square" rtlCol="0">
-                <a:spAutoFit/>
-              </a:bodyPr>
-              <a:lstStyle/>
-              <a:p>
-                <a:r>
-                  <a:rPr lang="en-GB" sz="508" dirty="0">
-                    <a:latin typeface="Helvetica" panose="020B0604020202020204" pitchFamily="34" charset="0"/>
-                    <a:cs typeface="Helvetica" panose="020B0604020202020204" pitchFamily="34" charset="0"/>
-                  </a:rPr>
-                  <a:t>ONS (n=1)</a:t>
-                </a:r>
-              </a:p>
-            </p:txBody>
-          </p:sp>
-          <p:sp>
-            <p:nvSpPr>
-              <p:cNvPr id="237" name="TextBox 236"/>
-              <p:cNvSpPr txBox="1"/>
-              <p:nvPr/>
-            </p:nvSpPr>
-            <p:spPr>
-              <a:xfrm rot="3080008">
-                <a:off x="4003344" y="2461509"/>
-                <a:ext cx="1060803" cy="170496"/>
-              </a:xfrm>
-              <a:prstGeom prst="rect">
-                <a:avLst/>
-              </a:prstGeom>
-              <a:noFill/>
-            </p:spPr>
-            <p:txBody>
-              <a:bodyPr wrap="square" rtlCol="0">
-                <a:spAutoFit/>
-              </a:bodyPr>
-              <a:lstStyle/>
-              <a:p>
-                <a:r>
-                  <a:rPr lang="en-GB" sz="508" dirty="0">
-                    <a:latin typeface="Helvetica" panose="020B0604020202020204" pitchFamily="34" charset="0"/>
-                    <a:cs typeface="Helvetica" panose="020B0604020202020204" pitchFamily="34" charset="0"/>
-                  </a:rPr>
-                  <a:t>UKEF (n=1)</a:t>
-                </a:r>
-              </a:p>
-            </p:txBody>
-          </p:sp>
-          <p:sp>
-            <p:nvSpPr>
-              <p:cNvPr id="238" name="TextBox 237"/>
-              <p:cNvSpPr txBox="1"/>
-              <p:nvPr/>
-            </p:nvSpPr>
-            <p:spPr>
-              <a:xfrm rot="18367180">
-                <a:off x="3777731" y="3868925"/>
-                <a:ext cx="1060803" cy="170496"/>
-              </a:xfrm>
-              <a:prstGeom prst="rect">
-                <a:avLst/>
-              </a:prstGeom>
-              <a:noFill/>
-            </p:spPr>
-            <p:txBody>
-              <a:bodyPr wrap="square" rtlCol="0">
-                <a:spAutoFit/>
-              </a:bodyPr>
-              <a:lstStyle/>
-              <a:p>
-                <a:r>
-                  <a:rPr lang="en-GB" sz="508" dirty="0">
-                    <a:latin typeface="Helvetica" panose="020B0604020202020204" pitchFamily="34" charset="0"/>
-                    <a:cs typeface="Helvetica" panose="020B0604020202020204" pitchFamily="34" charset="0"/>
-                  </a:rPr>
-                  <a:t>CO (n=11)</a:t>
-                </a:r>
-              </a:p>
-            </p:txBody>
-          </p:sp>
-          <p:sp>
-            <p:nvSpPr>
-              <p:cNvPr id="239" name="TextBox 238"/>
-              <p:cNvSpPr txBox="1"/>
-              <p:nvPr/>
-            </p:nvSpPr>
-            <p:spPr>
-              <a:xfrm rot="3989152">
-                <a:off x="4283058" y="2739978"/>
-                <a:ext cx="1060803" cy="170496"/>
-              </a:xfrm>
-              <a:prstGeom prst="rect">
-                <a:avLst/>
-              </a:prstGeom>
-              <a:noFill/>
-            </p:spPr>
-            <p:txBody>
-              <a:bodyPr wrap="square" rtlCol="0">
-                <a:spAutoFit/>
-              </a:bodyPr>
-              <a:lstStyle/>
-              <a:p>
-                <a:r>
-                  <a:rPr lang="en-GB" sz="508" dirty="0">
-                    <a:latin typeface="Helvetica" panose="020B0604020202020204" pitchFamily="34" charset="0"/>
-                    <a:cs typeface="Helvetica" panose="020B0604020202020204" pitchFamily="34" charset="0"/>
-                  </a:rPr>
-                  <a:t>VOA (n=2)</a:t>
-                </a:r>
-              </a:p>
-            </p:txBody>
-          </p:sp>
-          <p:sp>
-            <p:nvSpPr>
-              <p:cNvPr id="243" name="TextBox 242"/>
-              <p:cNvSpPr txBox="1"/>
-              <p:nvPr/>
-            </p:nvSpPr>
-            <p:spPr>
-              <a:xfrm rot="1652100">
-                <a:off x="3820366" y="2608675"/>
-                <a:ext cx="1060803" cy="170496"/>
-              </a:xfrm>
-              <a:prstGeom prst="rect">
-                <a:avLst/>
-              </a:prstGeom>
-              <a:noFill/>
-            </p:spPr>
-            <p:txBody>
-              <a:bodyPr wrap="square" rtlCol="0">
-                <a:spAutoFit/>
-              </a:bodyPr>
-              <a:lstStyle/>
-              <a:p>
-                <a:r>
-                  <a:rPr lang="en-GB" sz="508" dirty="0">
-                    <a:latin typeface="Helvetica" panose="020B0604020202020204" pitchFamily="34" charset="0"/>
-                    <a:cs typeface="Helvetica" panose="020B0604020202020204" pitchFamily="34" charset="0"/>
-                  </a:rPr>
-                  <a:t>OPSS (n=2)</a:t>
-                </a:r>
-              </a:p>
-            </p:txBody>
-          </p:sp>
-          <p:sp>
-            <p:nvSpPr>
-              <p:cNvPr id="244" name="TextBox 243"/>
-              <p:cNvSpPr txBox="1"/>
-              <p:nvPr/>
-            </p:nvSpPr>
-            <p:spPr>
-              <a:xfrm rot="17583310">
-                <a:off x="4275561" y="3272903"/>
-                <a:ext cx="1060803" cy="170496"/>
-              </a:xfrm>
-              <a:prstGeom prst="rect">
-                <a:avLst/>
-              </a:prstGeom>
-              <a:noFill/>
-            </p:spPr>
-            <p:txBody>
-              <a:bodyPr wrap="square" rtlCol="0">
-                <a:spAutoFit/>
-              </a:bodyPr>
-              <a:lstStyle/>
-              <a:p>
-                <a:r>
-                  <a:rPr lang="en-GB" sz="508" dirty="0">
-                    <a:latin typeface="Helvetica" panose="020B0604020202020204" pitchFamily="34" charset="0"/>
-                    <a:cs typeface="Helvetica" panose="020B0604020202020204" pitchFamily="34" charset="0"/>
-                  </a:rPr>
-                  <a:t>MMO (n=2)</a:t>
-                </a:r>
-              </a:p>
-            </p:txBody>
-          </p:sp>
-          <p:sp>
-            <p:nvSpPr>
-              <p:cNvPr id="246" name="TextBox 245"/>
-              <p:cNvSpPr txBox="1"/>
-              <p:nvPr/>
-            </p:nvSpPr>
-            <p:spPr>
-              <a:xfrm rot="18764685">
-                <a:off x="3957051" y="3502244"/>
-                <a:ext cx="1060803" cy="170496"/>
-              </a:xfrm>
-              <a:prstGeom prst="rect">
-                <a:avLst/>
-              </a:prstGeom>
-              <a:noFill/>
-            </p:spPr>
-            <p:txBody>
-              <a:bodyPr wrap="square" rtlCol="0">
-                <a:spAutoFit/>
-              </a:bodyPr>
-              <a:lstStyle/>
-              <a:p>
-                <a:r>
-                  <a:rPr lang="en-GB" sz="508" dirty="0">
-                    <a:latin typeface="Helvetica" panose="020B0604020202020204" pitchFamily="34" charset="0"/>
-                    <a:cs typeface="Helvetica" panose="020B0604020202020204" pitchFamily="34" charset="0"/>
-                  </a:rPr>
-                  <a:t>CH (n=7)</a:t>
-                </a:r>
-              </a:p>
-            </p:txBody>
-          </p:sp>
-          <p:sp>
-            <p:nvSpPr>
-              <p:cNvPr id="247" name="TextBox 246"/>
-              <p:cNvSpPr txBox="1"/>
-              <p:nvPr/>
-            </p:nvSpPr>
-            <p:spPr>
-              <a:xfrm rot="20972542">
-                <a:off x="1619789" y="3527944"/>
-                <a:ext cx="1060803" cy="170496"/>
-              </a:xfrm>
-              <a:prstGeom prst="rect">
-                <a:avLst/>
-              </a:prstGeom>
-              <a:noFill/>
-            </p:spPr>
-            <p:txBody>
-              <a:bodyPr wrap="square" rtlCol="0">
-                <a:spAutoFit/>
-              </a:bodyPr>
-              <a:lstStyle/>
-              <a:p>
-                <a:r>
-                  <a:rPr lang="en-GB" sz="508" dirty="0">
-                    <a:latin typeface="Helvetica" panose="020B0604020202020204" pitchFamily="34" charset="0"/>
-                    <a:cs typeface="Helvetica" panose="020B0604020202020204" pitchFamily="34" charset="0"/>
-                  </a:rPr>
-                  <a:t>HMRC (n=30)</a:t>
-                </a:r>
-              </a:p>
-            </p:txBody>
-          </p:sp>
-          <p:sp>
-            <p:nvSpPr>
-              <p:cNvPr id="248" name="TextBox 247"/>
-              <p:cNvSpPr txBox="1"/>
-              <p:nvPr/>
-            </p:nvSpPr>
-            <p:spPr>
-              <a:xfrm rot="19809079">
-                <a:off x="3653553" y="3417533"/>
-                <a:ext cx="1060803" cy="170496"/>
-              </a:xfrm>
-              <a:prstGeom prst="rect">
-                <a:avLst/>
-              </a:prstGeom>
-              <a:noFill/>
-            </p:spPr>
-            <p:txBody>
-              <a:bodyPr wrap="square" rtlCol="0">
-                <a:spAutoFit/>
-              </a:bodyPr>
-              <a:lstStyle/>
-              <a:p>
-                <a:r>
-                  <a:rPr lang="en-GB" sz="508" dirty="0">
-                    <a:latin typeface="Helvetica" panose="020B0604020202020204" pitchFamily="34" charset="0"/>
-                    <a:cs typeface="Helvetica" panose="020B0604020202020204" pitchFamily="34" charset="0"/>
-                  </a:rPr>
-                  <a:t>DFIT (n=6)</a:t>
-                </a:r>
-              </a:p>
-            </p:txBody>
-          </p:sp>
-          <p:sp>
-            <p:nvSpPr>
-              <p:cNvPr id="250" name="TextBox 249"/>
-              <p:cNvSpPr txBox="1"/>
-              <p:nvPr/>
-            </p:nvSpPr>
-            <p:spPr>
-              <a:xfrm rot="21182436">
-                <a:off x="3706479" y="3037053"/>
-                <a:ext cx="1060803" cy="170496"/>
-              </a:xfrm>
-              <a:prstGeom prst="rect">
-                <a:avLst/>
-              </a:prstGeom>
-              <a:noFill/>
-            </p:spPr>
-            <p:txBody>
-              <a:bodyPr wrap="square" rtlCol="0">
-                <a:spAutoFit/>
-              </a:bodyPr>
-              <a:lstStyle/>
-              <a:p>
-                <a:r>
-                  <a:rPr lang="en-GB" sz="508" dirty="0">
-                    <a:latin typeface="Helvetica" panose="020B0604020202020204" pitchFamily="34" charset="0"/>
-                    <a:cs typeface="Helvetica" panose="020B0604020202020204" pitchFamily="34" charset="0"/>
-                  </a:rPr>
-                  <a:t>IUK (n=1)</a:t>
-                </a:r>
-              </a:p>
-            </p:txBody>
-          </p:sp>
-          <p:sp>
-            <p:nvSpPr>
-              <p:cNvPr id="251" name="TextBox 250"/>
-              <p:cNvSpPr txBox="1"/>
-              <p:nvPr/>
-            </p:nvSpPr>
-            <p:spPr>
-              <a:xfrm rot="16502688">
-                <a:off x="4285477" y="4728695"/>
-                <a:ext cx="1060803" cy="170496"/>
-              </a:xfrm>
-              <a:prstGeom prst="rect">
-                <a:avLst/>
-              </a:prstGeom>
-              <a:noFill/>
-            </p:spPr>
-            <p:txBody>
-              <a:bodyPr wrap="square" rtlCol="0">
-                <a:spAutoFit/>
-              </a:bodyPr>
-              <a:lstStyle/>
-              <a:p>
-                <a:r>
-                  <a:rPr lang="en-GB" sz="508" dirty="0">
-                    <a:latin typeface="Helvetica" panose="020B0604020202020204" pitchFamily="34" charset="0"/>
-                    <a:cs typeface="Helvetica" panose="020B0604020202020204" pitchFamily="34" charset="0"/>
-                  </a:rPr>
-                  <a:t>BEIS (n=18)</a:t>
-                </a:r>
-              </a:p>
-            </p:txBody>
-          </p:sp>
-          <p:sp>
-            <p:nvSpPr>
-              <p:cNvPr id="253" name="TextBox 252"/>
-              <p:cNvSpPr txBox="1"/>
-              <p:nvPr/>
-            </p:nvSpPr>
-            <p:spPr>
-              <a:xfrm rot="21586174">
-                <a:off x="3843742" y="2966065"/>
-                <a:ext cx="1060803" cy="170496"/>
-              </a:xfrm>
-              <a:prstGeom prst="rect">
-                <a:avLst/>
-              </a:prstGeom>
-              <a:noFill/>
-            </p:spPr>
-            <p:txBody>
-              <a:bodyPr wrap="square" rtlCol="0">
-                <a:spAutoFit/>
-              </a:bodyPr>
-              <a:lstStyle/>
-              <a:p>
-                <a:r>
-                  <a:rPr lang="en-GB" sz="508" dirty="0">
-                    <a:latin typeface="Helvetica" panose="020B0604020202020204" pitchFamily="34" charset="0"/>
-                    <a:cs typeface="Helvetica" panose="020B0604020202020204" pitchFamily="34" charset="0"/>
-                  </a:rPr>
-                  <a:t>IS (n=6)</a:t>
-                </a:r>
-              </a:p>
-            </p:txBody>
-          </p:sp>
-          <p:sp>
-            <p:nvSpPr>
-              <p:cNvPr id="254" name="TextBox 253"/>
-              <p:cNvSpPr txBox="1"/>
-              <p:nvPr/>
-            </p:nvSpPr>
-            <p:spPr>
-              <a:xfrm rot="992534">
-                <a:off x="5458323" y="3323641"/>
-                <a:ext cx="1060803" cy="170496"/>
-              </a:xfrm>
-              <a:prstGeom prst="rect">
-                <a:avLst/>
-              </a:prstGeom>
-              <a:noFill/>
-            </p:spPr>
-            <p:txBody>
-              <a:bodyPr wrap="square" rtlCol="0">
-                <a:spAutoFit/>
-              </a:bodyPr>
-              <a:lstStyle/>
-              <a:p>
-                <a:r>
-                  <a:rPr lang="en-GB" sz="508" dirty="0">
-                    <a:latin typeface="Helvetica" panose="020B0604020202020204" pitchFamily="34" charset="0"/>
-                    <a:cs typeface="Helvetica" panose="020B0604020202020204" pitchFamily="34" charset="0"/>
-                  </a:rPr>
-                  <a:t>DHSC (n=5)</a:t>
-                </a:r>
-              </a:p>
-            </p:txBody>
-          </p:sp>
-          <p:sp>
-            <p:nvSpPr>
-              <p:cNvPr id="255" name="TextBox 254"/>
-              <p:cNvSpPr txBox="1"/>
-              <p:nvPr/>
-            </p:nvSpPr>
-            <p:spPr>
-              <a:xfrm rot="3248407">
-                <a:off x="5087261" y="3976789"/>
-                <a:ext cx="1060803" cy="170496"/>
-              </a:xfrm>
-              <a:prstGeom prst="rect">
-                <a:avLst/>
-              </a:prstGeom>
-              <a:noFill/>
-            </p:spPr>
-            <p:txBody>
-              <a:bodyPr wrap="square" rtlCol="0">
-                <a:spAutoFit/>
-              </a:bodyPr>
-              <a:lstStyle/>
-              <a:p>
-                <a:r>
-                  <a:rPr lang="en-GB" sz="508" dirty="0">
-                    <a:latin typeface="Helvetica" panose="020B0604020202020204" pitchFamily="34" charset="0"/>
-                    <a:cs typeface="Helvetica" panose="020B0604020202020204" pitchFamily="34" charset="0"/>
-                  </a:rPr>
-                  <a:t>UKVI (n=6)</a:t>
-                </a:r>
-              </a:p>
-            </p:txBody>
-          </p:sp>
-          <p:sp>
-            <p:nvSpPr>
-              <p:cNvPr id="256" name="TextBox 255"/>
-              <p:cNvSpPr txBox="1"/>
-              <p:nvPr/>
-            </p:nvSpPr>
-            <p:spPr>
-              <a:xfrm rot="18744490">
-                <a:off x="5054066" y="2339551"/>
-                <a:ext cx="850219" cy="170496"/>
-              </a:xfrm>
-              <a:prstGeom prst="rect">
-                <a:avLst/>
-              </a:prstGeom>
-              <a:noFill/>
-            </p:spPr>
-            <p:txBody>
-              <a:bodyPr wrap="square" rtlCol="0">
-                <a:spAutoFit/>
-              </a:bodyPr>
-              <a:lstStyle/>
-              <a:p>
-                <a:r>
-                  <a:rPr lang="en-GB" sz="508" dirty="0">
-                    <a:latin typeface="Helvetica" panose="020B0604020202020204" pitchFamily="34" charset="0"/>
-                    <a:cs typeface="Helvetica" panose="020B0604020202020204" pitchFamily="34" charset="0"/>
-                  </a:rPr>
-                  <a:t>GEO (n=1)</a:t>
-                </a:r>
-              </a:p>
-            </p:txBody>
-          </p:sp>
-          <p:sp>
-            <p:nvSpPr>
-              <p:cNvPr id="274" name="TextBox 273"/>
-              <p:cNvSpPr txBox="1"/>
-              <p:nvPr/>
-            </p:nvSpPr>
-            <p:spPr>
-              <a:xfrm rot="4600227">
-                <a:off x="3909653" y="754728"/>
-                <a:ext cx="1060803" cy="170496"/>
-              </a:xfrm>
-              <a:prstGeom prst="rect">
-                <a:avLst/>
-              </a:prstGeom>
-              <a:noFill/>
-            </p:spPr>
-            <p:txBody>
-              <a:bodyPr wrap="square" rtlCol="0">
-                <a:spAutoFit/>
-              </a:bodyPr>
-              <a:lstStyle/>
-              <a:p>
-                <a:r>
-                  <a:rPr lang="en-GB" sz="508" dirty="0">
-                    <a:latin typeface="Helvetica" panose="020B0604020202020204" pitchFamily="34" charset="0"/>
-                    <a:cs typeface="Helvetica" panose="020B0604020202020204" pitchFamily="34" charset="0"/>
-                  </a:rPr>
-                  <a:t>HO (n=25)</a:t>
-                </a:r>
-              </a:p>
-            </p:txBody>
-          </p:sp>
-          <p:sp>
-            <p:nvSpPr>
-              <p:cNvPr id="275" name="TextBox 274"/>
-              <p:cNvSpPr txBox="1"/>
-              <p:nvPr/>
-            </p:nvSpPr>
-            <p:spPr>
-              <a:xfrm rot="19692734">
-                <a:off x="5180645" y="2494989"/>
-                <a:ext cx="1060803" cy="170496"/>
-              </a:xfrm>
-              <a:prstGeom prst="rect">
-                <a:avLst/>
-              </a:prstGeom>
-              <a:noFill/>
-            </p:spPr>
-            <p:txBody>
-              <a:bodyPr wrap="square" rtlCol="0">
-                <a:spAutoFit/>
-              </a:bodyPr>
-              <a:lstStyle/>
-              <a:p>
-                <a:r>
-                  <a:rPr lang="en-GB" sz="508" dirty="0">
-                    <a:latin typeface="Helvetica" panose="020B0604020202020204" pitchFamily="34" charset="0"/>
-                    <a:cs typeface="Helvetica" panose="020B0604020202020204" pitchFamily="34" charset="0"/>
-                  </a:rPr>
-                  <a:t>CQC (n=1)</a:t>
-                </a:r>
-              </a:p>
-            </p:txBody>
-          </p:sp>
-          <p:sp>
-            <p:nvSpPr>
-              <p:cNvPr id="276" name="TextBox 275"/>
-              <p:cNvSpPr txBox="1"/>
-              <p:nvPr/>
-            </p:nvSpPr>
-            <p:spPr>
-              <a:xfrm rot="20337917">
-                <a:off x="5280899" y="2666057"/>
-                <a:ext cx="1060803" cy="170496"/>
-              </a:xfrm>
-              <a:prstGeom prst="rect">
-                <a:avLst/>
-              </a:prstGeom>
-              <a:noFill/>
-            </p:spPr>
-            <p:txBody>
-              <a:bodyPr wrap="square" rtlCol="0">
-                <a:spAutoFit/>
-              </a:bodyPr>
-              <a:lstStyle/>
-              <a:p>
-                <a:r>
-                  <a:rPr lang="en-GB" sz="508" dirty="0">
-                    <a:latin typeface="Helvetica" panose="020B0604020202020204" pitchFamily="34" charset="0"/>
-                    <a:cs typeface="Helvetica" panose="020B0604020202020204" pitchFamily="34" charset="0"/>
-                  </a:rPr>
-                  <a:t>GRO (n=1)</a:t>
-                </a:r>
-              </a:p>
-            </p:txBody>
-          </p:sp>
-          <p:sp>
-            <p:nvSpPr>
-              <p:cNvPr id="279" name="TextBox 278"/>
-              <p:cNvSpPr txBox="1"/>
-              <p:nvPr/>
-            </p:nvSpPr>
-            <p:spPr>
-              <a:xfrm rot="20800839">
-                <a:off x="5645388" y="2686392"/>
-                <a:ext cx="1060803" cy="170496"/>
-              </a:xfrm>
-              <a:prstGeom prst="rect">
-                <a:avLst/>
-              </a:prstGeom>
-              <a:noFill/>
-            </p:spPr>
-            <p:txBody>
-              <a:bodyPr wrap="square" rtlCol="0">
-                <a:spAutoFit/>
-              </a:bodyPr>
-              <a:lstStyle/>
-              <a:p>
-                <a:r>
-                  <a:rPr lang="en-GB" sz="508" dirty="0">
-                    <a:latin typeface="Helvetica" panose="020B0604020202020204" pitchFamily="34" charset="0"/>
-                    <a:cs typeface="Helvetica" panose="020B0604020202020204" pitchFamily="34" charset="0"/>
-                  </a:rPr>
-                  <a:t>HMCTS (n=7)</a:t>
-                </a:r>
-              </a:p>
-            </p:txBody>
-          </p:sp>
-          <p:sp>
-            <p:nvSpPr>
-              <p:cNvPr id="280" name="TextBox 279"/>
-              <p:cNvSpPr txBox="1"/>
-              <p:nvPr/>
-            </p:nvSpPr>
-            <p:spPr>
-              <a:xfrm rot="20517941">
-                <a:off x="1989093" y="3740867"/>
-                <a:ext cx="1060803" cy="170496"/>
-              </a:xfrm>
-              <a:prstGeom prst="rect">
-                <a:avLst/>
-              </a:prstGeom>
-              <a:noFill/>
-            </p:spPr>
-            <p:txBody>
-              <a:bodyPr wrap="square" rtlCol="0">
-                <a:spAutoFit/>
-              </a:bodyPr>
-              <a:lstStyle/>
-              <a:p>
-                <a:r>
-                  <a:rPr lang="en-GB" sz="508" dirty="0">
-                    <a:latin typeface="Helvetica" panose="020B0604020202020204" pitchFamily="34" charset="0"/>
-                    <a:cs typeface="Helvetica" panose="020B0604020202020204" pitchFamily="34" charset="0"/>
-                  </a:rPr>
-                  <a:t>DWP (n=27)</a:t>
-                </a:r>
-              </a:p>
-            </p:txBody>
-          </p:sp>
-          <p:sp>
-            <p:nvSpPr>
-              <p:cNvPr id="281" name="TextBox 280"/>
-              <p:cNvSpPr txBox="1"/>
-              <p:nvPr/>
-            </p:nvSpPr>
-            <p:spPr>
-              <a:xfrm rot="19965011">
-                <a:off x="5931688" y="2215053"/>
-                <a:ext cx="1060803" cy="170496"/>
-              </a:xfrm>
-              <a:prstGeom prst="rect">
-                <a:avLst/>
-              </a:prstGeom>
-              <a:noFill/>
-            </p:spPr>
-            <p:txBody>
-              <a:bodyPr wrap="square" rtlCol="0">
-                <a:spAutoFit/>
-              </a:bodyPr>
-              <a:lstStyle/>
-              <a:p>
-                <a:r>
-                  <a:rPr lang="en-GB" sz="508" dirty="0">
-                    <a:latin typeface="Helvetica" panose="020B0604020202020204" pitchFamily="34" charset="0"/>
-                    <a:cs typeface="Helvetica" panose="020B0604020202020204" pitchFamily="34" charset="0"/>
-                  </a:rPr>
-                  <a:t>FCDO (n=12)</a:t>
-                </a:r>
-              </a:p>
-            </p:txBody>
-          </p:sp>
-          <p:sp>
-            <p:nvSpPr>
-              <p:cNvPr id="288" name="TextBox 287"/>
-              <p:cNvSpPr txBox="1"/>
-              <p:nvPr/>
-            </p:nvSpPr>
-            <p:spPr>
-              <a:xfrm rot="1789535">
-                <a:off x="5365377" y="3557871"/>
-                <a:ext cx="1060803" cy="170496"/>
-              </a:xfrm>
-              <a:prstGeom prst="rect">
-                <a:avLst/>
-              </a:prstGeom>
-              <a:noFill/>
-            </p:spPr>
-            <p:txBody>
-              <a:bodyPr wrap="square" rtlCol="0">
-                <a:spAutoFit/>
-              </a:bodyPr>
-              <a:lstStyle/>
-              <a:p>
-                <a:r>
-                  <a:rPr lang="en-GB" sz="508" dirty="0">
-                    <a:latin typeface="Helvetica" panose="020B0604020202020204" pitchFamily="34" charset="0"/>
-                    <a:cs typeface="Helvetica" panose="020B0604020202020204" pitchFamily="34" charset="0"/>
-                  </a:rPr>
-                  <a:t>PHE (n=1)</a:t>
-                </a:r>
-              </a:p>
-            </p:txBody>
-          </p:sp>
-          <p:sp>
-            <p:nvSpPr>
-              <p:cNvPr id="289" name="TextBox 288"/>
-              <p:cNvSpPr txBox="1"/>
-              <p:nvPr/>
-            </p:nvSpPr>
-            <p:spPr>
-              <a:xfrm rot="1432291">
-                <a:off x="5256358" y="3374297"/>
-                <a:ext cx="1060803" cy="170496"/>
-              </a:xfrm>
-              <a:prstGeom prst="rect">
-                <a:avLst/>
-              </a:prstGeom>
-              <a:noFill/>
-            </p:spPr>
-            <p:txBody>
-              <a:bodyPr wrap="square" rtlCol="0">
-                <a:spAutoFit/>
-              </a:bodyPr>
-              <a:lstStyle/>
-              <a:p>
-                <a:r>
-                  <a:rPr lang="en-GB" sz="508" dirty="0">
-                    <a:latin typeface="Helvetica" panose="020B0604020202020204" pitchFamily="34" charset="0"/>
-                    <a:cs typeface="Helvetica" panose="020B0604020202020204" pitchFamily="34" charset="0"/>
-                  </a:rPr>
-                  <a:t>GDS (n=3)</a:t>
-                </a:r>
-              </a:p>
-            </p:txBody>
-          </p:sp>
-          <p:sp>
-            <p:nvSpPr>
-              <p:cNvPr id="252" name="TextBox 251"/>
-              <p:cNvSpPr txBox="1"/>
-              <p:nvPr/>
-            </p:nvSpPr>
-            <p:spPr>
-              <a:xfrm rot="16836104">
-                <a:off x="4101594" y="4680645"/>
-                <a:ext cx="1060803" cy="170496"/>
-              </a:xfrm>
-              <a:prstGeom prst="rect">
-                <a:avLst/>
-              </a:prstGeom>
-              <a:noFill/>
-            </p:spPr>
-            <p:txBody>
-              <a:bodyPr wrap="square" rtlCol="0">
-                <a:spAutoFit/>
-              </a:bodyPr>
-              <a:lstStyle/>
-              <a:p>
-                <a:r>
-                  <a:rPr lang="en-GB" sz="508" dirty="0">
-                    <a:latin typeface="Helvetica" panose="020B0604020202020204" pitchFamily="34" charset="0"/>
-                    <a:cs typeface="Helvetica" panose="020B0604020202020204" pitchFamily="34" charset="0"/>
-                  </a:rPr>
-                  <a:t>DEFRA (n=17)</a:t>
-                </a:r>
-              </a:p>
-            </p:txBody>
-          </p:sp>
-          <p:sp>
-            <p:nvSpPr>
-              <p:cNvPr id="242" name="TextBox 241"/>
-              <p:cNvSpPr txBox="1"/>
-              <p:nvPr/>
-            </p:nvSpPr>
-            <p:spPr>
-              <a:xfrm rot="17032185">
-                <a:off x="3913268" y="4597007"/>
-                <a:ext cx="1060803" cy="170496"/>
-              </a:xfrm>
-              <a:prstGeom prst="rect">
-                <a:avLst/>
-              </a:prstGeom>
-              <a:noFill/>
-            </p:spPr>
-            <p:txBody>
-              <a:bodyPr wrap="square" rtlCol="0">
-                <a:spAutoFit/>
-              </a:bodyPr>
-              <a:lstStyle/>
-              <a:p>
-                <a:r>
-                  <a:rPr lang="en-GB" sz="508" dirty="0">
-                    <a:latin typeface="Helvetica" panose="020B0604020202020204" pitchFamily="34" charset="0"/>
-                    <a:cs typeface="Helvetica" panose="020B0604020202020204" pitchFamily="34" charset="0"/>
-                  </a:rPr>
-                  <a:t>EA (n=18)</a:t>
-                </a:r>
-              </a:p>
-            </p:txBody>
-          </p:sp>
-          <p:cxnSp>
-            <p:nvCxnSpPr>
-              <p:cNvPr id="118" name="Straight Connector 117"/>
-              <p:cNvCxnSpPr/>
-              <p:nvPr/>
-            </p:nvCxnSpPr>
-            <p:spPr>
-              <a:xfrm rot="21424537" flipH="1" flipV="1">
-                <a:off x="4676869" y="2670232"/>
-                <a:ext cx="79857" cy="141201"/>
-              </a:xfrm>
-              <a:prstGeom prst="line">
-                <a:avLst/>
-              </a:prstGeom>
-              <a:ln w="3175">
-                <a:solidFill>
-                  <a:schemeClr val="tx1"/>
-                </a:solidFill>
-              </a:ln>
-            </p:spPr>
-            <p:style>
-              <a:lnRef idx="1">
-                <a:schemeClr val="accent1"/>
-              </a:lnRef>
-              <a:fillRef idx="0">
-                <a:schemeClr val="accent1"/>
-              </a:fillRef>
-              <a:effectRef idx="0">
-                <a:schemeClr val="accent1"/>
-              </a:effectRef>
-              <a:fontRef idx="minor">
-                <a:schemeClr val="tx1"/>
-              </a:fontRef>
-            </p:style>
-          </p:cxnSp>
-          <p:cxnSp>
-            <p:nvCxnSpPr>
-              <p:cNvPr id="121" name="Straight Connector 120"/>
-              <p:cNvCxnSpPr/>
-              <p:nvPr/>
-            </p:nvCxnSpPr>
-            <p:spPr>
-              <a:xfrm rot="21424537" flipH="1" flipV="1">
-                <a:off x="4712075" y="2395125"/>
-                <a:ext cx="108896" cy="386911"/>
-              </a:xfrm>
-              <a:prstGeom prst="line">
-                <a:avLst/>
-              </a:prstGeom>
-              <a:ln w="3175">
-                <a:solidFill>
-                  <a:schemeClr val="tx1"/>
-                </a:solidFill>
-              </a:ln>
-            </p:spPr>
-            <p:style>
-              <a:lnRef idx="1">
-                <a:schemeClr val="accent1"/>
-              </a:lnRef>
-              <a:fillRef idx="0">
-                <a:schemeClr val="accent1"/>
-              </a:fillRef>
-              <a:effectRef idx="0">
-                <a:schemeClr val="accent1"/>
-              </a:effectRef>
-              <a:fontRef idx="minor">
-                <a:schemeClr val="tx1"/>
-              </a:fontRef>
-            </p:style>
-          </p:cxnSp>
-          <p:cxnSp>
-            <p:nvCxnSpPr>
-              <p:cNvPr id="124" name="Straight Connector 123"/>
-              <p:cNvCxnSpPr/>
-              <p:nvPr/>
-            </p:nvCxnSpPr>
-            <p:spPr>
-              <a:xfrm rot="21424537" flipH="1" flipV="1">
-                <a:off x="4875064" y="2482145"/>
-                <a:ext cx="18173" cy="281707"/>
-              </a:xfrm>
-              <a:prstGeom prst="line">
-                <a:avLst/>
-              </a:prstGeom>
-              <a:ln w="3175">
-                <a:solidFill>
-                  <a:schemeClr val="tx1"/>
-                </a:solidFill>
-              </a:ln>
-            </p:spPr>
-            <p:style>
-              <a:lnRef idx="1">
-                <a:schemeClr val="accent1"/>
-              </a:lnRef>
-              <a:fillRef idx="0">
-                <a:schemeClr val="accent1"/>
-              </a:fillRef>
-              <a:effectRef idx="0">
-                <a:schemeClr val="accent1"/>
-              </a:effectRef>
-              <a:fontRef idx="minor">
-                <a:schemeClr val="tx1"/>
-              </a:fontRef>
-            </p:style>
-          </p:cxnSp>
-          <p:cxnSp>
-            <p:nvCxnSpPr>
-              <p:cNvPr id="127" name="Straight Connector 126"/>
-              <p:cNvCxnSpPr/>
-              <p:nvPr/>
-            </p:nvCxnSpPr>
-            <p:spPr>
-              <a:xfrm rot="21424537" flipV="1">
-                <a:off x="5029089" y="2506676"/>
-                <a:ext cx="99876" cy="271558"/>
-              </a:xfrm>
-              <a:prstGeom prst="line">
-                <a:avLst/>
-              </a:prstGeom>
-              <a:ln w="3175">
-                <a:solidFill>
-                  <a:schemeClr val="tx1"/>
-                </a:solidFill>
-              </a:ln>
-            </p:spPr>
-            <p:style>
-              <a:lnRef idx="1">
-                <a:schemeClr val="accent1"/>
-              </a:lnRef>
-              <a:fillRef idx="0">
-                <a:schemeClr val="accent1"/>
-              </a:fillRef>
-              <a:effectRef idx="0">
-                <a:schemeClr val="accent1"/>
-              </a:effectRef>
-              <a:fontRef idx="minor">
-                <a:schemeClr val="tx1"/>
-              </a:fontRef>
-            </p:style>
-          </p:cxnSp>
-          <p:cxnSp>
-            <p:nvCxnSpPr>
-              <p:cNvPr id="128" name="Straight Connector 127"/>
-              <p:cNvCxnSpPr/>
-              <p:nvPr/>
-            </p:nvCxnSpPr>
-            <p:spPr>
-              <a:xfrm rot="21424537" flipV="1">
-                <a:off x="5063487" y="2630646"/>
-                <a:ext cx="84639" cy="159382"/>
-              </a:xfrm>
-              <a:prstGeom prst="line">
-                <a:avLst/>
-              </a:prstGeom>
-              <a:ln w="3175">
-                <a:solidFill>
-                  <a:schemeClr val="tx1"/>
-                </a:solidFill>
-              </a:ln>
-            </p:spPr>
-            <p:style>
-              <a:lnRef idx="1">
-                <a:schemeClr val="accent1"/>
-              </a:lnRef>
-              <a:fillRef idx="0">
-                <a:schemeClr val="accent1"/>
-              </a:fillRef>
-              <a:effectRef idx="0">
-                <a:schemeClr val="accent1"/>
-              </a:effectRef>
-              <a:fontRef idx="minor">
-                <a:schemeClr val="tx1"/>
-              </a:fontRef>
-            </p:style>
-          </p:cxnSp>
-          <p:cxnSp>
-            <p:nvCxnSpPr>
-              <p:cNvPr id="133" name="Straight Connector 132"/>
-              <p:cNvCxnSpPr/>
-              <p:nvPr/>
-            </p:nvCxnSpPr>
-            <p:spPr>
-              <a:xfrm rot="21424537" flipV="1">
-                <a:off x="5125915" y="2676670"/>
-                <a:ext cx="126017" cy="152301"/>
-              </a:xfrm>
-              <a:prstGeom prst="line">
-                <a:avLst/>
-              </a:prstGeom>
-              <a:ln w="3175">
-                <a:solidFill>
-                  <a:schemeClr val="tx1"/>
-                </a:solidFill>
-              </a:ln>
-            </p:spPr>
-            <p:style>
-              <a:lnRef idx="1">
-                <a:schemeClr val="accent1"/>
-              </a:lnRef>
-              <a:fillRef idx="0">
-                <a:schemeClr val="accent1"/>
-              </a:fillRef>
-              <a:effectRef idx="0">
-                <a:schemeClr val="accent1"/>
-              </a:effectRef>
-              <a:fontRef idx="minor">
-                <a:schemeClr val="tx1"/>
-              </a:fontRef>
-            </p:style>
-          </p:cxnSp>
-          <p:cxnSp>
-            <p:nvCxnSpPr>
-              <p:cNvPr id="135" name="Straight Connector 134"/>
-              <p:cNvCxnSpPr>
-                <a:endCxn id="188" idx="2"/>
-              </p:cNvCxnSpPr>
-              <p:nvPr/>
-            </p:nvCxnSpPr>
-            <p:spPr>
-              <a:xfrm rot="21424537" flipV="1">
-                <a:off x="5172419" y="2595055"/>
-                <a:ext cx="403971" cy="270780"/>
-              </a:xfrm>
-              <a:prstGeom prst="line">
-                <a:avLst/>
-              </a:prstGeom>
-              <a:ln w="3175">
-                <a:solidFill>
-                  <a:schemeClr val="tx1"/>
-                </a:solidFill>
-              </a:ln>
-            </p:spPr>
-            <p:style>
-              <a:lnRef idx="1">
-                <a:schemeClr val="accent1"/>
-              </a:lnRef>
-              <a:fillRef idx="0">
-                <a:schemeClr val="accent1"/>
-              </a:fillRef>
-              <a:effectRef idx="0">
-                <a:schemeClr val="accent1"/>
-              </a:effectRef>
-              <a:fontRef idx="minor">
-                <a:schemeClr val="tx1"/>
-              </a:fontRef>
-            </p:style>
-          </p:cxnSp>
-          <p:cxnSp>
-            <p:nvCxnSpPr>
-              <p:cNvPr id="136" name="Straight Connector 135"/>
-              <p:cNvCxnSpPr/>
-              <p:nvPr/>
-            </p:nvCxnSpPr>
-            <p:spPr>
-              <a:xfrm rot="21424537" flipV="1">
-                <a:off x="5198428" y="2824169"/>
-                <a:ext cx="136985" cy="79097"/>
-              </a:xfrm>
-              <a:prstGeom prst="line">
-                <a:avLst/>
-              </a:prstGeom>
-              <a:ln w="3175">
-                <a:solidFill>
-                  <a:schemeClr val="tx1"/>
-                </a:solidFill>
-              </a:ln>
-            </p:spPr>
-            <p:style>
-              <a:lnRef idx="1">
-                <a:schemeClr val="accent1"/>
-              </a:lnRef>
-              <a:fillRef idx="0">
-                <a:schemeClr val="accent1"/>
-              </a:fillRef>
-              <a:effectRef idx="0">
-                <a:schemeClr val="accent1"/>
-              </a:effectRef>
-              <a:fontRef idx="minor">
-                <a:schemeClr val="tx1"/>
-              </a:fontRef>
-            </p:style>
-          </p:cxnSp>
-          <p:cxnSp>
-            <p:nvCxnSpPr>
-              <p:cNvPr id="138" name="Straight Connector 137"/>
-              <p:cNvCxnSpPr/>
-              <p:nvPr/>
-            </p:nvCxnSpPr>
-            <p:spPr>
-              <a:xfrm rot="21424537" flipV="1">
-                <a:off x="5231584" y="2916724"/>
-                <a:ext cx="164066" cy="51845"/>
-              </a:xfrm>
-              <a:prstGeom prst="line">
-                <a:avLst/>
-              </a:prstGeom>
-              <a:ln w="3175">
-                <a:solidFill>
-                  <a:schemeClr val="tx1"/>
-                </a:solidFill>
-              </a:ln>
-            </p:spPr>
-            <p:style>
-              <a:lnRef idx="1">
-                <a:schemeClr val="accent1"/>
-              </a:lnRef>
-              <a:fillRef idx="0">
-                <a:schemeClr val="accent1"/>
-              </a:fillRef>
-              <a:effectRef idx="0">
-                <a:schemeClr val="accent1"/>
-              </a:effectRef>
-              <a:fontRef idx="minor">
-                <a:schemeClr val="tx1"/>
-              </a:fontRef>
-            </p:style>
-          </p:cxnSp>
-          <p:cxnSp>
-            <p:nvCxnSpPr>
-              <p:cNvPr id="141" name="Straight Connector 140"/>
-              <p:cNvCxnSpPr/>
-              <p:nvPr/>
-            </p:nvCxnSpPr>
-            <p:spPr>
-              <a:xfrm rot="21424537">
-                <a:off x="5208135" y="3234379"/>
-                <a:ext cx="279413" cy="184819"/>
-              </a:xfrm>
-              <a:prstGeom prst="line">
-                <a:avLst/>
-              </a:prstGeom>
-              <a:ln w="3175">
-                <a:solidFill>
-                  <a:schemeClr val="tx1"/>
-                </a:solidFill>
-              </a:ln>
-            </p:spPr>
-            <p:style>
-              <a:lnRef idx="1">
-                <a:schemeClr val="accent1"/>
-              </a:lnRef>
-              <a:fillRef idx="0">
-                <a:schemeClr val="accent1"/>
-              </a:fillRef>
-              <a:effectRef idx="0">
-                <a:schemeClr val="accent1"/>
-              </a:effectRef>
-              <a:fontRef idx="minor">
-                <a:schemeClr val="tx1"/>
-              </a:fontRef>
-            </p:style>
-          </p:cxnSp>
-          <p:cxnSp>
-            <p:nvCxnSpPr>
-              <p:cNvPr id="144" name="Straight Connector 143"/>
-              <p:cNvCxnSpPr/>
-              <p:nvPr/>
-            </p:nvCxnSpPr>
-            <p:spPr>
-              <a:xfrm rot="21424537">
-                <a:off x="5170845" y="3296013"/>
-                <a:ext cx="199897" cy="211713"/>
-              </a:xfrm>
-              <a:prstGeom prst="line">
-                <a:avLst/>
-              </a:prstGeom>
-              <a:ln w="3175">
-                <a:solidFill>
-                  <a:schemeClr val="tx1"/>
-                </a:solidFill>
-              </a:ln>
-            </p:spPr>
-            <p:style>
-              <a:lnRef idx="1">
-                <a:schemeClr val="accent1"/>
-              </a:lnRef>
-              <a:fillRef idx="0">
-                <a:schemeClr val="accent1"/>
-              </a:fillRef>
-              <a:effectRef idx="0">
-                <a:schemeClr val="accent1"/>
-              </a:effectRef>
-              <a:fontRef idx="minor">
-                <a:schemeClr val="tx1"/>
-              </a:fontRef>
-            </p:style>
-          </p:cxnSp>
-          <p:cxnSp>
-            <p:nvCxnSpPr>
-              <p:cNvPr id="146" name="Straight Connector 145"/>
-              <p:cNvCxnSpPr/>
-              <p:nvPr/>
-            </p:nvCxnSpPr>
-            <p:spPr>
-              <a:xfrm rot="21424537">
-                <a:off x="5143622" y="3316421"/>
-                <a:ext cx="235847" cy="300728"/>
-              </a:xfrm>
-              <a:prstGeom prst="line">
-                <a:avLst/>
-              </a:prstGeom>
-              <a:ln w="3175">
-                <a:solidFill>
-                  <a:schemeClr val="tx1"/>
-                </a:solidFill>
-              </a:ln>
-            </p:spPr>
-            <p:style>
-              <a:lnRef idx="1">
-                <a:schemeClr val="accent1"/>
-              </a:lnRef>
-              <a:fillRef idx="0">
-                <a:schemeClr val="accent1"/>
-              </a:fillRef>
-              <a:effectRef idx="0">
-                <a:schemeClr val="accent1"/>
-              </a:effectRef>
-              <a:fontRef idx="minor">
-                <a:schemeClr val="tx1"/>
-              </a:fontRef>
-            </p:style>
-          </p:cxnSp>
-          <p:cxnSp>
-            <p:nvCxnSpPr>
-              <p:cNvPr id="148" name="Straight Connector 147"/>
-              <p:cNvCxnSpPr/>
-              <p:nvPr/>
-            </p:nvCxnSpPr>
-            <p:spPr>
-              <a:xfrm rot="21424537">
-                <a:off x="5089290" y="3359207"/>
-                <a:ext cx="82490" cy="194439"/>
-              </a:xfrm>
-              <a:prstGeom prst="line">
-                <a:avLst/>
-              </a:prstGeom>
-              <a:ln w="3175">
-                <a:solidFill>
-                  <a:schemeClr val="tx1"/>
-                </a:solidFill>
-              </a:ln>
-            </p:spPr>
-            <p:style>
-              <a:lnRef idx="1">
-                <a:schemeClr val="accent1"/>
-              </a:lnRef>
-              <a:fillRef idx="0">
-                <a:schemeClr val="accent1"/>
-              </a:fillRef>
-              <a:effectRef idx="0">
-                <a:schemeClr val="accent1"/>
-              </a:effectRef>
-              <a:fontRef idx="minor">
-                <a:schemeClr val="tx1"/>
-              </a:fontRef>
-            </p:style>
-          </p:cxnSp>
-          <p:cxnSp>
-            <p:nvCxnSpPr>
-              <p:cNvPr id="150" name="Straight Connector 149"/>
-              <p:cNvCxnSpPr/>
-              <p:nvPr/>
-            </p:nvCxnSpPr>
-            <p:spPr>
-              <a:xfrm rot="21424537">
-                <a:off x="4986170" y="3397056"/>
-                <a:ext cx="14049" cy="114783"/>
-              </a:xfrm>
-              <a:prstGeom prst="line">
-                <a:avLst/>
-              </a:prstGeom>
-              <a:ln w="3175">
-                <a:solidFill>
-                  <a:schemeClr val="tx1"/>
-                </a:solidFill>
-              </a:ln>
-            </p:spPr>
-            <p:style>
-              <a:lnRef idx="1">
-                <a:schemeClr val="accent1"/>
-              </a:lnRef>
-              <a:fillRef idx="0">
-                <a:schemeClr val="accent1"/>
-              </a:fillRef>
-              <a:effectRef idx="0">
-                <a:schemeClr val="accent1"/>
-              </a:effectRef>
-              <a:fontRef idx="minor">
-                <a:schemeClr val="tx1"/>
-              </a:fontRef>
-            </p:style>
-          </p:cxnSp>
-          <p:cxnSp>
-            <p:nvCxnSpPr>
-              <p:cNvPr id="153" name="Straight Connector 152"/>
-              <p:cNvCxnSpPr/>
-              <p:nvPr/>
-            </p:nvCxnSpPr>
-            <p:spPr>
-              <a:xfrm rot="21424537">
-                <a:off x="5057206" y="3475252"/>
-                <a:ext cx="89280" cy="473561"/>
-              </a:xfrm>
-              <a:prstGeom prst="line">
-                <a:avLst/>
-              </a:prstGeom>
-              <a:ln w="3175">
-                <a:solidFill>
-                  <a:schemeClr val="tx1"/>
-                </a:solidFill>
-              </a:ln>
-            </p:spPr>
-            <p:style>
-              <a:lnRef idx="1">
-                <a:schemeClr val="accent1"/>
-              </a:lnRef>
-              <a:fillRef idx="0">
-                <a:schemeClr val="accent1"/>
-              </a:fillRef>
-              <a:effectRef idx="0">
-                <a:schemeClr val="accent1"/>
-              </a:effectRef>
-              <a:fontRef idx="minor">
-                <a:schemeClr val="tx1"/>
-              </a:fontRef>
-            </p:style>
-          </p:cxnSp>
-          <p:cxnSp>
-            <p:nvCxnSpPr>
-              <p:cNvPr id="154" name="Straight Connector 153"/>
-              <p:cNvCxnSpPr/>
-              <p:nvPr/>
-            </p:nvCxnSpPr>
-            <p:spPr>
-              <a:xfrm rot="21424537">
-                <a:off x="5085331" y="3458199"/>
-                <a:ext cx="18615" cy="68175"/>
-              </a:xfrm>
-              <a:prstGeom prst="line">
-                <a:avLst/>
-              </a:prstGeom>
-              <a:ln w="3175">
-                <a:solidFill>
-                  <a:schemeClr val="tx1"/>
-                </a:solidFill>
-              </a:ln>
-            </p:spPr>
-            <p:style>
-              <a:lnRef idx="1">
-                <a:schemeClr val="accent1"/>
-              </a:lnRef>
-              <a:fillRef idx="0">
-                <a:schemeClr val="accent1"/>
-              </a:fillRef>
-              <a:effectRef idx="0">
-                <a:schemeClr val="accent1"/>
-              </a:effectRef>
-              <a:fontRef idx="minor">
-                <a:schemeClr val="tx1"/>
-              </a:fontRef>
-            </p:style>
-          </p:cxnSp>
-          <p:cxnSp>
-            <p:nvCxnSpPr>
-              <p:cNvPr id="156" name="Straight Connector 155"/>
-              <p:cNvCxnSpPr/>
-              <p:nvPr/>
-            </p:nvCxnSpPr>
-            <p:spPr>
-              <a:xfrm rot="21424537" flipH="1">
-                <a:off x="4562694" y="3365719"/>
-                <a:ext cx="219115" cy="345404"/>
-              </a:xfrm>
-              <a:prstGeom prst="line">
-                <a:avLst/>
-              </a:prstGeom>
-              <a:ln w="3175">
-                <a:solidFill>
-                  <a:schemeClr val="tx1"/>
-                </a:solidFill>
-              </a:ln>
-            </p:spPr>
-            <p:style>
-              <a:lnRef idx="1">
-                <a:schemeClr val="accent1"/>
-              </a:lnRef>
-              <a:fillRef idx="0">
-                <a:schemeClr val="accent1"/>
-              </a:fillRef>
-              <a:effectRef idx="0">
-                <a:schemeClr val="accent1"/>
-              </a:effectRef>
-              <a:fontRef idx="minor">
-                <a:schemeClr val="tx1"/>
-              </a:fontRef>
-            </p:style>
-          </p:cxnSp>
-          <p:cxnSp>
-            <p:nvCxnSpPr>
-              <p:cNvPr id="158" name="Straight Connector 157"/>
-              <p:cNvCxnSpPr/>
-              <p:nvPr/>
-            </p:nvCxnSpPr>
-            <p:spPr>
-              <a:xfrm rot="21424537" flipH="1">
-                <a:off x="4508066" y="3302013"/>
-                <a:ext cx="189781" cy="145181"/>
-              </a:xfrm>
-              <a:prstGeom prst="line">
-                <a:avLst/>
-              </a:prstGeom>
-              <a:ln w="3175">
-                <a:solidFill>
-                  <a:schemeClr val="tx1"/>
-                </a:solidFill>
-              </a:ln>
-            </p:spPr>
-            <p:style>
-              <a:lnRef idx="1">
-                <a:schemeClr val="accent1"/>
-              </a:lnRef>
-              <a:fillRef idx="0">
-                <a:schemeClr val="accent1"/>
-              </a:fillRef>
-              <a:effectRef idx="0">
-                <a:schemeClr val="accent1"/>
-              </a:effectRef>
-              <a:fontRef idx="minor">
-                <a:schemeClr val="tx1"/>
-              </a:fontRef>
-            </p:style>
-          </p:cxnSp>
-          <p:sp>
-            <p:nvSpPr>
-              <p:cNvPr id="200" name="TextBox 199"/>
-              <p:cNvSpPr txBox="1"/>
-              <p:nvPr/>
-            </p:nvSpPr>
-            <p:spPr>
-              <a:xfrm rot="21591419">
-                <a:off x="5426217" y="2979714"/>
-                <a:ext cx="1060803" cy="170496"/>
-              </a:xfrm>
-              <a:prstGeom prst="rect">
-                <a:avLst/>
-              </a:prstGeom>
-              <a:noFill/>
-            </p:spPr>
-            <p:txBody>
-              <a:bodyPr wrap="square" rtlCol="0">
-                <a:spAutoFit/>
-              </a:bodyPr>
-              <a:lstStyle/>
-              <a:p>
-                <a:r>
-                  <a:rPr lang="en-GB" sz="508" dirty="0" smtClean="0">
-                    <a:latin typeface="Helvetica" panose="020B0604020202020204" pitchFamily="34" charset="0"/>
-                    <a:cs typeface="Helvetica" panose="020B0604020202020204" pitchFamily="34" charset="0"/>
-                  </a:rPr>
-                  <a:t>NHS D </a:t>
-                </a:r>
-                <a:r>
-                  <a:rPr lang="en-GB" sz="508" dirty="0">
-                    <a:latin typeface="Helvetica" panose="020B0604020202020204" pitchFamily="34" charset="0"/>
-                    <a:cs typeface="Helvetica" panose="020B0604020202020204" pitchFamily="34" charset="0"/>
-                  </a:rPr>
-                  <a:t>(</a:t>
-                </a:r>
-                <a:r>
-                  <a:rPr lang="en-GB" sz="508" dirty="0" smtClean="0">
-                    <a:latin typeface="Helvetica" panose="020B0604020202020204" pitchFamily="34" charset="0"/>
-                    <a:cs typeface="Helvetica" panose="020B0604020202020204" pitchFamily="34" charset="0"/>
-                  </a:rPr>
-                  <a:t>n=4)</a:t>
-                </a:r>
-                <a:endParaRPr lang="en-GB" sz="508" dirty="0">
+                </a:rPr>
+                <a:t>MHRA (n=1)</a:t>
+              </a:r>
+            </a:p>
+          </p:txBody>
+        </p:sp>
+        <p:sp>
+          <p:nvSpPr>
+            <p:cNvPr id="241" name="TextBox 240"/>
+            <p:cNvSpPr txBox="1"/>
+            <p:nvPr/>
+          </p:nvSpPr>
+          <p:spPr>
+            <a:xfrm rot="438043">
+              <a:off x="3714601" y="2892373"/>
+              <a:ext cx="1060803" cy="170496"/>
+            </a:xfrm>
+            <a:prstGeom prst="rect">
+              <a:avLst/>
+            </a:prstGeom>
+            <a:noFill/>
+          </p:spPr>
+          <p:txBody>
+            <a:bodyPr wrap="square" rtlCol="0">
+              <a:spAutoFit/>
+            </a:bodyPr>
+            <a:lstStyle/>
+            <a:p>
+              <a:r>
+                <a:rPr lang="en-GB" sz="508" dirty="0">
                   <a:latin typeface="Helvetica" panose="020B0604020202020204" pitchFamily="34" charset="0"/>
                   <a:cs typeface="Helvetica" panose="020B0604020202020204" pitchFamily="34" charset="0"/>
-                </a:endParaRPr>
-              </a:p>
-            </p:txBody>
-          </p:sp>
-          <p:sp>
-            <p:nvSpPr>
-              <p:cNvPr id="207" name="TextBox 206"/>
-              <p:cNvSpPr txBox="1"/>
-              <p:nvPr/>
-            </p:nvSpPr>
-            <p:spPr>
-              <a:xfrm rot="353693">
-                <a:off x="5425365" y="3086950"/>
-                <a:ext cx="1060803" cy="170496"/>
-              </a:xfrm>
-              <a:prstGeom prst="rect">
-                <a:avLst/>
-              </a:prstGeom>
-              <a:noFill/>
-            </p:spPr>
-            <p:txBody>
-              <a:bodyPr wrap="square" rtlCol="0">
-                <a:spAutoFit/>
-              </a:bodyPr>
-              <a:lstStyle/>
-              <a:p>
-                <a:r>
-                  <a:rPr lang="en-GB" sz="508" dirty="0" smtClean="0">
-                    <a:latin typeface="Helvetica" panose="020B0604020202020204" pitchFamily="34" charset="0"/>
-                    <a:cs typeface="Helvetica" panose="020B0604020202020204" pitchFamily="34" charset="0"/>
-                  </a:rPr>
-                  <a:t>LR </a:t>
-                </a:r>
-                <a:r>
-                  <a:rPr lang="en-GB" sz="508" dirty="0">
-                    <a:latin typeface="Helvetica" panose="020B0604020202020204" pitchFamily="34" charset="0"/>
-                    <a:cs typeface="Helvetica" panose="020B0604020202020204" pitchFamily="34" charset="0"/>
-                  </a:rPr>
-                  <a:t>(</a:t>
-                </a:r>
-                <a:r>
-                  <a:rPr lang="en-GB" sz="508" dirty="0" smtClean="0">
-                    <a:latin typeface="Helvetica" panose="020B0604020202020204" pitchFamily="34" charset="0"/>
-                    <a:cs typeface="Helvetica" panose="020B0604020202020204" pitchFamily="34" charset="0"/>
-                  </a:rPr>
-                  <a:t>n=4)</a:t>
-                </a:r>
-                <a:endParaRPr lang="en-GB" sz="508" dirty="0">
+                </a:rPr>
+                <a:t>IPO (n=7)</a:t>
+              </a:r>
+            </a:p>
+          </p:txBody>
+        </p:sp>
+        <p:sp>
+          <p:nvSpPr>
+            <p:cNvPr id="209" name="TextBox 208"/>
+            <p:cNvSpPr txBox="1"/>
+            <p:nvPr/>
+          </p:nvSpPr>
+          <p:spPr>
+            <a:xfrm rot="17694603">
+              <a:off x="4866260" y="2239571"/>
+              <a:ext cx="850219" cy="170496"/>
+            </a:xfrm>
+            <a:prstGeom prst="rect">
+              <a:avLst/>
+            </a:prstGeom>
+            <a:noFill/>
+          </p:spPr>
+          <p:txBody>
+            <a:bodyPr wrap="square" rtlCol="0">
+              <a:spAutoFit/>
+            </a:bodyPr>
+            <a:lstStyle/>
+            <a:p>
+              <a:r>
+                <a:rPr lang="en-GB" sz="508" dirty="0" smtClean="0">
                   <a:latin typeface="Helvetica" panose="020B0604020202020204" pitchFamily="34" charset="0"/>
                   <a:cs typeface="Helvetica" panose="020B0604020202020204" pitchFamily="34" charset="0"/>
-                </a:endParaRPr>
-              </a:p>
-            </p:txBody>
-          </p:sp>
-          <p:sp>
-            <p:nvSpPr>
-              <p:cNvPr id="208" name="TextBox 207"/>
-              <p:cNvSpPr txBox="1"/>
-              <p:nvPr/>
-            </p:nvSpPr>
-            <p:spPr>
-              <a:xfrm rot="4609778">
-                <a:off x="4810627" y="4192387"/>
-                <a:ext cx="850219" cy="170496"/>
-              </a:xfrm>
-              <a:prstGeom prst="rect">
-                <a:avLst/>
-              </a:prstGeom>
-              <a:noFill/>
-            </p:spPr>
-            <p:txBody>
-              <a:bodyPr wrap="square" rtlCol="0">
-                <a:spAutoFit/>
-              </a:bodyPr>
-              <a:lstStyle/>
-              <a:p>
-                <a:r>
-                  <a:rPr lang="en-GB" sz="508" dirty="0" smtClean="0">
-                    <a:latin typeface="Helvetica" panose="020B0604020202020204" pitchFamily="34" charset="0"/>
-                    <a:cs typeface="Helvetica" panose="020B0604020202020204" pitchFamily="34" charset="0"/>
-                  </a:rPr>
-                  <a:t>OPG </a:t>
-                </a:r>
-                <a:r>
-                  <a:rPr lang="en-GB" sz="508" dirty="0">
-                    <a:latin typeface="Helvetica" panose="020B0604020202020204" pitchFamily="34" charset="0"/>
-                    <a:cs typeface="Helvetica" panose="020B0604020202020204" pitchFamily="34" charset="0"/>
-                  </a:rPr>
-                  <a:t>(</a:t>
-                </a:r>
-                <a:r>
-                  <a:rPr lang="en-GB" sz="508" dirty="0" smtClean="0">
-                    <a:latin typeface="Helvetica" panose="020B0604020202020204" pitchFamily="34" charset="0"/>
-                    <a:cs typeface="Helvetica" panose="020B0604020202020204" pitchFamily="34" charset="0"/>
-                  </a:rPr>
-                  <a:t>n=2)</a:t>
-                </a:r>
-                <a:endParaRPr lang="en-GB" sz="508" dirty="0">
+                </a:rPr>
+                <a:t>CSFS </a:t>
+              </a:r>
+              <a:r>
+                <a:rPr lang="en-GB" sz="508" dirty="0">
                   <a:latin typeface="Helvetica" panose="020B0604020202020204" pitchFamily="34" charset="0"/>
                   <a:cs typeface="Helvetica" panose="020B0604020202020204" pitchFamily="34" charset="0"/>
-                </a:endParaRPr>
-              </a:p>
-            </p:txBody>
-          </p:sp>
-          <p:sp>
-            <p:nvSpPr>
-              <p:cNvPr id="211" name="TextBox 210"/>
-              <p:cNvSpPr txBox="1"/>
-              <p:nvPr/>
-            </p:nvSpPr>
-            <p:spPr>
-              <a:xfrm rot="4845344">
-                <a:off x="4637638" y="3760439"/>
-                <a:ext cx="850219" cy="170496"/>
-              </a:xfrm>
-              <a:prstGeom prst="rect">
-                <a:avLst/>
-              </a:prstGeom>
-              <a:noFill/>
-            </p:spPr>
-            <p:txBody>
-              <a:bodyPr wrap="square" rtlCol="0">
-                <a:spAutoFit/>
-              </a:bodyPr>
-              <a:lstStyle/>
-              <a:p>
-                <a:r>
-                  <a:rPr lang="en-GB" sz="508" dirty="0" smtClean="0">
-                    <a:latin typeface="Helvetica" panose="020B0604020202020204" pitchFamily="34" charset="0"/>
-                    <a:cs typeface="Helvetica" panose="020B0604020202020204" pitchFamily="34" charset="0"/>
-                  </a:rPr>
-                  <a:t>HMPA </a:t>
-                </a:r>
-                <a:r>
-                  <a:rPr lang="en-GB" sz="508" dirty="0">
-                    <a:latin typeface="Helvetica" panose="020B0604020202020204" pitchFamily="34" charset="0"/>
-                    <a:cs typeface="Helvetica" panose="020B0604020202020204" pitchFamily="34" charset="0"/>
-                  </a:rPr>
-                  <a:t>(</a:t>
-                </a:r>
-                <a:r>
-                  <a:rPr lang="en-GB" sz="508" dirty="0" smtClean="0">
-                    <a:latin typeface="Helvetica" panose="020B0604020202020204" pitchFamily="34" charset="0"/>
-                    <a:cs typeface="Helvetica" panose="020B0604020202020204" pitchFamily="34" charset="0"/>
-                  </a:rPr>
-                  <a:t>n=1)</a:t>
-                </a:r>
-                <a:endParaRPr lang="en-GB" sz="508" dirty="0">
+                </a:rPr>
+                <a:t>(n=1)</a:t>
+              </a:r>
+            </a:p>
+          </p:txBody>
+        </p:sp>
+        <p:sp>
+          <p:nvSpPr>
+            <p:cNvPr id="71" name="TextBox 70"/>
+            <p:cNvSpPr txBox="1"/>
+            <p:nvPr/>
+          </p:nvSpPr>
+          <p:spPr>
+            <a:xfrm rot="19404570">
+              <a:off x="2181408" y="4604656"/>
+              <a:ext cx="1060803" cy="170496"/>
+            </a:xfrm>
+            <a:prstGeom prst="rect">
+              <a:avLst/>
+            </a:prstGeom>
+            <a:noFill/>
+          </p:spPr>
+          <p:txBody>
+            <a:bodyPr wrap="square" rtlCol="0">
+              <a:spAutoFit/>
+            </a:bodyPr>
+            <a:lstStyle/>
+            <a:p>
+              <a:r>
+                <a:rPr lang="en-GB" sz="508" dirty="0">
                   <a:latin typeface="Helvetica" panose="020B0604020202020204" pitchFamily="34" charset="0"/>
                   <a:cs typeface="Helvetica" panose="020B0604020202020204" pitchFamily="34" charset="0"/>
-                </a:endParaRPr>
-              </a:p>
-            </p:txBody>
-          </p:sp>
-          <p:sp>
-            <p:nvSpPr>
-              <p:cNvPr id="212" name="TextBox 211"/>
-              <p:cNvSpPr txBox="1"/>
-              <p:nvPr/>
-            </p:nvSpPr>
-            <p:spPr>
-              <a:xfrm rot="5062244">
-                <a:off x="4565511" y="3821215"/>
-                <a:ext cx="850219" cy="170496"/>
-              </a:xfrm>
-              <a:prstGeom prst="rect">
-                <a:avLst/>
-              </a:prstGeom>
-              <a:noFill/>
-            </p:spPr>
-            <p:txBody>
-              <a:bodyPr wrap="square" rtlCol="0">
-                <a:spAutoFit/>
-              </a:bodyPr>
-              <a:lstStyle/>
-              <a:p>
-                <a:r>
-                  <a:rPr lang="en-GB" sz="508" dirty="0" smtClean="0">
-                    <a:latin typeface="Helvetica" panose="020B0604020202020204" pitchFamily="34" charset="0"/>
-                    <a:cs typeface="Helvetica" panose="020B0604020202020204" pitchFamily="34" charset="0"/>
-                  </a:rPr>
-                  <a:t>APHA </a:t>
-                </a:r>
-                <a:r>
-                  <a:rPr lang="en-GB" sz="508" dirty="0">
-                    <a:latin typeface="Helvetica" panose="020B0604020202020204" pitchFamily="34" charset="0"/>
-                    <a:cs typeface="Helvetica" panose="020B0604020202020204" pitchFamily="34" charset="0"/>
-                  </a:rPr>
-                  <a:t>(</a:t>
-                </a:r>
-                <a:r>
-                  <a:rPr lang="en-GB" sz="508" dirty="0" smtClean="0">
-                    <a:latin typeface="Helvetica" panose="020B0604020202020204" pitchFamily="34" charset="0"/>
-                    <a:cs typeface="Helvetica" panose="020B0604020202020204" pitchFamily="34" charset="0"/>
-                  </a:rPr>
-                  <a:t>n=3)</a:t>
-                </a:r>
-                <a:endParaRPr lang="en-GB" sz="508" dirty="0">
+                </a:rPr>
+                <a:t>DfE (n=30)</a:t>
+              </a:r>
+            </a:p>
+          </p:txBody>
+        </p:sp>
+        <p:sp>
+          <p:nvSpPr>
+            <p:cNvPr id="41" name="TextBox 40"/>
+            <p:cNvSpPr txBox="1"/>
+            <p:nvPr/>
+          </p:nvSpPr>
+          <p:spPr>
+            <a:xfrm rot="20247595">
+              <a:off x="3536707" y="3365213"/>
+              <a:ext cx="1060803" cy="170496"/>
+            </a:xfrm>
+            <a:prstGeom prst="rect">
+              <a:avLst/>
+            </a:prstGeom>
+            <a:noFill/>
+          </p:spPr>
+          <p:txBody>
+            <a:bodyPr wrap="square" rtlCol="0">
+              <a:spAutoFit/>
+            </a:bodyPr>
+            <a:lstStyle/>
+            <a:p>
+              <a:r>
+                <a:rPr lang="en-GB" sz="508" dirty="0">
                   <a:latin typeface="Helvetica" panose="020B0604020202020204" pitchFamily="34" charset="0"/>
                   <a:cs typeface="Helvetica" panose="020B0604020202020204" pitchFamily="34" charset="0"/>
-                </a:endParaRPr>
-              </a:p>
-            </p:txBody>
-          </p:sp>
-          <p:sp>
-            <p:nvSpPr>
-              <p:cNvPr id="245" name="TextBox 244"/>
-              <p:cNvSpPr txBox="1"/>
-              <p:nvPr/>
-            </p:nvSpPr>
-            <p:spPr>
-              <a:xfrm rot="723939">
-                <a:off x="3634202" y="2795998"/>
-                <a:ext cx="1060803" cy="170496"/>
-              </a:xfrm>
-              <a:prstGeom prst="rect">
-                <a:avLst/>
-              </a:prstGeom>
-              <a:noFill/>
-            </p:spPr>
-            <p:txBody>
-              <a:bodyPr wrap="square" rtlCol="0">
-                <a:spAutoFit/>
-              </a:bodyPr>
-              <a:lstStyle/>
-              <a:p>
-                <a:r>
-                  <a:rPr lang="en-GB" sz="508" dirty="0">
-                    <a:latin typeface="Helvetica" panose="020B0604020202020204" pitchFamily="34" charset="0"/>
-                    <a:cs typeface="Helvetica" panose="020B0604020202020204" pitchFamily="34" charset="0"/>
-                  </a:rPr>
-                  <a:t>MCA (n=3)</a:t>
-                </a:r>
-              </a:p>
-            </p:txBody>
-          </p:sp>
-        </p:grpSp>
+                </a:rPr>
+                <a:t>DLHC (n=9)</a:t>
+              </a:r>
+            </a:p>
+          </p:txBody>
+        </p:sp>
+        <p:sp>
+          <p:nvSpPr>
+            <p:cNvPr id="42" name="TextBox 41"/>
+            <p:cNvSpPr txBox="1"/>
+            <p:nvPr/>
+          </p:nvSpPr>
+          <p:spPr>
+            <a:xfrm rot="19084211">
+              <a:off x="4067889" y="3290163"/>
+              <a:ext cx="1060803" cy="170496"/>
+            </a:xfrm>
+            <a:prstGeom prst="rect">
+              <a:avLst/>
+            </a:prstGeom>
+            <a:noFill/>
+          </p:spPr>
+          <p:txBody>
+            <a:bodyPr wrap="square" rtlCol="0">
+              <a:spAutoFit/>
+            </a:bodyPr>
+            <a:lstStyle/>
+            <a:p>
+              <a:r>
+                <a:rPr lang="en-GB" sz="508" dirty="0">
+                  <a:latin typeface="Helvetica" panose="020B0604020202020204" pitchFamily="34" charset="0"/>
+                  <a:cs typeface="Helvetica" panose="020B0604020202020204" pitchFamily="34" charset="0"/>
+                </a:rPr>
+                <a:t>CCS (n=1)</a:t>
+              </a:r>
+            </a:p>
+          </p:txBody>
+        </p:sp>
+        <p:cxnSp>
+          <p:nvCxnSpPr>
+            <p:cNvPr id="54" name="Straight Connector 53"/>
+            <p:cNvCxnSpPr/>
+            <p:nvPr/>
+          </p:nvCxnSpPr>
+          <p:spPr>
+            <a:xfrm rot="21424537">
+              <a:off x="4145503" y="2788975"/>
+              <a:ext cx="484213" cy="188847"/>
+            </a:xfrm>
+            <a:prstGeom prst="line">
+              <a:avLst/>
+            </a:prstGeom>
+            <a:ln w="3175">
+              <a:solidFill>
+                <a:schemeClr val="tx1"/>
+              </a:solidFill>
+            </a:ln>
+          </p:spPr>
+          <p:style>
+            <a:lnRef idx="1">
+              <a:schemeClr val="accent1"/>
+            </a:lnRef>
+            <a:fillRef idx="0">
+              <a:schemeClr val="accent1"/>
+            </a:fillRef>
+            <a:effectRef idx="0">
+              <a:schemeClr val="accent1"/>
+            </a:effectRef>
+            <a:fontRef idx="minor">
+              <a:schemeClr val="tx1"/>
+            </a:fontRef>
+          </p:style>
+        </p:cxnSp>
+        <p:sp>
+          <p:nvSpPr>
+            <p:cNvPr id="62" name="TextBox 61"/>
+            <p:cNvSpPr txBox="1"/>
+            <p:nvPr/>
+          </p:nvSpPr>
+          <p:spPr>
+            <a:xfrm rot="3582453">
+              <a:off x="4211416" y="2682220"/>
+              <a:ext cx="1060803" cy="170496"/>
+            </a:xfrm>
+            <a:prstGeom prst="rect">
+              <a:avLst/>
+            </a:prstGeom>
+            <a:noFill/>
+          </p:spPr>
+          <p:txBody>
+            <a:bodyPr wrap="square" rtlCol="0">
+              <a:spAutoFit/>
+            </a:bodyPr>
+            <a:lstStyle/>
+            <a:p>
+              <a:r>
+                <a:rPr lang="en-GB" sz="508" dirty="0">
+                  <a:latin typeface="Helvetica" panose="020B0604020202020204" pitchFamily="34" charset="0"/>
+                  <a:cs typeface="Helvetica" panose="020B0604020202020204" pitchFamily="34" charset="0"/>
+                </a:rPr>
+                <a:t>UKTI (n=1)</a:t>
+              </a:r>
+            </a:p>
+          </p:txBody>
+        </p:sp>
+        <p:cxnSp>
+          <p:nvCxnSpPr>
+            <p:cNvPr id="63" name="Straight Connector 62"/>
+            <p:cNvCxnSpPr/>
+            <p:nvPr/>
+          </p:nvCxnSpPr>
+          <p:spPr>
+            <a:xfrm rot="1728035" flipV="1">
+              <a:off x="4353687" y="2835296"/>
+              <a:ext cx="229065" cy="17986"/>
+            </a:xfrm>
+            <a:prstGeom prst="line">
+              <a:avLst/>
+            </a:prstGeom>
+            <a:ln w="3175">
+              <a:solidFill>
+                <a:schemeClr val="tx1"/>
+              </a:solidFill>
+            </a:ln>
+          </p:spPr>
+          <p:style>
+            <a:lnRef idx="1">
+              <a:schemeClr val="accent1"/>
+            </a:lnRef>
+            <a:fillRef idx="0">
+              <a:schemeClr val="accent1"/>
+            </a:fillRef>
+            <a:effectRef idx="0">
+              <a:schemeClr val="accent1"/>
+            </a:effectRef>
+            <a:fontRef idx="minor">
+              <a:schemeClr val="tx1"/>
+            </a:fontRef>
+          </p:style>
+        </p:cxnSp>
+        <p:sp>
+          <p:nvSpPr>
+            <p:cNvPr id="70" name="TextBox 69"/>
+            <p:cNvSpPr txBox="1"/>
+            <p:nvPr/>
+          </p:nvSpPr>
+          <p:spPr>
+            <a:xfrm rot="1411718">
+              <a:off x="3951613" y="2646421"/>
+              <a:ext cx="572314" cy="170496"/>
+            </a:xfrm>
+            <a:prstGeom prst="rect">
+              <a:avLst/>
+            </a:prstGeom>
+            <a:noFill/>
+          </p:spPr>
+          <p:txBody>
+            <a:bodyPr wrap="square" rtlCol="0">
+              <a:spAutoFit/>
+            </a:bodyPr>
+            <a:lstStyle/>
+            <a:p>
+              <a:r>
+                <a:rPr lang="en-GB" sz="508" dirty="0">
+                  <a:latin typeface="Helvetica" panose="020B0604020202020204" pitchFamily="34" charset="0"/>
+                  <a:cs typeface="Helvetica" panose="020B0604020202020204" pitchFamily="34" charset="0"/>
+                </a:rPr>
+                <a:t>MoD (n=2)</a:t>
+              </a:r>
+            </a:p>
+          </p:txBody>
+        </p:sp>
+        <p:cxnSp>
+          <p:nvCxnSpPr>
+            <p:cNvPr id="114" name="Straight Connector 113"/>
+            <p:cNvCxnSpPr/>
+            <p:nvPr/>
+          </p:nvCxnSpPr>
+          <p:spPr>
+            <a:xfrm rot="21424537" flipH="1" flipV="1">
+              <a:off x="4488475" y="2480387"/>
+              <a:ext cx="237658" cy="351242"/>
+            </a:xfrm>
+            <a:prstGeom prst="line">
+              <a:avLst/>
+            </a:prstGeom>
+            <a:ln w="3175">
+              <a:solidFill>
+                <a:schemeClr val="tx1"/>
+              </a:solidFill>
+            </a:ln>
+          </p:spPr>
+          <p:style>
+            <a:lnRef idx="1">
+              <a:schemeClr val="accent1"/>
+            </a:lnRef>
+            <a:fillRef idx="0">
+              <a:schemeClr val="accent1"/>
+            </a:fillRef>
+            <a:effectRef idx="0">
+              <a:schemeClr val="accent1"/>
+            </a:effectRef>
+            <a:fontRef idx="minor">
+              <a:schemeClr val="tx1"/>
+            </a:fontRef>
+          </p:style>
+        </p:cxnSp>
+        <p:cxnSp>
+          <p:nvCxnSpPr>
+            <p:cNvPr id="161" name="Straight Connector 160"/>
+            <p:cNvCxnSpPr/>
+            <p:nvPr/>
+          </p:nvCxnSpPr>
+          <p:spPr>
+            <a:xfrm rot="21424537" flipH="1">
+              <a:off x="4124664" y="3113071"/>
+              <a:ext cx="492259" cy="13034"/>
+            </a:xfrm>
+            <a:prstGeom prst="line">
+              <a:avLst/>
+            </a:prstGeom>
+            <a:ln w="3175">
+              <a:solidFill>
+                <a:schemeClr val="tx1"/>
+              </a:solidFill>
+            </a:ln>
+          </p:spPr>
+          <p:style>
+            <a:lnRef idx="1">
+              <a:schemeClr val="accent1"/>
+            </a:lnRef>
+            <a:fillRef idx="0">
+              <a:schemeClr val="accent1"/>
+            </a:fillRef>
+            <a:effectRef idx="0">
+              <a:schemeClr val="accent1"/>
+            </a:effectRef>
+            <a:fontRef idx="minor">
+              <a:schemeClr val="tx1"/>
+            </a:fontRef>
+          </p:style>
+        </p:cxnSp>
+        <p:cxnSp>
+          <p:nvCxnSpPr>
+            <p:cNvPr id="166" name="Straight Connector 165"/>
+            <p:cNvCxnSpPr/>
+            <p:nvPr/>
+          </p:nvCxnSpPr>
+          <p:spPr>
+            <a:xfrm rot="21424537" flipV="1">
+              <a:off x="4085603" y="3462933"/>
+              <a:ext cx="182741" cy="92210"/>
+            </a:xfrm>
+            <a:prstGeom prst="line">
+              <a:avLst/>
+            </a:prstGeom>
+            <a:ln w="3175">
+              <a:solidFill>
+                <a:schemeClr val="tx1"/>
+              </a:solidFill>
+            </a:ln>
+          </p:spPr>
+          <p:style>
+            <a:lnRef idx="1">
+              <a:schemeClr val="accent1"/>
+            </a:lnRef>
+            <a:fillRef idx="0">
+              <a:schemeClr val="accent1"/>
+            </a:fillRef>
+            <a:effectRef idx="0">
+              <a:schemeClr val="accent1"/>
+            </a:effectRef>
+            <a:fontRef idx="minor">
+              <a:schemeClr val="tx1"/>
+            </a:fontRef>
+          </p:style>
+        </p:cxnSp>
+        <p:cxnSp>
+          <p:nvCxnSpPr>
+            <p:cNvPr id="171" name="Straight Connector 170"/>
+            <p:cNvCxnSpPr/>
+            <p:nvPr/>
+          </p:nvCxnSpPr>
+          <p:spPr>
+            <a:xfrm rot="1728035" flipV="1">
+              <a:off x="4053026" y="2855553"/>
+              <a:ext cx="401170" cy="106215"/>
+            </a:xfrm>
+            <a:prstGeom prst="line">
+              <a:avLst/>
+            </a:prstGeom>
+            <a:ln w="3175">
+              <a:solidFill>
+                <a:schemeClr val="tx1"/>
+              </a:solidFill>
+            </a:ln>
+          </p:spPr>
+          <p:style>
+            <a:lnRef idx="1">
+              <a:schemeClr val="accent1"/>
+            </a:lnRef>
+            <a:fillRef idx="0">
+              <a:schemeClr val="accent1"/>
+            </a:fillRef>
+            <a:effectRef idx="0">
+              <a:schemeClr val="accent1"/>
+            </a:effectRef>
+            <a:fontRef idx="minor">
+              <a:schemeClr val="tx1"/>
+            </a:fontRef>
+          </p:style>
+        </p:cxnSp>
+        <p:cxnSp>
+          <p:nvCxnSpPr>
+            <p:cNvPr id="175" name="Straight Connector 174"/>
+            <p:cNvCxnSpPr/>
+            <p:nvPr/>
+          </p:nvCxnSpPr>
+          <p:spPr>
+            <a:xfrm rot="21424537">
+              <a:off x="4283143" y="2657514"/>
+              <a:ext cx="303968" cy="209962"/>
+            </a:xfrm>
+            <a:prstGeom prst="line">
+              <a:avLst/>
+            </a:prstGeom>
+            <a:ln w="3175">
+              <a:solidFill>
+                <a:schemeClr val="tx1"/>
+              </a:solidFill>
+            </a:ln>
+          </p:spPr>
+          <p:style>
+            <a:lnRef idx="1">
+              <a:schemeClr val="accent1"/>
+            </a:lnRef>
+            <a:fillRef idx="0">
+              <a:schemeClr val="accent1"/>
+            </a:fillRef>
+            <a:effectRef idx="0">
+              <a:schemeClr val="accent1"/>
+            </a:effectRef>
+            <a:fontRef idx="minor">
+              <a:schemeClr val="tx1"/>
+            </a:fontRef>
+          </p:style>
+        </p:cxnSp>
+        <p:sp>
+          <p:nvSpPr>
+            <p:cNvPr id="188" name="TextBox 187"/>
+            <p:cNvSpPr txBox="1"/>
+            <p:nvPr/>
+          </p:nvSpPr>
+          <p:spPr>
+            <a:xfrm rot="19123985">
+              <a:off x="5112145" y="2435602"/>
+              <a:ext cx="801697" cy="170496"/>
+            </a:xfrm>
+            <a:prstGeom prst="rect">
+              <a:avLst/>
+            </a:prstGeom>
+            <a:noFill/>
+          </p:spPr>
+          <p:txBody>
+            <a:bodyPr wrap="square" rtlCol="0">
+              <a:spAutoFit/>
+            </a:bodyPr>
+            <a:lstStyle/>
+            <a:p>
+              <a:r>
+                <a:rPr lang="en-GB" sz="508" dirty="0">
+                  <a:latin typeface="Helvetica" panose="020B0604020202020204" pitchFamily="34" charset="0"/>
+                  <a:cs typeface="Helvetica" panose="020B0604020202020204" pitchFamily="34" charset="0"/>
+                </a:rPr>
+                <a:t>SLC (n=3)</a:t>
+              </a:r>
+            </a:p>
+          </p:txBody>
+        </p:sp>
+        <p:sp>
+          <p:nvSpPr>
+            <p:cNvPr id="187" name="TextBox 186"/>
+            <p:cNvSpPr txBox="1"/>
+            <p:nvPr/>
+          </p:nvSpPr>
+          <p:spPr>
+            <a:xfrm rot="2807193">
+              <a:off x="4266585" y="2546045"/>
+              <a:ext cx="515362" cy="170496"/>
+            </a:xfrm>
+            <a:prstGeom prst="rect">
+              <a:avLst/>
+            </a:prstGeom>
+            <a:noFill/>
+          </p:spPr>
+          <p:txBody>
+            <a:bodyPr wrap="square" rtlCol="0">
+              <a:spAutoFit/>
+            </a:bodyPr>
+            <a:lstStyle/>
+            <a:p>
+              <a:r>
+                <a:rPr lang="en-GB" sz="508" dirty="0">
+                  <a:latin typeface="Helvetica" panose="020B0604020202020204" pitchFamily="34" charset="0"/>
+                  <a:cs typeface="Helvetica" panose="020B0604020202020204" pitchFamily="34" charset="0"/>
+                </a:rPr>
+                <a:t>CC (n=3)</a:t>
+              </a:r>
+            </a:p>
+          </p:txBody>
+        </p:sp>
+        <p:sp>
+          <p:nvSpPr>
+            <p:cNvPr id="189" name="TextBox 188"/>
+            <p:cNvSpPr txBox="1"/>
+            <p:nvPr/>
+          </p:nvSpPr>
+          <p:spPr>
+            <a:xfrm rot="704072">
+              <a:off x="5838704" y="3264355"/>
+              <a:ext cx="850219" cy="170496"/>
+            </a:xfrm>
+            <a:prstGeom prst="rect">
+              <a:avLst/>
+            </a:prstGeom>
+            <a:noFill/>
+          </p:spPr>
+          <p:txBody>
+            <a:bodyPr wrap="square" rtlCol="0">
+              <a:spAutoFit/>
+            </a:bodyPr>
+            <a:lstStyle/>
+            <a:p>
+              <a:r>
+                <a:rPr lang="en-GB" sz="508" dirty="0">
+                  <a:latin typeface="Helvetica" panose="020B0604020202020204" pitchFamily="34" charset="0"/>
+                  <a:cs typeface="Helvetica" panose="020B0604020202020204" pitchFamily="34" charset="0"/>
+                </a:rPr>
+                <a:t>Ofsted (n=9)</a:t>
+              </a:r>
+            </a:p>
+          </p:txBody>
+        </p:sp>
+        <p:sp>
+          <p:nvSpPr>
+            <p:cNvPr id="191" name="TextBox 190"/>
+            <p:cNvSpPr txBox="1"/>
+            <p:nvPr/>
+          </p:nvSpPr>
+          <p:spPr>
+            <a:xfrm rot="18199298">
+              <a:off x="5271520" y="1773858"/>
+              <a:ext cx="850219" cy="170496"/>
+            </a:xfrm>
+            <a:prstGeom prst="rect">
+              <a:avLst/>
+            </a:prstGeom>
+            <a:noFill/>
+          </p:spPr>
+          <p:txBody>
+            <a:bodyPr wrap="square" rtlCol="0">
+              <a:spAutoFit/>
+            </a:bodyPr>
+            <a:lstStyle/>
+            <a:p>
+              <a:r>
+                <a:rPr lang="en-GB" sz="508" dirty="0">
+                  <a:latin typeface="Helvetica" panose="020B0604020202020204" pitchFamily="34" charset="0"/>
+                  <a:cs typeface="Helvetica" panose="020B0604020202020204" pitchFamily="34" charset="0"/>
+                </a:rPr>
+                <a:t>ESFA (</a:t>
+              </a:r>
+              <a:r>
+                <a:rPr lang="en-GB" sz="508" dirty="0" smtClean="0">
+                  <a:latin typeface="Helvetica" panose="020B0604020202020204" pitchFamily="34" charset="0"/>
+                  <a:cs typeface="Helvetica" panose="020B0604020202020204" pitchFamily="34" charset="0"/>
+                </a:rPr>
+                <a:t>n=10)</a:t>
+              </a:r>
+              <a:endParaRPr lang="en-GB" sz="508" dirty="0">
+                <a:latin typeface="Helvetica" panose="020B0604020202020204" pitchFamily="34" charset="0"/>
+                <a:cs typeface="Helvetica" panose="020B0604020202020204" pitchFamily="34" charset="0"/>
+              </a:endParaRPr>
+            </a:p>
+          </p:txBody>
+        </p:sp>
+        <p:sp>
+          <p:nvSpPr>
+            <p:cNvPr id="192" name="TextBox 191"/>
+            <p:cNvSpPr txBox="1"/>
+            <p:nvPr/>
+          </p:nvSpPr>
+          <p:spPr>
+            <a:xfrm rot="2198138">
+              <a:off x="5102493" y="3435189"/>
+              <a:ext cx="850219" cy="170496"/>
+            </a:xfrm>
+            <a:prstGeom prst="rect">
+              <a:avLst/>
+            </a:prstGeom>
+            <a:noFill/>
+          </p:spPr>
+          <p:txBody>
+            <a:bodyPr wrap="square" rtlCol="0">
+              <a:spAutoFit/>
+            </a:bodyPr>
+            <a:lstStyle/>
+            <a:p>
+              <a:r>
+                <a:rPr lang="en-GB" sz="508" dirty="0">
+                  <a:latin typeface="Helvetica" panose="020B0604020202020204" pitchFamily="34" charset="0"/>
+                  <a:cs typeface="Helvetica" panose="020B0604020202020204" pitchFamily="34" charset="0"/>
+                </a:rPr>
+                <a:t>Ofqual (n=2)</a:t>
+              </a:r>
+            </a:p>
+          </p:txBody>
+        </p:sp>
+        <p:sp>
+          <p:nvSpPr>
+            <p:cNvPr id="193" name="TextBox 192"/>
+            <p:cNvSpPr txBox="1"/>
+            <p:nvPr/>
+          </p:nvSpPr>
+          <p:spPr>
+            <a:xfrm rot="3002983">
+              <a:off x="5266474" y="3839634"/>
+              <a:ext cx="850219" cy="170496"/>
+            </a:xfrm>
+            <a:prstGeom prst="rect">
+              <a:avLst/>
+            </a:prstGeom>
+            <a:noFill/>
+          </p:spPr>
+          <p:txBody>
+            <a:bodyPr wrap="square" rtlCol="0">
+              <a:spAutoFit/>
+            </a:bodyPr>
+            <a:lstStyle/>
+            <a:p>
+              <a:r>
+                <a:rPr lang="en-GB" sz="508" dirty="0">
+                  <a:latin typeface="Helvetica" panose="020B0604020202020204" pitchFamily="34" charset="0"/>
+                  <a:cs typeface="Helvetica" panose="020B0604020202020204" pitchFamily="34" charset="0"/>
+                </a:rPr>
+                <a:t>TRA (n=1)</a:t>
+              </a:r>
+            </a:p>
+          </p:txBody>
+        </p:sp>
+        <p:sp>
+          <p:nvSpPr>
+            <p:cNvPr id="194" name="TextBox 193"/>
+            <p:cNvSpPr txBox="1"/>
+            <p:nvPr/>
+          </p:nvSpPr>
+          <p:spPr>
+            <a:xfrm rot="2450707">
+              <a:off x="5212900" y="3636046"/>
+              <a:ext cx="850219" cy="170496"/>
+            </a:xfrm>
+            <a:prstGeom prst="rect">
+              <a:avLst/>
+            </a:prstGeom>
+            <a:noFill/>
+          </p:spPr>
+          <p:txBody>
+            <a:bodyPr wrap="square" rtlCol="0">
+              <a:spAutoFit/>
+            </a:bodyPr>
+            <a:lstStyle/>
+            <a:p>
+              <a:r>
+                <a:rPr lang="en-GB" sz="508" dirty="0">
+                  <a:latin typeface="Helvetica" panose="020B0604020202020204" pitchFamily="34" charset="0"/>
+                  <a:cs typeface="Helvetica" panose="020B0604020202020204" pitchFamily="34" charset="0"/>
+                </a:rPr>
+                <a:t>STA (n=1)</a:t>
+              </a:r>
+            </a:p>
+          </p:txBody>
+        </p:sp>
+        <p:sp>
+          <p:nvSpPr>
+            <p:cNvPr id="196" name="TextBox 195"/>
+            <p:cNvSpPr txBox="1"/>
+            <p:nvPr/>
+          </p:nvSpPr>
+          <p:spPr>
+            <a:xfrm rot="19500686">
+              <a:off x="5415249" y="2282439"/>
+              <a:ext cx="908612" cy="170496"/>
+            </a:xfrm>
+            <a:prstGeom prst="rect">
+              <a:avLst/>
+            </a:prstGeom>
+            <a:noFill/>
+          </p:spPr>
+          <p:txBody>
+            <a:bodyPr wrap="square" rtlCol="0">
+              <a:spAutoFit/>
+            </a:bodyPr>
+            <a:lstStyle/>
+            <a:p>
+              <a:r>
+                <a:rPr lang="en-GB" sz="508" dirty="0" smtClean="0">
+                  <a:latin typeface="Helvetica" panose="020B0604020202020204" pitchFamily="34" charset="0"/>
+                  <a:cs typeface="Helvetica" panose="020B0604020202020204" pitchFamily="34" charset="0"/>
+                </a:rPr>
+                <a:t>NHS BSA </a:t>
+              </a:r>
+              <a:r>
+                <a:rPr lang="en-GB" sz="508" dirty="0">
+                  <a:latin typeface="Helvetica" panose="020B0604020202020204" pitchFamily="34" charset="0"/>
+                  <a:cs typeface="Helvetica" panose="020B0604020202020204" pitchFamily="34" charset="0"/>
+                </a:rPr>
+                <a:t>(n=1)</a:t>
+              </a:r>
+            </a:p>
+          </p:txBody>
+        </p:sp>
+        <p:sp>
+          <p:nvSpPr>
+            <p:cNvPr id="197" name="TextBox 196"/>
+            <p:cNvSpPr txBox="1"/>
+            <p:nvPr/>
+          </p:nvSpPr>
+          <p:spPr>
+            <a:xfrm rot="17033506">
+              <a:off x="4950250" y="1081994"/>
+              <a:ext cx="850219" cy="170496"/>
+            </a:xfrm>
+            <a:prstGeom prst="rect">
+              <a:avLst/>
+            </a:prstGeom>
+            <a:noFill/>
+          </p:spPr>
+          <p:txBody>
+            <a:bodyPr wrap="square" rtlCol="0">
+              <a:spAutoFit/>
+            </a:bodyPr>
+            <a:lstStyle/>
+            <a:p>
+              <a:r>
+                <a:rPr lang="en-GB" sz="508" dirty="0">
+                  <a:latin typeface="Helvetica" panose="020B0604020202020204" pitchFamily="34" charset="0"/>
+                  <a:cs typeface="Helvetica" panose="020B0604020202020204" pitchFamily="34" charset="0"/>
+                </a:rPr>
+                <a:t>DVSA (n=16)</a:t>
+              </a:r>
+            </a:p>
+          </p:txBody>
+        </p:sp>
+        <p:sp>
+          <p:nvSpPr>
+            <p:cNvPr id="198" name="TextBox 197"/>
+            <p:cNvSpPr txBox="1"/>
+            <p:nvPr/>
+          </p:nvSpPr>
+          <p:spPr>
+            <a:xfrm rot="16707174">
+              <a:off x="4747807" y="1037472"/>
+              <a:ext cx="850219" cy="170496"/>
+            </a:xfrm>
+            <a:prstGeom prst="rect">
+              <a:avLst/>
+            </a:prstGeom>
+            <a:noFill/>
+          </p:spPr>
+          <p:txBody>
+            <a:bodyPr wrap="square" rtlCol="0">
+              <a:spAutoFit/>
+            </a:bodyPr>
+            <a:lstStyle/>
+            <a:p>
+              <a:r>
+                <a:rPr lang="en-GB" sz="508" dirty="0">
+                  <a:latin typeface="Helvetica" panose="020B0604020202020204" pitchFamily="34" charset="0"/>
+                  <a:cs typeface="Helvetica" panose="020B0604020202020204" pitchFamily="34" charset="0"/>
+                </a:rPr>
+                <a:t>DVLA (n=16)</a:t>
+              </a:r>
+            </a:p>
+          </p:txBody>
+        </p:sp>
+        <p:sp>
+          <p:nvSpPr>
+            <p:cNvPr id="199" name="TextBox 198"/>
+            <p:cNvSpPr txBox="1"/>
+            <p:nvPr/>
+          </p:nvSpPr>
+          <p:spPr>
+            <a:xfrm rot="16353225">
+              <a:off x="4528197" y="1726906"/>
+              <a:ext cx="850219" cy="170496"/>
+            </a:xfrm>
+            <a:prstGeom prst="rect">
+              <a:avLst/>
+            </a:prstGeom>
+            <a:noFill/>
+          </p:spPr>
+          <p:txBody>
+            <a:bodyPr wrap="square" rtlCol="0">
+              <a:spAutoFit/>
+            </a:bodyPr>
+            <a:lstStyle/>
+            <a:p>
+              <a:r>
+                <a:rPr lang="en-GB" sz="508" dirty="0">
+                  <a:latin typeface="Helvetica" panose="020B0604020202020204" pitchFamily="34" charset="0"/>
+                  <a:cs typeface="Helvetica" panose="020B0604020202020204" pitchFamily="34" charset="0"/>
+                </a:rPr>
+                <a:t>DfT (n=8)</a:t>
+              </a:r>
+            </a:p>
+          </p:txBody>
+        </p:sp>
+        <p:sp>
+          <p:nvSpPr>
+            <p:cNvPr id="201" name="TextBox 200"/>
+            <p:cNvSpPr txBox="1"/>
+            <p:nvPr/>
+          </p:nvSpPr>
+          <p:spPr>
+            <a:xfrm rot="5011192">
+              <a:off x="4447288" y="2412560"/>
+              <a:ext cx="850219" cy="170496"/>
+            </a:xfrm>
+            <a:prstGeom prst="rect">
+              <a:avLst/>
+            </a:prstGeom>
+            <a:noFill/>
+          </p:spPr>
+          <p:txBody>
+            <a:bodyPr wrap="square" rtlCol="0">
+              <a:spAutoFit/>
+            </a:bodyPr>
+            <a:lstStyle/>
+            <a:p>
+              <a:r>
+                <a:rPr lang="en-GB" sz="508" dirty="0">
+                  <a:latin typeface="Helvetica" panose="020B0604020202020204" pitchFamily="34" charset="0"/>
+                  <a:cs typeface="Helvetica" panose="020B0604020202020204" pitchFamily="34" charset="0"/>
+                </a:rPr>
+                <a:t>CAA (n=1)</a:t>
+              </a:r>
+            </a:p>
+          </p:txBody>
+        </p:sp>
+        <p:sp>
+          <p:nvSpPr>
+            <p:cNvPr id="202" name="TextBox 201"/>
+            <p:cNvSpPr txBox="1"/>
+            <p:nvPr/>
+          </p:nvSpPr>
+          <p:spPr>
+            <a:xfrm rot="17490438">
+              <a:off x="4827401" y="2100664"/>
+              <a:ext cx="850219" cy="170496"/>
+            </a:xfrm>
+            <a:prstGeom prst="rect">
+              <a:avLst/>
+            </a:prstGeom>
+            <a:noFill/>
+          </p:spPr>
+          <p:txBody>
+            <a:bodyPr wrap="square" rtlCol="0">
+              <a:spAutoFit/>
+            </a:bodyPr>
+            <a:lstStyle/>
+            <a:p>
+              <a:r>
+                <a:rPr lang="en-GB" sz="508" dirty="0">
+                  <a:latin typeface="Helvetica" panose="020B0604020202020204" pitchFamily="34" charset="0"/>
+                  <a:cs typeface="Helvetica" panose="020B0604020202020204" pitchFamily="34" charset="0"/>
+                </a:rPr>
+                <a:t>HE (n=1)</a:t>
+              </a:r>
+            </a:p>
+          </p:txBody>
+        </p:sp>
+        <p:sp>
+          <p:nvSpPr>
+            <p:cNvPr id="205" name="TextBox 204"/>
+            <p:cNvSpPr txBox="1"/>
+            <p:nvPr/>
+          </p:nvSpPr>
+          <p:spPr>
+            <a:xfrm rot="4360523">
+              <a:off x="4781111" y="3769554"/>
+              <a:ext cx="850219" cy="170496"/>
+            </a:xfrm>
+            <a:prstGeom prst="rect">
+              <a:avLst/>
+            </a:prstGeom>
+            <a:noFill/>
+          </p:spPr>
+          <p:txBody>
+            <a:bodyPr wrap="square" rtlCol="0">
+              <a:spAutoFit/>
+            </a:bodyPr>
+            <a:lstStyle/>
+            <a:p>
+              <a:r>
+                <a:rPr lang="en-GB" sz="508" dirty="0">
+                  <a:latin typeface="Helvetica" panose="020B0604020202020204" pitchFamily="34" charset="0"/>
+                  <a:cs typeface="Helvetica" panose="020B0604020202020204" pitchFamily="34" charset="0"/>
+                </a:rPr>
+                <a:t>LAA (n=2)</a:t>
+              </a:r>
+            </a:p>
+          </p:txBody>
+        </p:sp>
+        <p:sp>
+          <p:nvSpPr>
+            <p:cNvPr id="206" name="TextBox 205"/>
+            <p:cNvSpPr txBox="1"/>
+            <p:nvPr/>
+          </p:nvSpPr>
+          <p:spPr>
+            <a:xfrm rot="3927969">
+              <a:off x="4894558" y="3783545"/>
+              <a:ext cx="850219" cy="170496"/>
+            </a:xfrm>
+            <a:prstGeom prst="rect">
+              <a:avLst/>
+            </a:prstGeom>
+            <a:noFill/>
+          </p:spPr>
+          <p:txBody>
+            <a:bodyPr wrap="square" rtlCol="0">
+              <a:spAutoFit/>
+            </a:bodyPr>
+            <a:lstStyle/>
+            <a:p>
+              <a:r>
+                <a:rPr lang="en-GB" sz="508" dirty="0">
+                  <a:latin typeface="Helvetica" panose="020B0604020202020204" pitchFamily="34" charset="0"/>
+                  <a:cs typeface="Helvetica" panose="020B0604020202020204" pitchFamily="34" charset="0"/>
+                </a:rPr>
+                <a:t>DBS (n=1)</a:t>
+              </a:r>
+            </a:p>
+          </p:txBody>
+        </p:sp>
+        <p:sp>
+          <p:nvSpPr>
+            <p:cNvPr id="204" name="TextBox 203"/>
+            <p:cNvSpPr txBox="1"/>
+            <p:nvPr/>
+          </p:nvSpPr>
+          <p:spPr>
+            <a:xfrm rot="4244605">
+              <a:off x="4267117" y="2279500"/>
+              <a:ext cx="850219" cy="170496"/>
+            </a:xfrm>
+            <a:prstGeom prst="rect">
+              <a:avLst/>
+            </a:prstGeom>
+            <a:noFill/>
+          </p:spPr>
+          <p:txBody>
+            <a:bodyPr wrap="square" rtlCol="0">
+              <a:spAutoFit/>
+            </a:bodyPr>
+            <a:lstStyle/>
+            <a:p>
+              <a:r>
+                <a:rPr lang="en-GB" sz="508" dirty="0">
+                  <a:latin typeface="Helvetica" panose="020B0604020202020204" pitchFamily="34" charset="0"/>
+                  <a:cs typeface="Helvetica" panose="020B0604020202020204" pitchFamily="34" charset="0"/>
+                </a:rPr>
+                <a:t>DCMS (n=1)</a:t>
+              </a:r>
+            </a:p>
+          </p:txBody>
+        </p:sp>
+        <p:sp>
+          <p:nvSpPr>
+            <p:cNvPr id="203" name="TextBox 202"/>
+            <p:cNvSpPr txBox="1"/>
+            <p:nvPr/>
+          </p:nvSpPr>
+          <p:spPr>
+            <a:xfrm rot="17870527">
+              <a:off x="4150236" y="3618153"/>
+              <a:ext cx="850219" cy="170496"/>
+            </a:xfrm>
+            <a:prstGeom prst="rect">
+              <a:avLst/>
+            </a:prstGeom>
+            <a:noFill/>
+          </p:spPr>
+          <p:txBody>
+            <a:bodyPr wrap="square" rtlCol="0">
+              <a:spAutoFit/>
+            </a:bodyPr>
+            <a:lstStyle/>
+            <a:p>
+              <a:r>
+                <a:rPr lang="en-GB" sz="508" dirty="0">
+                  <a:latin typeface="Helvetica" panose="020B0604020202020204" pitchFamily="34" charset="0"/>
+                  <a:cs typeface="Helvetica" panose="020B0604020202020204" pitchFamily="34" charset="0"/>
+                </a:rPr>
+                <a:t>ONS (n=1)</a:t>
+              </a:r>
+            </a:p>
+          </p:txBody>
+        </p:sp>
+        <p:sp>
+          <p:nvSpPr>
+            <p:cNvPr id="237" name="TextBox 236"/>
+            <p:cNvSpPr txBox="1"/>
+            <p:nvPr/>
+          </p:nvSpPr>
+          <p:spPr>
+            <a:xfrm rot="3080008">
+              <a:off x="4003344" y="2461509"/>
+              <a:ext cx="1060803" cy="170496"/>
+            </a:xfrm>
+            <a:prstGeom prst="rect">
+              <a:avLst/>
+            </a:prstGeom>
+            <a:noFill/>
+          </p:spPr>
+          <p:txBody>
+            <a:bodyPr wrap="square" rtlCol="0">
+              <a:spAutoFit/>
+            </a:bodyPr>
+            <a:lstStyle/>
+            <a:p>
+              <a:r>
+                <a:rPr lang="en-GB" sz="508" dirty="0">
+                  <a:latin typeface="Helvetica" panose="020B0604020202020204" pitchFamily="34" charset="0"/>
+                  <a:cs typeface="Helvetica" panose="020B0604020202020204" pitchFamily="34" charset="0"/>
+                </a:rPr>
+                <a:t>UKEF (n=1)</a:t>
+              </a:r>
+            </a:p>
+          </p:txBody>
+        </p:sp>
+        <p:sp>
+          <p:nvSpPr>
+            <p:cNvPr id="238" name="TextBox 237"/>
+            <p:cNvSpPr txBox="1"/>
+            <p:nvPr/>
+          </p:nvSpPr>
+          <p:spPr>
+            <a:xfrm rot="18367180">
+              <a:off x="3777731" y="3868925"/>
+              <a:ext cx="1060803" cy="170496"/>
+            </a:xfrm>
+            <a:prstGeom prst="rect">
+              <a:avLst/>
+            </a:prstGeom>
+            <a:noFill/>
+          </p:spPr>
+          <p:txBody>
+            <a:bodyPr wrap="square" rtlCol="0">
+              <a:spAutoFit/>
+            </a:bodyPr>
+            <a:lstStyle/>
+            <a:p>
+              <a:r>
+                <a:rPr lang="en-GB" sz="508" dirty="0">
+                  <a:latin typeface="Helvetica" panose="020B0604020202020204" pitchFamily="34" charset="0"/>
+                  <a:cs typeface="Helvetica" panose="020B0604020202020204" pitchFamily="34" charset="0"/>
+                </a:rPr>
+                <a:t>CO (n=11)</a:t>
+              </a:r>
+            </a:p>
+          </p:txBody>
+        </p:sp>
+        <p:sp>
+          <p:nvSpPr>
+            <p:cNvPr id="239" name="TextBox 238"/>
+            <p:cNvSpPr txBox="1"/>
+            <p:nvPr/>
+          </p:nvSpPr>
+          <p:spPr>
+            <a:xfrm rot="3989152">
+              <a:off x="4283058" y="2739978"/>
+              <a:ext cx="1060803" cy="170496"/>
+            </a:xfrm>
+            <a:prstGeom prst="rect">
+              <a:avLst/>
+            </a:prstGeom>
+            <a:noFill/>
+          </p:spPr>
+          <p:txBody>
+            <a:bodyPr wrap="square" rtlCol="0">
+              <a:spAutoFit/>
+            </a:bodyPr>
+            <a:lstStyle/>
+            <a:p>
+              <a:r>
+                <a:rPr lang="en-GB" sz="508" dirty="0">
+                  <a:latin typeface="Helvetica" panose="020B0604020202020204" pitchFamily="34" charset="0"/>
+                  <a:cs typeface="Helvetica" panose="020B0604020202020204" pitchFamily="34" charset="0"/>
+                </a:rPr>
+                <a:t>VOA (n=2)</a:t>
+              </a:r>
+            </a:p>
+          </p:txBody>
+        </p:sp>
+        <p:sp>
+          <p:nvSpPr>
+            <p:cNvPr id="243" name="TextBox 242"/>
+            <p:cNvSpPr txBox="1"/>
+            <p:nvPr/>
+          </p:nvSpPr>
+          <p:spPr>
+            <a:xfrm rot="1652100">
+              <a:off x="3839934" y="2528817"/>
+              <a:ext cx="715314" cy="170496"/>
+            </a:xfrm>
+            <a:prstGeom prst="rect">
+              <a:avLst/>
+            </a:prstGeom>
+            <a:noFill/>
+          </p:spPr>
+          <p:txBody>
+            <a:bodyPr wrap="square" rtlCol="0">
+              <a:spAutoFit/>
+            </a:bodyPr>
+            <a:lstStyle/>
+            <a:p>
+              <a:r>
+                <a:rPr lang="en-GB" sz="508" dirty="0">
+                  <a:latin typeface="Helvetica" panose="020B0604020202020204" pitchFamily="34" charset="0"/>
+                  <a:cs typeface="Helvetica" panose="020B0604020202020204" pitchFamily="34" charset="0"/>
+                </a:rPr>
+                <a:t>OPSS (n=2)</a:t>
+              </a:r>
+            </a:p>
+          </p:txBody>
+        </p:sp>
+        <p:sp>
+          <p:nvSpPr>
+            <p:cNvPr id="244" name="TextBox 243"/>
+            <p:cNvSpPr txBox="1"/>
+            <p:nvPr/>
+          </p:nvSpPr>
+          <p:spPr>
+            <a:xfrm rot="17583310">
+              <a:off x="4275561" y="3272903"/>
+              <a:ext cx="1060803" cy="170496"/>
+            </a:xfrm>
+            <a:prstGeom prst="rect">
+              <a:avLst/>
+            </a:prstGeom>
+            <a:noFill/>
+          </p:spPr>
+          <p:txBody>
+            <a:bodyPr wrap="square" rtlCol="0">
+              <a:spAutoFit/>
+            </a:bodyPr>
+            <a:lstStyle/>
+            <a:p>
+              <a:r>
+                <a:rPr lang="en-GB" sz="508" dirty="0">
+                  <a:latin typeface="Helvetica" panose="020B0604020202020204" pitchFamily="34" charset="0"/>
+                  <a:cs typeface="Helvetica" panose="020B0604020202020204" pitchFamily="34" charset="0"/>
+                </a:rPr>
+                <a:t>MMO (n=2)</a:t>
+              </a:r>
+            </a:p>
+          </p:txBody>
+        </p:sp>
+        <p:sp>
+          <p:nvSpPr>
+            <p:cNvPr id="246" name="TextBox 245"/>
+            <p:cNvSpPr txBox="1"/>
+            <p:nvPr/>
+          </p:nvSpPr>
+          <p:spPr>
+            <a:xfrm rot="18764685">
+              <a:off x="3957051" y="3502244"/>
+              <a:ext cx="1060803" cy="170496"/>
+            </a:xfrm>
+            <a:prstGeom prst="rect">
+              <a:avLst/>
+            </a:prstGeom>
+            <a:noFill/>
+          </p:spPr>
+          <p:txBody>
+            <a:bodyPr wrap="square" rtlCol="0">
+              <a:spAutoFit/>
+            </a:bodyPr>
+            <a:lstStyle/>
+            <a:p>
+              <a:r>
+                <a:rPr lang="en-GB" sz="508" dirty="0">
+                  <a:latin typeface="Helvetica" panose="020B0604020202020204" pitchFamily="34" charset="0"/>
+                  <a:cs typeface="Helvetica" panose="020B0604020202020204" pitchFamily="34" charset="0"/>
+                </a:rPr>
+                <a:t>CH (n=7)</a:t>
+              </a:r>
+            </a:p>
+          </p:txBody>
+        </p:sp>
+        <p:sp>
+          <p:nvSpPr>
+            <p:cNvPr id="247" name="TextBox 246"/>
+            <p:cNvSpPr txBox="1"/>
+            <p:nvPr/>
+          </p:nvSpPr>
+          <p:spPr>
+            <a:xfrm rot="20972542">
+              <a:off x="1619789" y="3527944"/>
+              <a:ext cx="1060803" cy="170496"/>
+            </a:xfrm>
+            <a:prstGeom prst="rect">
+              <a:avLst/>
+            </a:prstGeom>
+            <a:noFill/>
+          </p:spPr>
+          <p:txBody>
+            <a:bodyPr wrap="square" rtlCol="0">
+              <a:spAutoFit/>
+            </a:bodyPr>
+            <a:lstStyle/>
+            <a:p>
+              <a:r>
+                <a:rPr lang="en-GB" sz="508" dirty="0">
+                  <a:latin typeface="Helvetica" panose="020B0604020202020204" pitchFamily="34" charset="0"/>
+                  <a:cs typeface="Helvetica" panose="020B0604020202020204" pitchFamily="34" charset="0"/>
+                </a:rPr>
+                <a:t>HMRC (n=30)</a:t>
+              </a:r>
+            </a:p>
+          </p:txBody>
+        </p:sp>
+        <p:sp>
+          <p:nvSpPr>
+            <p:cNvPr id="248" name="TextBox 247"/>
+            <p:cNvSpPr txBox="1"/>
+            <p:nvPr/>
+          </p:nvSpPr>
+          <p:spPr>
+            <a:xfrm rot="19809079">
+              <a:off x="3653553" y="3417533"/>
+              <a:ext cx="1060803" cy="170496"/>
+            </a:xfrm>
+            <a:prstGeom prst="rect">
+              <a:avLst/>
+            </a:prstGeom>
+            <a:noFill/>
+          </p:spPr>
+          <p:txBody>
+            <a:bodyPr wrap="square" rtlCol="0">
+              <a:spAutoFit/>
+            </a:bodyPr>
+            <a:lstStyle/>
+            <a:p>
+              <a:r>
+                <a:rPr lang="en-GB" sz="508" dirty="0">
+                  <a:latin typeface="Helvetica" panose="020B0604020202020204" pitchFamily="34" charset="0"/>
+                  <a:cs typeface="Helvetica" panose="020B0604020202020204" pitchFamily="34" charset="0"/>
+                </a:rPr>
+                <a:t>DFIT (n=6)</a:t>
+              </a:r>
+            </a:p>
+          </p:txBody>
+        </p:sp>
+        <p:sp>
+          <p:nvSpPr>
+            <p:cNvPr id="250" name="TextBox 249"/>
+            <p:cNvSpPr txBox="1"/>
+            <p:nvPr/>
+          </p:nvSpPr>
+          <p:spPr>
+            <a:xfrm rot="21182436">
+              <a:off x="3707685" y="3056871"/>
+              <a:ext cx="733690" cy="170496"/>
+            </a:xfrm>
+            <a:prstGeom prst="rect">
+              <a:avLst/>
+            </a:prstGeom>
+            <a:noFill/>
+          </p:spPr>
+          <p:txBody>
+            <a:bodyPr wrap="square" rtlCol="0">
+              <a:spAutoFit/>
+            </a:bodyPr>
+            <a:lstStyle/>
+            <a:p>
+              <a:r>
+                <a:rPr lang="en-GB" sz="508" dirty="0">
+                  <a:latin typeface="Helvetica" panose="020B0604020202020204" pitchFamily="34" charset="0"/>
+                  <a:cs typeface="Helvetica" panose="020B0604020202020204" pitchFamily="34" charset="0"/>
+                </a:rPr>
+                <a:t>IUK (n=1)</a:t>
+              </a:r>
+            </a:p>
+          </p:txBody>
+        </p:sp>
+        <p:sp>
+          <p:nvSpPr>
+            <p:cNvPr id="251" name="TextBox 250"/>
+            <p:cNvSpPr txBox="1"/>
+            <p:nvPr/>
+          </p:nvSpPr>
+          <p:spPr>
+            <a:xfrm rot="16502688">
+              <a:off x="4285477" y="4728695"/>
+              <a:ext cx="1060803" cy="170496"/>
+            </a:xfrm>
+            <a:prstGeom prst="rect">
+              <a:avLst/>
+            </a:prstGeom>
+            <a:noFill/>
+          </p:spPr>
+          <p:txBody>
+            <a:bodyPr wrap="square" rtlCol="0">
+              <a:spAutoFit/>
+            </a:bodyPr>
+            <a:lstStyle/>
+            <a:p>
+              <a:r>
+                <a:rPr lang="en-GB" sz="508" dirty="0">
+                  <a:latin typeface="Helvetica" panose="020B0604020202020204" pitchFamily="34" charset="0"/>
+                  <a:cs typeface="Helvetica" panose="020B0604020202020204" pitchFamily="34" charset="0"/>
+                </a:rPr>
+                <a:t>BEIS (n=18)</a:t>
+              </a:r>
+            </a:p>
+          </p:txBody>
+        </p:sp>
+        <p:sp>
+          <p:nvSpPr>
+            <p:cNvPr id="253" name="TextBox 252"/>
+            <p:cNvSpPr txBox="1"/>
+            <p:nvPr/>
+          </p:nvSpPr>
+          <p:spPr>
+            <a:xfrm rot="21586174">
+              <a:off x="3843744" y="2966802"/>
+              <a:ext cx="694050" cy="170496"/>
+            </a:xfrm>
+            <a:prstGeom prst="rect">
+              <a:avLst/>
+            </a:prstGeom>
+            <a:noFill/>
+          </p:spPr>
+          <p:txBody>
+            <a:bodyPr wrap="square" rtlCol="0">
+              <a:spAutoFit/>
+            </a:bodyPr>
+            <a:lstStyle/>
+            <a:p>
+              <a:r>
+                <a:rPr lang="en-GB" sz="508" dirty="0">
+                  <a:latin typeface="Helvetica" panose="020B0604020202020204" pitchFamily="34" charset="0"/>
+                  <a:cs typeface="Helvetica" panose="020B0604020202020204" pitchFamily="34" charset="0"/>
+                </a:rPr>
+                <a:t>IS (n=6)</a:t>
+              </a:r>
+            </a:p>
+          </p:txBody>
+        </p:sp>
+        <p:sp>
+          <p:nvSpPr>
+            <p:cNvPr id="254" name="TextBox 253"/>
+            <p:cNvSpPr txBox="1"/>
+            <p:nvPr/>
+          </p:nvSpPr>
+          <p:spPr>
+            <a:xfrm rot="992534">
+              <a:off x="5458323" y="3323641"/>
+              <a:ext cx="1060803" cy="170496"/>
+            </a:xfrm>
+            <a:prstGeom prst="rect">
+              <a:avLst/>
+            </a:prstGeom>
+            <a:noFill/>
+          </p:spPr>
+          <p:txBody>
+            <a:bodyPr wrap="square" rtlCol="0">
+              <a:spAutoFit/>
+            </a:bodyPr>
+            <a:lstStyle/>
+            <a:p>
+              <a:r>
+                <a:rPr lang="en-GB" sz="508" dirty="0">
+                  <a:latin typeface="Helvetica" panose="020B0604020202020204" pitchFamily="34" charset="0"/>
+                  <a:cs typeface="Helvetica" panose="020B0604020202020204" pitchFamily="34" charset="0"/>
+                </a:rPr>
+                <a:t>DHSC (n=5)</a:t>
+              </a:r>
+            </a:p>
+          </p:txBody>
+        </p:sp>
+        <p:sp>
+          <p:nvSpPr>
+            <p:cNvPr id="255" name="TextBox 254"/>
+            <p:cNvSpPr txBox="1"/>
+            <p:nvPr/>
+          </p:nvSpPr>
+          <p:spPr>
+            <a:xfrm rot="3248407">
+              <a:off x="5087261" y="3976789"/>
+              <a:ext cx="1060803" cy="170496"/>
+            </a:xfrm>
+            <a:prstGeom prst="rect">
+              <a:avLst/>
+            </a:prstGeom>
+            <a:noFill/>
+          </p:spPr>
+          <p:txBody>
+            <a:bodyPr wrap="square" rtlCol="0">
+              <a:spAutoFit/>
+            </a:bodyPr>
+            <a:lstStyle/>
+            <a:p>
+              <a:r>
+                <a:rPr lang="en-GB" sz="508" dirty="0">
+                  <a:latin typeface="Helvetica" panose="020B0604020202020204" pitchFamily="34" charset="0"/>
+                  <a:cs typeface="Helvetica" panose="020B0604020202020204" pitchFamily="34" charset="0"/>
+                </a:rPr>
+                <a:t>UKVI (n=6)</a:t>
+              </a:r>
+            </a:p>
+          </p:txBody>
+        </p:sp>
+        <p:sp>
+          <p:nvSpPr>
+            <p:cNvPr id="256" name="TextBox 255"/>
+            <p:cNvSpPr txBox="1"/>
+            <p:nvPr/>
+          </p:nvSpPr>
+          <p:spPr>
+            <a:xfrm rot="18744490">
+              <a:off x="5054066" y="2339551"/>
+              <a:ext cx="850219" cy="170496"/>
+            </a:xfrm>
+            <a:prstGeom prst="rect">
+              <a:avLst/>
+            </a:prstGeom>
+            <a:noFill/>
+          </p:spPr>
+          <p:txBody>
+            <a:bodyPr wrap="square" rtlCol="0">
+              <a:spAutoFit/>
+            </a:bodyPr>
+            <a:lstStyle/>
+            <a:p>
+              <a:r>
+                <a:rPr lang="en-GB" sz="508" dirty="0">
+                  <a:latin typeface="Helvetica" panose="020B0604020202020204" pitchFamily="34" charset="0"/>
+                  <a:cs typeface="Helvetica" panose="020B0604020202020204" pitchFamily="34" charset="0"/>
+                </a:rPr>
+                <a:t>GEO (n=1)</a:t>
+              </a:r>
+            </a:p>
+          </p:txBody>
+        </p:sp>
+        <p:sp>
+          <p:nvSpPr>
+            <p:cNvPr id="274" name="TextBox 273"/>
+            <p:cNvSpPr txBox="1"/>
+            <p:nvPr/>
+          </p:nvSpPr>
+          <p:spPr>
+            <a:xfrm rot="4600227">
+              <a:off x="3909653" y="754728"/>
+              <a:ext cx="1060803" cy="170496"/>
+            </a:xfrm>
+            <a:prstGeom prst="rect">
+              <a:avLst/>
+            </a:prstGeom>
+            <a:noFill/>
+          </p:spPr>
+          <p:txBody>
+            <a:bodyPr wrap="square" rtlCol="0">
+              <a:spAutoFit/>
+            </a:bodyPr>
+            <a:lstStyle/>
+            <a:p>
+              <a:r>
+                <a:rPr lang="en-GB" sz="508" dirty="0">
+                  <a:latin typeface="Helvetica" panose="020B0604020202020204" pitchFamily="34" charset="0"/>
+                  <a:cs typeface="Helvetica" panose="020B0604020202020204" pitchFamily="34" charset="0"/>
+                </a:rPr>
+                <a:t>HO (n=25)</a:t>
+              </a:r>
+            </a:p>
+          </p:txBody>
+        </p:sp>
+        <p:sp>
+          <p:nvSpPr>
+            <p:cNvPr id="275" name="TextBox 274"/>
+            <p:cNvSpPr txBox="1"/>
+            <p:nvPr/>
+          </p:nvSpPr>
+          <p:spPr>
+            <a:xfrm rot="19692734">
+              <a:off x="5180645" y="2494989"/>
+              <a:ext cx="1060803" cy="170496"/>
+            </a:xfrm>
+            <a:prstGeom prst="rect">
+              <a:avLst/>
+            </a:prstGeom>
+            <a:noFill/>
+          </p:spPr>
+          <p:txBody>
+            <a:bodyPr wrap="square" rtlCol="0">
+              <a:spAutoFit/>
+            </a:bodyPr>
+            <a:lstStyle/>
+            <a:p>
+              <a:r>
+                <a:rPr lang="en-GB" sz="508" dirty="0">
+                  <a:latin typeface="Helvetica" panose="020B0604020202020204" pitchFamily="34" charset="0"/>
+                  <a:cs typeface="Helvetica" panose="020B0604020202020204" pitchFamily="34" charset="0"/>
+                </a:rPr>
+                <a:t>CQC (n=1)</a:t>
+              </a:r>
+            </a:p>
+          </p:txBody>
+        </p:sp>
+        <p:sp>
+          <p:nvSpPr>
+            <p:cNvPr id="276" name="TextBox 275"/>
+            <p:cNvSpPr txBox="1"/>
+            <p:nvPr/>
+          </p:nvSpPr>
+          <p:spPr>
+            <a:xfrm rot="20337917">
+              <a:off x="5280899" y="2666057"/>
+              <a:ext cx="1060803" cy="170496"/>
+            </a:xfrm>
+            <a:prstGeom prst="rect">
+              <a:avLst/>
+            </a:prstGeom>
+            <a:noFill/>
+          </p:spPr>
+          <p:txBody>
+            <a:bodyPr wrap="square" rtlCol="0">
+              <a:spAutoFit/>
+            </a:bodyPr>
+            <a:lstStyle/>
+            <a:p>
+              <a:r>
+                <a:rPr lang="en-GB" sz="508" dirty="0">
+                  <a:latin typeface="Helvetica" panose="020B0604020202020204" pitchFamily="34" charset="0"/>
+                  <a:cs typeface="Helvetica" panose="020B0604020202020204" pitchFamily="34" charset="0"/>
+                </a:rPr>
+                <a:t>GRO (n=1)</a:t>
+              </a:r>
+            </a:p>
+          </p:txBody>
+        </p:sp>
+        <p:sp>
+          <p:nvSpPr>
+            <p:cNvPr id="279" name="TextBox 278"/>
+            <p:cNvSpPr txBox="1"/>
+            <p:nvPr/>
+          </p:nvSpPr>
+          <p:spPr>
+            <a:xfrm rot="20800839">
+              <a:off x="5645388" y="2686392"/>
+              <a:ext cx="1060803" cy="170496"/>
+            </a:xfrm>
+            <a:prstGeom prst="rect">
+              <a:avLst/>
+            </a:prstGeom>
+            <a:noFill/>
+          </p:spPr>
+          <p:txBody>
+            <a:bodyPr wrap="square" rtlCol="0">
+              <a:spAutoFit/>
+            </a:bodyPr>
+            <a:lstStyle/>
+            <a:p>
+              <a:r>
+                <a:rPr lang="en-GB" sz="508" dirty="0">
+                  <a:latin typeface="Helvetica" panose="020B0604020202020204" pitchFamily="34" charset="0"/>
+                  <a:cs typeface="Helvetica" panose="020B0604020202020204" pitchFamily="34" charset="0"/>
+                </a:rPr>
+                <a:t>HMCTS (n=7)</a:t>
+              </a:r>
+            </a:p>
+          </p:txBody>
+        </p:sp>
+        <p:sp>
+          <p:nvSpPr>
+            <p:cNvPr id="280" name="TextBox 279"/>
+            <p:cNvSpPr txBox="1"/>
+            <p:nvPr/>
+          </p:nvSpPr>
+          <p:spPr>
+            <a:xfrm rot="20517941">
+              <a:off x="1989093" y="3740867"/>
+              <a:ext cx="1060803" cy="170496"/>
+            </a:xfrm>
+            <a:prstGeom prst="rect">
+              <a:avLst/>
+            </a:prstGeom>
+            <a:noFill/>
+          </p:spPr>
+          <p:txBody>
+            <a:bodyPr wrap="square" rtlCol="0">
+              <a:spAutoFit/>
+            </a:bodyPr>
+            <a:lstStyle/>
+            <a:p>
+              <a:r>
+                <a:rPr lang="en-GB" sz="508" dirty="0">
+                  <a:latin typeface="Helvetica" panose="020B0604020202020204" pitchFamily="34" charset="0"/>
+                  <a:cs typeface="Helvetica" panose="020B0604020202020204" pitchFamily="34" charset="0"/>
+                </a:rPr>
+                <a:t>DWP (n=27)</a:t>
+              </a:r>
+            </a:p>
+          </p:txBody>
+        </p:sp>
+        <p:sp>
+          <p:nvSpPr>
+            <p:cNvPr id="281" name="TextBox 280"/>
+            <p:cNvSpPr txBox="1"/>
+            <p:nvPr/>
+          </p:nvSpPr>
+          <p:spPr>
+            <a:xfrm rot="19965011">
+              <a:off x="5931688" y="2215053"/>
+              <a:ext cx="1060803" cy="170496"/>
+            </a:xfrm>
+            <a:prstGeom prst="rect">
+              <a:avLst/>
+            </a:prstGeom>
+            <a:noFill/>
+          </p:spPr>
+          <p:txBody>
+            <a:bodyPr wrap="square" rtlCol="0">
+              <a:spAutoFit/>
+            </a:bodyPr>
+            <a:lstStyle/>
+            <a:p>
+              <a:r>
+                <a:rPr lang="en-GB" sz="508" dirty="0">
+                  <a:latin typeface="Helvetica" panose="020B0604020202020204" pitchFamily="34" charset="0"/>
+                  <a:cs typeface="Helvetica" panose="020B0604020202020204" pitchFamily="34" charset="0"/>
+                </a:rPr>
+                <a:t>FCDO (n=12)</a:t>
+              </a:r>
+            </a:p>
+          </p:txBody>
+        </p:sp>
+        <p:sp>
+          <p:nvSpPr>
+            <p:cNvPr id="288" name="TextBox 287"/>
+            <p:cNvSpPr txBox="1"/>
+            <p:nvPr/>
+          </p:nvSpPr>
+          <p:spPr>
+            <a:xfrm rot="1789535">
+              <a:off x="5371989" y="3561159"/>
+              <a:ext cx="1060803" cy="170496"/>
+            </a:xfrm>
+            <a:prstGeom prst="rect">
+              <a:avLst/>
+            </a:prstGeom>
+            <a:noFill/>
+          </p:spPr>
+          <p:txBody>
+            <a:bodyPr wrap="square" rtlCol="0">
+              <a:spAutoFit/>
+            </a:bodyPr>
+            <a:lstStyle/>
+            <a:p>
+              <a:r>
+                <a:rPr lang="en-GB" sz="508" dirty="0">
+                  <a:latin typeface="Helvetica" panose="020B0604020202020204" pitchFamily="34" charset="0"/>
+                  <a:cs typeface="Helvetica" panose="020B0604020202020204" pitchFamily="34" charset="0"/>
+                </a:rPr>
+                <a:t>PHE (n=1)</a:t>
+              </a:r>
+            </a:p>
+          </p:txBody>
+        </p:sp>
+        <p:sp>
+          <p:nvSpPr>
+            <p:cNvPr id="289" name="TextBox 288"/>
+            <p:cNvSpPr txBox="1"/>
+            <p:nvPr/>
+          </p:nvSpPr>
+          <p:spPr>
+            <a:xfrm rot="1432291">
+              <a:off x="5256358" y="3374297"/>
+              <a:ext cx="1060803" cy="170496"/>
+            </a:xfrm>
+            <a:prstGeom prst="rect">
+              <a:avLst/>
+            </a:prstGeom>
+            <a:noFill/>
+          </p:spPr>
+          <p:txBody>
+            <a:bodyPr wrap="square" rtlCol="0">
+              <a:spAutoFit/>
+            </a:bodyPr>
+            <a:lstStyle/>
+            <a:p>
+              <a:r>
+                <a:rPr lang="en-GB" sz="508" dirty="0">
+                  <a:latin typeface="Helvetica" panose="020B0604020202020204" pitchFamily="34" charset="0"/>
+                  <a:cs typeface="Helvetica" panose="020B0604020202020204" pitchFamily="34" charset="0"/>
+                </a:rPr>
+                <a:t>GDS (n=3)</a:t>
+              </a:r>
+            </a:p>
+          </p:txBody>
+        </p:sp>
+        <p:sp>
+          <p:nvSpPr>
+            <p:cNvPr id="252" name="TextBox 251"/>
+            <p:cNvSpPr txBox="1"/>
+            <p:nvPr/>
+          </p:nvSpPr>
+          <p:spPr>
+            <a:xfrm rot="16836104">
+              <a:off x="4101594" y="4680645"/>
+              <a:ext cx="1060803" cy="170496"/>
+            </a:xfrm>
+            <a:prstGeom prst="rect">
+              <a:avLst/>
+            </a:prstGeom>
+            <a:noFill/>
+          </p:spPr>
+          <p:txBody>
+            <a:bodyPr wrap="square" rtlCol="0">
+              <a:spAutoFit/>
+            </a:bodyPr>
+            <a:lstStyle/>
+            <a:p>
+              <a:r>
+                <a:rPr lang="en-GB" sz="508" dirty="0">
+                  <a:latin typeface="Helvetica" panose="020B0604020202020204" pitchFamily="34" charset="0"/>
+                  <a:cs typeface="Helvetica" panose="020B0604020202020204" pitchFamily="34" charset="0"/>
+                </a:rPr>
+                <a:t>DEFRA (n=17)</a:t>
+              </a:r>
+            </a:p>
+          </p:txBody>
+        </p:sp>
+        <p:sp>
+          <p:nvSpPr>
+            <p:cNvPr id="242" name="TextBox 241"/>
+            <p:cNvSpPr txBox="1"/>
+            <p:nvPr/>
+          </p:nvSpPr>
+          <p:spPr>
+            <a:xfrm rot="17032185">
+              <a:off x="3913268" y="4597007"/>
+              <a:ext cx="1060803" cy="170496"/>
+            </a:xfrm>
+            <a:prstGeom prst="rect">
+              <a:avLst/>
+            </a:prstGeom>
+            <a:noFill/>
+          </p:spPr>
+          <p:txBody>
+            <a:bodyPr wrap="square" rtlCol="0">
+              <a:spAutoFit/>
+            </a:bodyPr>
+            <a:lstStyle/>
+            <a:p>
+              <a:r>
+                <a:rPr lang="en-GB" sz="508" dirty="0">
+                  <a:latin typeface="Helvetica" panose="020B0604020202020204" pitchFamily="34" charset="0"/>
+                  <a:cs typeface="Helvetica" panose="020B0604020202020204" pitchFamily="34" charset="0"/>
+                </a:rPr>
+                <a:t>EA (n=18)</a:t>
+              </a:r>
+            </a:p>
+          </p:txBody>
+        </p:sp>
+        <p:cxnSp>
+          <p:nvCxnSpPr>
+            <p:cNvPr id="118" name="Straight Connector 117"/>
+            <p:cNvCxnSpPr/>
+            <p:nvPr/>
+          </p:nvCxnSpPr>
+          <p:spPr>
+            <a:xfrm rot="21424537" flipH="1" flipV="1">
+              <a:off x="4676869" y="2670232"/>
+              <a:ext cx="79857" cy="141201"/>
+            </a:xfrm>
+            <a:prstGeom prst="line">
+              <a:avLst/>
+            </a:prstGeom>
+            <a:ln w="3175">
+              <a:solidFill>
+                <a:schemeClr val="tx1"/>
+              </a:solidFill>
+            </a:ln>
+          </p:spPr>
+          <p:style>
+            <a:lnRef idx="1">
+              <a:schemeClr val="accent1"/>
+            </a:lnRef>
+            <a:fillRef idx="0">
+              <a:schemeClr val="accent1"/>
+            </a:fillRef>
+            <a:effectRef idx="0">
+              <a:schemeClr val="accent1"/>
+            </a:effectRef>
+            <a:fontRef idx="minor">
+              <a:schemeClr val="tx1"/>
+            </a:fontRef>
+          </p:style>
+        </p:cxnSp>
+        <p:cxnSp>
+          <p:nvCxnSpPr>
+            <p:cNvPr id="121" name="Straight Connector 120"/>
+            <p:cNvCxnSpPr/>
+            <p:nvPr/>
+          </p:nvCxnSpPr>
+          <p:spPr>
+            <a:xfrm rot="21424537" flipH="1" flipV="1">
+              <a:off x="4712075" y="2395125"/>
+              <a:ext cx="108896" cy="386911"/>
+            </a:xfrm>
+            <a:prstGeom prst="line">
+              <a:avLst/>
+            </a:prstGeom>
+            <a:ln w="3175">
+              <a:solidFill>
+                <a:schemeClr val="tx1"/>
+              </a:solidFill>
+            </a:ln>
+          </p:spPr>
+          <p:style>
+            <a:lnRef idx="1">
+              <a:schemeClr val="accent1"/>
+            </a:lnRef>
+            <a:fillRef idx="0">
+              <a:schemeClr val="accent1"/>
+            </a:fillRef>
+            <a:effectRef idx="0">
+              <a:schemeClr val="accent1"/>
+            </a:effectRef>
+            <a:fontRef idx="minor">
+              <a:schemeClr val="tx1"/>
+            </a:fontRef>
+          </p:style>
+        </p:cxnSp>
+        <p:cxnSp>
+          <p:nvCxnSpPr>
+            <p:cNvPr id="124" name="Straight Connector 123"/>
+            <p:cNvCxnSpPr/>
+            <p:nvPr/>
+          </p:nvCxnSpPr>
+          <p:spPr>
+            <a:xfrm rot="21424537" flipH="1" flipV="1">
+              <a:off x="4875064" y="2482145"/>
+              <a:ext cx="18173" cy="281707"/>
+            </a:xfrm>
+            <a:prstGeom prst="line">
+              <a:avLst/>
+            </a:prstGeom>
+            <a:ln w="3175">
+              <a:solidFill>
+                <a:schemeClr val="tx1"/>
+              </a:solidFill>
+            </a:ln>
+          </p:spPr>
+          <p:style>
+            <a:lnRef idx="1">
+              <a:schemeClr val="accent1"/>
+            </a:lnRef>
+            <a:fillRef idx="0">
+              <a:schemeClr val="accent1"/>
+            </a:fillRef>
+            <a:effectRef idx="0">
+              <a:schemeClr val="accent1"/>
+            </a:effectRef>
+            <a:fontRef idx="minor">
+              <a:schemeClr val="tx1"/>
+            </a:fontRef>
+          </p:style>
+        </p:cxnSp>
+        <p:cxnSp>
+          <p:nvCxnSpPr>
+            <p:cNvPr id="127" name="Straight Connector 126"/>
+            <p:cNvCxnSpPr/>
+            <p:nvPr/>
+          </p:nvCxnSpPr>
+          <p:spPr>
+            <a:xfrm rot="21424537" flipV="1">
+              <a:off x="5029089" y="2506676"/>
+              <a:ext cx="99876" cy="271558"/>
+            </a:xfrm>
+            <a:prstGeom prst="line">
+              <a:avLst/>
+            </a:prstGeom>
+            <a:ln w="3175">
+              <a:solidFill>
+                <a:schemeClr val="tx1"/>
+              </a:solidFill>
+            </a:ln>
+          </p:spPr>
+          <p:style>
+            <a:lnRef idx="1">
+              <a:schemeClr val="accent1"/>
+            </a:lnRef>
+            <a:fillRef idx="0">
+              <a:schemeClr val="accent1"/>
+            </a:fillRef>
+            <a:effectRef idx="0">
+              <a:schemeClr val="accent1"/>
+            </a:effectRef>
+            <a:fontRef idx="minor">
+              <a:schemeClr val="tx1"/>
+            </a:fontRef>
+          </p:style>
+        </p:cxnSp>
+        <p:cxnSp>
+          <p:nvCxnSpPr>
+            <p:cNvPr id="128" name="Straight Connector 127"/>
+            <p:cNvCxnSpPr/>
+            <p:nvPr/>
+          </p:nvCxnSpPr>
+          <p:spPr>
+            <a:xfrm rot="21424537" flipV="1">
+              <a:off x="5063487" y="2630646"/>
+              <a:ext cx="84639" cy="159382"/>
+            </a:xfrm>
+            <a:prstGeom prst="line">
+              <a:avLst/>
+            </a:prstGeom>
+            <a:ln w="3175">
+              <a:solidFill>
+                <a:schemeClr val="tx1"/>
+              </a:solidFill>
+            </a:ln>
+          </p:spPr>
+          <p:style>
+            <a:lnRef idx="1">
+              <a:schemeClr val="accent1"/>
+            </a:lnRef>
+            <a:fillRef idx="0">
+              <a:schemeClr val="accent1"/>
+            </a:fillRef>
+            <a:effectRef idx="0">
+              <a:schemeClr val="accent1"/>
+            </a:effectRef>
+            <a:fontRef idx="minor">
+              <a:schemeClr val="tx1"/>
+            </a:fontRef>
+          </p:style>
+        </p:cxnSp>
+        <p:cxnSp>
+          <p:nvCxnSpPr>
+            <p:cNvPr id="133" name="Straight Connector 132"/>
+            <p:cNvCxnSpPr/>
+            <p:nvPr/>
+          </p:nvCxnSpPr>
+          <p:spPr>
+            <a:xfrm rot="21424537" flipV="1">
+              <a:off x="5125915" y="2676670"/>
+              <a:ext cx="126017" cy="152301"/>
+            </a:xfrm>
+            <a:prstGeom prst="line">
+              <a:avLst/>
+            </a:prstGeom>
+            <a:ln w="3175">
+              <a:solidFill>
+                <a:schemeClr val="tx1"/>
+              </a:solidFill>
+            </a:ln>
+          </p:spPr>
+          <p:style>
+            <a:lnRef idx="1">
+              <a:schemeClr val="accent1"/>
+            </a:lnRef>
+            <a:fillRef idx="0">
+              <a:schemeClr val="accent1"/>
+            </a:fillRef>
+            <a:effectRef idx="0">
+              <a:schemeClr val="accent1"/>
+            </a:effectRef>
+            <a:fontRef idx="minor">
+              <a:schemeClr val="tx1"/>
+            </a:fontRef>
+          </p:style>
+        </p:cxnSp>
+        <p:cxnSp>
+          <p:nvCxnSpPr>
+            <p:cNvPr id="135" name="Straight Connector 134"/>
+            <p:cNvCxnSpPr>
+              <a:endCxn id="188" idx="2"/>
+            </p:cNvCxnSpPr>
+            <p:nvPr/>
+          </p:nvCxnSpPr>
+          <p:spPr>
+            <a:xfrm rot="21424537" flipV="1">
+              <a:off x="5172419" y="2595055"/>
+              <a:ext cx="403971" cy="270780"/>
+            </a:xfrm>
+            <a:prstGeom prst="line">
+              <a:avLst/>
+            </a:prstGeom>
+            <a:ln w="3175">
+              <a:solidFill>
+                <a:schemeClr val="tx1"/>
+              </a:solidFill>
+            </a:ln>
+          </p:spPr>
+          <p:style>
+            <a:lnRef idx="1">
+              <a:schemeClr val="accent1"/>
+            </a:lnRef>
+            <a:fillRef idx="0">
+              <a:schemeClr val="accent1"/>
+            </a:fillRef>
+            <a:effectRef idx="0">
+              <a:schemeClr val="accent1"/>
+            </a:effectRef>
+            <a:fontRef idx="minor">
+              <a:schemeClr val="tx1"/>
+            </a:fontRef>
+          </p:style>
+        </p:cxnSp>
+        <p:cxnSp>
+          <p:nvCxnSpPr>
+            <p:cNvPr id="136" name="Straight Connector 135"/>
+            <p:cNvCxnSpPr/>
+            <p:nvPr/>
+          </p:nvCxnSpPr>
+          <p:spPr>
+            <a:xfrm rot="21424537" flipV="1">
+              <a:off x="5198428" y="2824169"/>
+              <a:ext cx="136985" cy="79097"/>
+            </a:xfrm>
+            <a:prstGeom prst="line">
+              <a:avLst/>
+            </a:prstGeom>
+            <a:ln w="3175">
+              <a:solidFill>
+                <a:schemeClr val="tx1"/>
+              </a:solidFill>
+            </a:ln>
+          </p:spPr>
+          <p:style>
+            <a:lnRef idx="1">
+              <a:schemeClr val="accent1"/>
+            </a:lnRef>
+            <a:fillRef idx="0">
+              <a:schemeClr val="accent1"/>
+            </a:fillRef>
+            <a:effectRef idx="0">
+              <a:schemeClr val="accent1"/>
+            </a:effectRef>
+            <a:fontRef idx="minor">
+              <a:schemeClr val="tx1"/>
+            </a:fontRef>
+          </p:style>
+        </p:cxnSp>
+        <p:cxnSp>
+          <p:nvCxnSpPr>
+            <p:cNvPr id="138" name="Straight Connector 137"/>
+            <p:cNvCxnSpPr/>
+            <p:nvPr/>
+          </p:nvCxnSpPr>
+          <p:spPr>
+            <a:xfrm rot="21424537" flipV="1">
+              <a:off x="5231584" y="2916724"/>
+              <a:ext cx="164066" cy="51845"/>
+            </a:xfrm>
+            <a:prstGeom prst="line">
+              <a:avLst/>
+            </a:prstGeom>
+            <a:ln w="3175">
+              <a:solidFill>
+                <a:schemeClr val="tx1"/>
+              </a:solidFill>
+            </a:ln>
+          </p:spPr>
+          <p:style>
+            <a:lnRef idx="1">
+              <a:schemeClr val="accent1"/>
+            </a:lnRef>
+            <a:fillRef idx="0">
+              <a:schemeClr val="accent1"/>
+            </a:fillRef>
+            <a:effectRef idx="0">
+              <a:schemeClr val="accent1"/>
+            </a:effectRef>
+            <a:fontRef idx="minor">
+              <a:schemeClr val="tx1"/>
+            </a:fontRef>
+          </p:style>
+        </p:cxnSp>
+        <p:cxnSp>
+          <p:nvCxnSpPr>
+            <p:cNvPr id="141" name="Straight Connector 140"/>
+            <p:cNvCxnSpPr/>
+            <p:nvPr/>
+          </p:nvCxnSpPr>
+          <p:spPr>
+            <a:xfrm rot="1728035">
+              <a:off x="5189431" y="3320230"/>
+              <a:ext cx="351873" cy="18926"/>
+            </a:xfrm>
+            <a:prstGeom prst="line">
+              <a:avLst/>
+            </a:prstGeom>
+            <a:ln w="3175">
+              <a:solidFill>
+                <a:schemeClr val="tx1"/>
+              </a:solidFill>
+            </a:ln>
+          </p:spPr>
+          <p:style>
+            <a:lnRef idx="1">
+              <a:schemeClr val="accent1"/>
+            </a:lnRef>
+            <a:fillRef idx="0">
+              <a:schemeClr val="accent1"/>
+            </a:fillRef>
+            <a:effectRef idx="0">
+              <a:schemeClr val="accent1"/>
+            </a:effectRef>
+            <a:fontRef idx="minor">
+              <a:schemeClr val="tx1"/>
+            </a:fontRef>
+          </p:style>
+        </p:cxnSp>
+        <p:cxnSp>
+          <p:nvCxnSpPr>
+            <p:cNvPr id="144" name="Straight Connector 143"/>
+            <p:cNvCxnSpPr/>
+            <p:nvPr/>
+          </p:nvCxnSpPr>
+          <p:spPr>
+            <a:xfrm rot="21424537">
+              <a:off x="5170845" y="3296013"/>
+              <a:ext cx="199897" cy="211713"/>
+            </a:xfrm>
+            <a:prstGeom prst="line">
+              <a:avLst/>
+            </a:prstGeom>
+            <a:ln w="3175">
+              <a:solidFill>
+                <a:schemeClr val="tx1"/>
+              </a:solidFill>
+            </a:ln>
+          </p:spPr>
+          <p:style>
+            <a:lnRef idx="1">
+              <a:schemeClr val="accent1"/>
+            </a:lnRef>
+            <a:fillRef idx="0">
+              <a:schemeClr val="accent1"/>
+            </a:fillRef>
+            <a:effectRef idx="0">
+              <a:schemeClr val="accent1"/>
+            </a:effectRef>
+            <a:fontRef idx="minor">
+              <a:schemeClr val="tx1"/>
+            </a:fontRef>
+          </p:style>
+        </p:cxnSp>
+        <p:cxnSp>
+          <p:nvCxnSpPr>
+            <p:cNvPr id="146" name="Straight Connector 145"/>
+            <p:cNvCxnSpPr/>
+            <p:nvPr/>
+          </p:nvCxnSpPr>
+          <p:spPr>
+            <a:xfrm rot="1728035">
+              <a:off x="5078708" y="3418293"/>
+              <a:ext cx="455343" cy="148652"/>
+            </a:xfrm>
+            <a:prstGeom prst="line">
+              <a:avLst/>
+            </a:prstGeom>
+            <a:ln w="3175">
+              <a:solidFill>
+                <a:schemeClr val="tx1"/>
+              </a:solidFill>
+            </a:ln>
+          </p:spPr>
+          <p:style>
+            <a:lnRef idx="1">
+              <a:schemeClr val="accent1"/>
+            </a:lnRef>
+            <a:fillRef idx="0">
+              <a:schemeClr val="accent1"/>
+            </a:fillRef>
+            <a:effectRef idx="0">
+              <a:schemeClr val="accent1"/>
+            </a:effectRef>
+            <a:fontRef idx="minor">
+              <a:schemeClr val="tx1"/>
+            </a:fontRef>
+          </p:style>
+        </p:cxnSp>
+        <p:cxnSp>
+          <p:nvCxnSpPr>
+            <p:cNvPr id="148" name="Straight Connector 147"/>
+            <p:cNvCxnSpPr/>
+            <p:nvPr/>
+          </p:nvCxnSpPr>
+          <p:spPr>
+            <a:xfrm rot="21424537">
+              <a:off x="5089290" y="3359207"/>
+              <a:ext cx="82490" cy="194439"/>
+            </a:xfrm>
+            <a:prstGeom prst="line">
+              <a:avLst/>
+            </a:prstGeom>
+            <a:ln w="3175">
+              <a:solidFill>
+                <a:schemeClr val="tx1"/>
+              </a:solidFill>
+            </a:ln>
+          </p:spPr>
+          <p:style>
+            <a:lnRef idx="1">
+              <a:schemeClr val="accent1"/>
+            </a:lnRef>
+            <a:fillRef idx="0">
+              <a:schemeClr val="accent1"/>
+            </a:fillRef>
+            <a:effectRef idx="0">
+              <a:schemeClr val="accent1"/>
+            </a:effectRef>
+            <a:fontRef idx="minor">
+              <a:schemeClr val="tx1"/>
+            </a:fontRef>
+          </p:style>
+        </p:cxnSp>
+        <p:cxnSp>
+          <p:nvCxnSpPr>
+            <p:cNvPr id="150" name="Straight Connector 149"/>
+            <p:cNvCxnSpPr/>
+            <p:nvPr/>
+          </p:nvCxnSpPr>
+          <p:spPr>
+            <a:xfrm rot="21424537">
+              <a:off x="4986170" y="3397056"/>
+              <a:ext cx="14049" cy="114783"/>
+            </a:xfrm>
+            <a:prstGeom prst="line">
+              <a:avLst/>
+            </a:prstGeom>
+            <a:ln w="3175">
+              <a:solidFill>
+                <a:schemeClr val="tx1"/>
+              </a:solidFill>
+            </a:ln>
+          </p:spPr>
+          <p:style>
+            <a:lnRef idx="1">
+              <a:schemeClr val="accent1"/>
+            </a:lnRef>
+            <a:fillRef idx="0">
+              <a:schemeClr val="accent1"/>
+            </a:fillRef>
+            <a:effectRef idx="0">
+              <a:schemeClr val="accent1"/>
+            </a:effectRef>
+            <a:fontRef idx="minor">
+              <a:schemeClr val="tx1"/>
+            </a:fontRef>
+          </p:style>
+        </p:cxnSp>
+        <p:cxnSp>
+          <p:nvCxnSpPr>
+            <p:cNvPr id="153" name="Straight Connector 152"/>
+            <p:cNvCxnSpPr/>
+            <p:nvPr/>
+          </p:nvCxnSpPr>
+          <p:spPr>
+            <a:xfrm rot="21424537">
+              <a:off x="5057206" y="3475252"/>
+              <a:ext cx="89280" cy="473561"/>
+            </a:xfrm>
+            <a:prstGeom prst="line">
+              <a:avLst/>
+            </a:prstGeom>
+            <a:ln w="3175">
+              <a:solidFill>
+                <a:schemeClr val="tx1"/>
+              </a:solidFill>
+            </a:ln>
+          </p:spPr>
+          <p:style>
+            <a:lnRef idx="1">
+              <a:schemeClr val="accent1"/>
+            </a:lnRef>
+            <a:fillRef idx="0">
+              <a:schemeClr val="accent1"/>
+            </a:fillRef>
+            <a:effectRef idx="0">
+              <a:schemeClr val="accent1"/>
+            </a:effectRef>
+            <a:fontRef idx="minor">
+              <a:schemeClr val="tx1"/>
+            </a:fontRef>
+          </p:style>
+        </p:cxnSp>
+        <p:cxnSp>
+          <p:nvCxnSpPr>
+            <p:cNvPr id="154" name="Straight Connector 153"/>
+            <p:cNvCxnSpPr/>
+            <p:nvPr/>
+          </p:nvCxnSpPr>
+          <p:spPr>
+            <a:xfrm rot="21424537">
+              <a:off x="5085331" y="3458199"/>
+              <a:ext cx="18615" cy="68175"/>
+            </a:xfrm>
+            <a:prstGeom prst="line">
+              <a:avLst/>
+            </a:prstGeom>
+            <a:ln w="3175">
+              <a:solidFill>
+                <a:schemeClr val="tx1"/>
+              </a:solidFill>
+            </a:ln>
+          </p:spPr>
+          <p:style>
+            <a:lnRef idx="1">
+              <a:schemeClr val="accent1"/>
+            </a:lnRef>
+            <a:fillRef idx="0">
+              <a:schemeClr val="accent1"/>
+            </a:fillRef>
+            <a:effectRef idx="0">
+              <a:schemeClr val="accent1"/>
+            </a:effectRef>
+            <a:fontRef idx="minor">
+              <a:schemeClr val="tx1"/>
+            </a:fontRef>
+          </p:style>
+        </p:cxnSp>
+        <p:cxnSp>
+          <p:nvCxnSpPr>
+            <p:cNvPr id="156" name="Straight Connector 155"/>
+            <p:cNvCxnSpPr/>
+            <p:nvPr/>
+          </p:nvCxnSpPr>
+          <p:spPr>
+            <a:xfrm rot="21424537" flipH="1">
+              <a:off x="4562694" y="3365719"/>
+              <a:ext cx="219115" cy="345404"/>
+            </a:xfrm>
+            <a:prstGeom prst="line">
+              <a:avLst/>
+            </a:prstGeom>
+            <a:ln w="3175">
+              <a:solidFill>
+                <a:schemeClr val="tx1"/>
+              </a:solidFill>
+            </a:ln>
+          </p:spPr>
+          <p:style>
+            <a:lnRef idx="1">
+              <a:schemeClr val="accent1"/>
+            </a:lnRef>
+            <a:fillRef idx="0">
+              <a:schemeClr val="accent1"/>
+            </a:fillRef>
+            <a:effectRef idx="0">
+              <a:schemeClr val="accent1"/>
+            </a:effectRef>
+            <a:fontRef idx="minor">
+              <a:schemeClr val="tx1"/>
+            </a:fontRef>
+          </p:style>
+        </p:cxnSp>
+        <p:cxnSp>
+          <p:nvCxnSpPr>
+            <p:cNvPr id="158" name="Straight Connector 157"/>
+            <p:cNvCxnSpPr/>
+            <p:nvPr/>
+          </p:nvCxnSpPr>
+          <p:spPr>
+            <a:xfrm rot="21424537" flipH="1">
+              <a:off x="4508066" y="3302013"/>
+              <a:ext cx="189781" cy="145181"/>
+            </a:xfrm>
+            <a:prstGeom prst="line">
+              <a:avLst/>
+            </a:prstGeom>
+            <a:ln w="3175">
+              <a:solidFill>
+                <a:schemeClr val="tx1"/>
+              </a:solidFill>
+            </a:ln>
+          </p:spPr>
+          <p:style>
+            <a:lnRef idx="1">
+              <a:schemeClr val="accent1"/>
+            </a:lnRef>
+            <a:fillRef idx="0">
+              <a:schemeClr val="accent1"/>
+            </a:fillRef>
+            <a:effectRef idx="0">
+              <a:schemeClr val="accent1"/>
+            </a:effectRef>
+            <a:fontRef idx="minor">
+              <a:schemeClr val="tx1"/>
+            </a:fontRef>
+          </p:style>
+        </p:cxnSp>
+        <p:sp>
+          <p:nvSpPr>
+            <p:cNvPr id="200" name="TextBox 199"/>
+            <p:cNvSpPr txBox="1"/>
+            <p:nvPr/>
+          </p:nvSpPr>
+          <p:spPr>
+            <a:xfrm rot="21591419">
+              <a:off x="5426217" y="2979714"/>
+              <a:ext cx="1060803" cy="170496"/>
+            </a:xfrm>
+            <a:prstGeom prst="rect">
+              <a:avLst/>
+            </a:prstGeom>
+            <a:noFill/>
+          </p:spPr>
+          <p:txBody>
+            <a:bodyPr wrap="square" rtlCol="0">
+              <a:spAutoFit/>
+            </a:bodyPr>
+            <a:lstStyle/>
+            <a:p>
+              <a:r>
+                <a:rPr lang="en-GB" sz="508" dirty="0" smtClean="0">
+                  <a:latin typeface="Helvetica" panose="020B0604020202020204" pitchFamily="34" charset="0"/>
+                  <a:cs typeface="Helvetica" panose="020B0604020202020204" pitchFamily="34" charset="0"/>
+                </a:rPr>
+                <a:t>NHS D </a:t>
+              </a:r>
+              <a:r>
+                <a:rPr lang="en-GB" sz="508" dirty="0">
+                  <a:latin typeface="Helvetica" panose="020B0604020202020204" pitchFamily="34" charset="0"/>
+                  <a:cs typeface="Helvetica" panose="020B0604020202020204" pitchFamily="34" charset="0"/>
+                </a:rPr>
+                <a:t>(</a:t>
+              </a:r>
+              <a:r>
+                <a:rPr lang="en-GB" sz="508" dirty="0" smtClean="0">
+                  <a:latin typeface="Helvetica" panose="020B0604020202020204" pitchFamily="34" charset="0"/>
+                  <a:cs typeface="Helvetica" panose="020B0604020202020204" pitchFamily="34" charset="0"/>
+                </a:rPr>
+                <a:t>n=4)</a:t>
+              </a:r>
+              <a:endParaRPr lang="en-GB" sz="508" dirty="0">
+                <a:latin typeface="Helvetica" panose="020B0604020202020204" pitchFamily="34" charset="0"/>
+                <a:cs typeface="Helvetica" panose="020B0604020202020204" pitchFamily="34" charset="0"/>
+              </a:endParaRPr>
+            </a:p>
+          </p:txBody>
+        </p:sp>
+        <p:sp>
+          <p:nvSpPr>
+            <p:cNvPr id="207" name="TextBox 206"/>
+            <p:cNvSpPr txBox="1"/>
+            <p:nvPr/>
+          </p:nvSpPr>
+          <p:spPr>
+            <a:xfrm rot="353693">
+              <a:off x="5425365" y="3086950"/>
+              <a:ext cx="1060803" cy="170496"/>
+            </a:xfrm>
+            <a:prstGeom prst="rect">
+              <a:avLst/>
+            </a:prstGeom>
+            <a:noFill/>
+          </p:spPr>
+          <p:txBody>
+            <a:bodyPr wrap="square" rtlCol="0">
+              <a:spAutoFit/>
+            </a:bodyPr>
+            <a:lstStyle/>
+            <a:p>
+              <a:r>
+                <a:rPr lang="en-GB" sz="508" dirty="0" smtClean="0">
+                  <a:latin typeface="Helvetica" panose="020B0604020202020204" pitchFamily="34" charset="0"/>
+                  <a:cs typeface="Helvetica" panose="020B0604020202020204" pitchFamily="34" charset="0"/>
+                </a:rPr>
+                <a:t>LR </a:t>
+              </a:r>
+              <a:r>
+                <a:rPr lang="en-GB" sz="508" dirty="0">
+                  <a:latin typeface="Helvetica" panose="020B0604020202020204" pitchFamily="34" charset="0"/>
+                  <a:cs typeface="Helvetica" panose="020B0604020202020204" pitchFamily="34" charset="0"/>
+                </a:rPr>
+                <a:t>(</a:t>
+              </a:r>
+              <a:r>
+                <a:rPr lang="en-GB" sz="508" dirty="0" smtClean="0">
+                  <a:latin typeface="Helvetica" panose="020B0604020202020204" pitchFamily="34" charset="0"/>
+                  <a:cs typeface="Helvetica" panose="020B0604020202020204" pitchFamily="34" charset="0"/>
+                </a:rPr>
+                <a:t>n=4)</a:t>
+              </a:r>
+              <a:endParaRPr lang="en-GB" sz="508" dirty="0">
+                <a:latin typeface="Helvetica" panose="020B0604020202020204" pitchFamily="34" charset="0"/>
+                <a:cs typeface="Helvetica" panose="020B0604020202020204" pitchFamily="34" charset="0"/>
+              </a:endParaRPr>
+            </a:p>
+          </p:txBody>
+        </p:sp>
+        <p:sp>
+          <p:nvSpPr>
+            <p:cNvPr id="208" name="TextBox 207"/>
+            <p:cNvSpPr txBox="1"/>
+            <p:nvPr/>
+          </p:nvSpPr>
+          <p:spPr>
+            <a:xfrm rot="4609778">
+              <a:off x="4810627" y="4192387"/>
+              <a:ext cx="850219" cy="170496"/>
+            </a:xfrm>
+            <a:prstGeom prst="rect">
+              <a:avLst/>
+            </a:prstGeom>
+            <a:noFill/>
+          </p:spPr>
+          <p:txBody>
+            <a:bodyPr wrap="square" rtlCol="0">
+              <a:spAutoFit/>
+            </a:bodyPr>
+            <a:lstStyle/>
+            <a:p>
+              <a:r>
+                <a:rPr lang="en-GB" sz="508" dirty="0" smtClean="0">
+                  <a:latin typeface="Helvetica" panose="020B0604020202020204" pitchFamily="34" charset="0"/>
+                  <a:cs typeface="Helvetica" panose="020B0604020202020204" pitchFamily="34" charset="0"/>
+                </a:rPr>
+                <a:t>OPG </a:t>
+              </a:r>
+              <a:r>
+                <a:rPr lang="en-GB" sz="508" dirty="0">
+                  <a:latin typeface="Helvetica" panose="020B0604020202020204" pitchFamily="34" charset="0"/>
+                  <a:cs typeface="Helvetica" panose="020B0604020202020204" pitchFamily="34" charset="0"/>
+                </a:rPr>
+                <a:t>(</a:t>
+              </a:r>
+              <a:r>
+                <a:rPr lang="en-GB" sz="508" dirty="0" smtClean="0">
+                  <a:latin typeface="Helvetica" panose="020B0604020202020204" pitchFamily="34" charset="0"/>
+                  <a:cs typeface="Helvetica" panose="020B0604020202020204" pitchFamily="34" charset="0"/>
+                </a:rPr>
+                <a:t>n=2)</a:t>
+              </a:r>
+              <a:endParaRPr lang="en-GB" sz="508" dirty="0">
+                <a:latin typeface="Helvetica" panose="020B0604020202020204" pitchFamily="34" charset="0"/>
+                <a:cs typeface="Helvetica" panose="020B0604020202020204" pitchFamily="34" charset="0"/>
+              </a:endParaRPr>
+            </a:p>
+          </p:txBody>
+        </p:sp>
+        <p:sp>
+          <p:nvSpPr>
+            <p:cNvPr id="211" name="TextBox 210"/>
+            <p:cNvSpPr txBox="1"/>
+            <p:nvPr/>
+          </p:nvSpPr>
+          <p:spPr>
+            <a:xfrm rot="4845344">
+              <a:off x="4637638" y="3760439"/>
+              <a:ext cx="850219" cy="170496"/>
+            </a:xfrm>
+            <a:prstGeom prst="rect">
+              <a:avLst/>
+            </a:prstGeom>
+            <a:noFill/>
+          </p:spPr>
+          <p:txBody>
+            <a:bodyPr wrap="square" rtlCol="0">
+              <a:spAutoFit/>
+            </a:bodyPr>
+            <a:lstStyle/>
+            <a:p>
+              <a:r>
+                <a:rPr lang="en-GB" sz="508" dirty="0" smtClean="0">
+                  <a:latin typeface="Helvetica" panose="020B0604020202020204" pitchFamily="34" charset="0"/>
+                  <a:cs typeface="Helvetica" panose="020B0604020202020204" pitchFamily="34" charset="0"/>
+                </a:rPr>
+                <a:t>HMPA </a:t>
+              </a:r>
+              <a:r>
+                <a:rPr lang="en-GB" sz="508" dirty="0">
+                  <a:latin typeface="Helvetica" panose="020B0604020202020204" pitchFamily="34" charset="0"/>
+                  <a:cs typeface="Helvetica" panose="020B0604020202020204" pitchFamily="34" charset="0"/>
+                </a:rPr>
+                <a:t>(</a:t>
+              </a:r>
+              <a:r>
+                <a:rPr lang="en-GB" sz="508" dirty="0" smtClean="0">
+                  <a:latin typeface="Helvetica" panose="020B0604020202020204" pitchFamily="34" charset="0"/>
+                  <a:cs typeface="Helvetica" panose="020B0604020202020204" pitchFamily="34" charset="0"/>
+                </a:rPr>
+                <a:t>n=1)</a:t>
+              </a:r>
+              <a:endParaRPr lang="en-GB" sz="508" dirty="0">
+                <a:latin typeface="Helvetica" panose="020B0604020202020204" pitchFamily="34" charset="0"/>
+                <a:cs typeface="Helvetica" panose="020B0604020202020204" pitchFamily="34" charset="0"/>
+              </a:endParaRPr>
+            </a:p>
+          </p:txBody>
+        </p:sp>
+        <p:sp>
+          <p:nvSpPr>
+            <p:cNvPr id="212" name="TextBox 211"/>
+            <p:cNvSpPr txBox="1"/>
+            <p:nvPr/>
+          </p:nvSpPr>
+          <p:spPr>
+            <a:xfrm rot="5062244">
+              <a:off x="4565511" y="3821215"/>
+              <a:ext cx="850219" cy="170496"/>
+            </a:xfrm>
+            <a:prstGeom prst="rect">
+              <a:avLst/>
+            </a:prstGeom>
+            <a:noFill/>
+          </p:spPr>
+          <p:txBody>
+            <a:bodyPr wrap="square" rtlCol="0">
+              <a:spAutoFit/>
+            </a:bodyPr>
+            <a:lstStyle/>
+            <a:p>
+              <a:r>
+                <a:rPr lang="en-GB" sz="508" dirty="0" smtClean="0">
+                  <a:latin typeface="Helvetica" panose="020B0604020202020204" pitchFamily="34" charset="0"/>
+                  <a:cs typeface="Helvetica" panose="020B0604020202020204" pitchFamily="34" charset="0"/>
+                </a:rPr>
+                <a:t>APHA </a:t>
+              </a:r>
+              <a:r>
+                <a:rPr lang="en-GB" sz="508" dirty="0">
+                  <a:latin typeface="Helvetica" panose="020B0604020202020204" pitchFamily="34" charset="0"/>
+                  <a:cs typeface="Helvetica" panose="020B0604020202020204" pitchFamily="34" charset="0"/>
+                </a:rPr>
+                <a:t>(</a:t>
+              </a:r>
+              <a:r>
+                <a:rPr lang="en-GB" sz="508" dirty="0" smtClean="0">
+                  <a:latin typeface="Helvetica" panose="020B0604020202020204" pitchFamily="34" charset="0"/>
+                  <a:cs typeface="Helvetica" panose="020B0604020202020204" pitchFamily="34" charset="0"/>
+                </a:rPr>
+                <a:t>n=3)</a:t>
+              </a:r>
+              <a:endParaRPr lang="en-GB" sz="508" dirty="0">
+                <a:latin typeface="Helvetica" panose="020B0604020202020204" pitchFamily="34" charset="0"/>
+                <a:cs typeface="Helvetica" panose="020B0604020202020204" pitchFamily="34" charset="0"/>
+              </a:endParaRPr>
+            </a:p>
+          </p:txBody>
+        </p:sp>
+        <p:sp>
+          <p:nvSpPr>
+            <p:cNvPr id="245" name="TextBox 244"/>
+            <p:cNvSpPr txBox="1"/>
+            <p:nvPr/>
+          </p:nvSpPr>
+          <p:spPr>
+            <a:xfrm rot="723939">
+              <a:off x="3638126" y="2758857"/>
+              <a:ext cx="705437" cy="170496"/>
+            </a:xfrm>
+            <a:prstGeom prst="rect">
+              <a:avLst/>
+            </a:prstGeom>
+            <a:noFill/>
+          </p:spPr>
+          <p:txBody>
+            <a:bodyPr wrap="square" rtlCol="0">
+              <a:spAutoFit/>
+            </a:bodyPr>
+            <a:lstStyle/>
+            <a:p>
+              <a:r>
+                <a:rPr lang="en-GB" sz="508" dirty="0">
+                  <a:latin typeface="Helvetica" panose="020B0604020202020204" pitchFamily="34" charset="0"/>
+                  <a:cs typeface="Helvetica" panose="020B0604020202020204" pitchFamily="34" charset="0"/>
+                </a:rPr>
+                <a:t>MCA (n=3)</a:t>
+              </a:r>
+            </a:p>
+          </p:txBody>
+        </p:sp>
       </p:grpSp>
       <p:sp>
         <p:nvSpPr>
@@ -5940,9 +5936,6 @@
               </a:rPr>
               <a:t>E</a:t>
             </a:r>
-            <a:endParaRPr lang="en-GB" sz="1102" b="1" dirty="0">
-              <a:latin typeface="Helvetica" pitchFamily="2" charset="0"/>
-            </a:endParaRPr>
           </a:p>
         </p:txBody>
       </p:sp>
@@ -5954,10 +5947,10 @@
         </p:nvGrpSpPr>
         <p:grpSpPr>
           <a:xfrm>
-            <a:off x="4987490" y="6858798"/>
-            <a:ext cx="2555240" cy="2009699"/>
-            <a:chOff x="112532" y="5084072"/>
-            <a:chExt cx="2410513" cy="1906364"/>
+            <a:off x="5011784" y="6830700"/>
+            <a:ext cx="2539636" cy="2026956"/>
+            <a:chOff x="135451" y="5057416"/>
+            <a:chExt cx="2395792" cy="1922733"/>
           </a:xfrm>
         </p:grpSpPr>
         <p:pic>
@@ -5968,7 +5961,7 @@
             </p:cNvPicPr>
             <p:nvPr/>
           </p:nvPicPr>
-          <p:blipFill>
+          <p:blipFill rotWithShape="1">
             <a:blip r:embed="rId3" cstate="print">
               <a:extLst>
                 <a:ext uri="{28A0092B-C50C-407E-A947-70E740481C1C}">
@@ -5976,14 +5969,13 @@
                 </a:ext>
               </a:extLst>
             </a:blip>
-            <a:stretch>
-              <a:fillRect/>
-            </a:stretch>
+            <a:srcRect r="1189"/>
+            <a:stretch/>
           </p:blipFill>
           <p:spPr>
             <a:xfrm>
-              <a:off x="363981" y="5084072"/>
-              <a:ext cx="2159064" cy="1679105"/>
+              <a:off x="363981" y="5057416"/>
+              <a:ext cx="2167262" cy="1705759"/>
             </a:xfrm>
             <a:prstGeom prst="rect">
               <a:avLst/>
@@ -5998,8 +5990,8 @@
           </p:nvSpPr>
           <p:spPr>
             <a:xfrm>
-              <a:off x="1083803" y="6790381"/>
-              <a:ext cx="603049" cy="200055"/>
+              <a:off x="1199929" y="6790381"/>
+              <a:ext cx="370793" cy="189768"/>
             </a:xfrm>
             <a:prstGeom prst="rect">
               <a:avLst/>
@@ -6018,7 +6010,7 @@
                   <a:latin typeface="Helvetica" panose="020B0604020202020204" pitchFamily="34" charset="0"/>
                   <a:cs typeface="Helvetica" panose="020B0604020202020204" pitchFamily="34" charset="0"/>
                 </a:rPr>
-                <a:t>Log(Rank)</a:t>
+                <a:t>Rank</a:t>
               </a:r>
               <a:endParaRPr lang="en-GB" sz="700" dirty="0">
                 <a:latin typeface="Helvetica" panose="020B0604020202020204" pitchFamily="34" charset="0"/>
@@ -6035,8 +6027,8 @@
           </p:nvSpPr>
           <p:spPr>
             <a:xfrm rot="16200000">
-              <a:off x="-375903" y="5832588"/>
-              <a:ext cx="1176925" cy="200055"/>
+              <a:off x="-228794" y="5838253"/>
+              <a:ext cx="917213" cy="188724"/>
             </a:xfrm>
             <a:prstGeom prst="rect">
               <a:avLst/>
@@ -6055,14 +6047,7 @@
                   <a:latin typeface="Helvetica" panose="020B0604020202020204" pitchFamily="34" charset="0"/>
                   <a:cs typeface="Helvetica" panose="020B0604020202020204" pitchFamily="34" charset="0"/>
                 </a:rPr>
-                <a:t>Log(Transaction </a:t>
-              </a:r>
-              <a:r>
-                <a:rPr lang="en-GB" sz="700" dirty="0" smtClean="0">
-                  <a:latin typeface="Helvetica" panose="020B0604020202020204" pitchFamily="34" charset="0"/>
-                  <a:cs typeface="Helvetica" panose="020B0604020202020204" pitchFamily="34" charset="0"/>
-                </a:rPr>
-                <a:t>volume)</a:t>
+                <a:t>Transaction volume</a:t>
               </a:r>
               <a:endParaRPr lang="en-GB" sz="700" dirty="0">
                 <a:latin typeface="Helvetica" panose="020B0604020202020204" pitchFamily="34" charset="0"/>
@@ -6079,7 +6064,7 @@
           </p:nvSpPr>
           <p:spPr>
             <a:xfrm>
-              <a:off x="689823" y="5104532"/>
+              <a:off x="689823" y="5068391"/>
               <a:ext cx="936475" cy="170816"/>
             </a:xfrm>
             <a:prstGeom prst="rect">
@@ -6115,7 +6100,7 @@
           </p:nvSpPr>
           <p:spPr>
             <a:xfrm>
-              <a:off x="853270" y="5194416"/>
+              <a:off x="846082" y="5154662"/>
               <a:ext cx="660758" cy="170816"/>
             </a:xfrm>
             <a:prstGeom prst="rect">
@@ -6151,7 +6136,7 @@
           </p:nvSpPr>
           <p:spPr>
             <a:xfrm>
-              <a:off x="442094" y="5553774"/>
+              <a:off x="445688" y="5524862"/>
               <a:ext cx="527709" cy="170816"/>
             </a:xfrm>
             <a:prstGeom prst="rect">
@@ -6187,7 +6172,7 @@
           </p:nvSpPr>
           <p:spPr>
             <a:xfrm>
-              <a:off x="452087" y="5738178"/>
+              <a:off x="484435" y="5727335"/>
               <a:ext cx="1055097" cy="170816"/>
             </a:xfrm>
             <a:prstGeom prst="rect">
@@ -6223,7 +6208,7 @@
           </p:nvSpPr>
           <p:spPr>
             <a:xfrm>
-              <a:off x="1011079" y="5918032"/>
+              <a:off x="1018407" y="5907357"/>
               <a:ext cx="1090363" cy="170816"/>
             </a:xfrm>
             <a:prstGeom prst="rect">
@@ -6259,7 +6244,7 @@
           </p:nvCxnSpPr>
           <p:spPr>
             <a:xfrm flipV="1">
-              <a:off x="659038" y="5405077"/>
+              <a:off x="659038" y="5383392"/>
               <a:ext cx="211618" cy="202234"/>
             </a:xfrm>
             <a:prstGeom prst="straightConnector1">
@@ -6296,7 +6281,7 @@
           </p:nvCxnSpPr>
           <p:spPr>
             <a:xfrm flipH="1">
-              <a:off x="641436" y="5187289"/>
+              <a:off x="641436" y="5151148"/>
               <a:ext cx="129628" cy="0"/>
             </a:xfrm>
             <a:prstGeom prst="straightConnector1">
@@ -6333,7 +6318,7 @@
           </p:nvCxnSpPr>
           <p:spPr>
             <a:xfrm flipH="1">
-              <a:off x="809983" y="5292504"/>
+              <a:off x="802795" y="5249134"/>
               <a:ext cx="132847" cy="68177"/>
             </a:xfrm>
             <a:prstGeom prst="straightConnector1">
@@ -6370,7 +6355,7 @@
           </p:nvCxnSpPr>
           <p:spPr>
             <a:xfrm flipV="1">
-              <a:off x="1005940" y="5503230"/>
+              <a:off x="1016722" y="5492388"/>
               <a:ext cx="19698" cy="265536"/>
             </a:xfrm>
             <a:prstGeom prst="straightConnector1">
@@ -6402,15 +6387,13 @@
         <p:cxnSp>
           <p:nvCxnSpPr>
             <p:cNvPr id="262" name="Straight Arrow Connector 261"/>
-            <p:cNvCxnSpPr>
-              <a:stCxn id="228" idx="0"/>
-            </p:cNvCxnSpPr>
+            <p:cNvCxnSpPr/>
             <p:nvPr/>
           </p:nvCxnSpPr>
           <p:spPr>
             <a:xfrm flipH="1" flipV="1">
-              <a:off x="1214394" y="5541677"/>
-              <a:ext cx="341867" cy="376355"/>
+              <a:off x="1227088" y="5511086"/>
+              <a:ext cx="304546" cy="443307"/>
             </a:xfrm>
             <a:prstGeom prst="straightConnector1">
               <a:avLst/>
@@ -6446,7 +6429,7 @@
           </p:nvSpPr>
           <p:spPr>
             <a:xfrm>
-              <a:off x="1216856" y="5343658"/>
+              <a:off x="1238422" y="5318359"/>
               <a:ext cx="1067921" cy="170816"/>
             </a:xfrm>
             <a:prstGeom prst="rect">
@@ -6482,7 +6465,7 @@
           </p:nvCxnSpPr>
           <p:spPr>
             <a:xfrm flipH="1">
-              <a:off x="1162466" y="5429047"/>
+              <a:off x="1184031" y="5403749"/>
               <a:ext cx="130739" cy="59771"/>
             </a:xfrm>
             <a:prstGeom prst="straightConnector1">
@@ -6592,14 +6575,7 @@
                   <a:latin typeface="Helvetica" panose="020B0604020202020204" pitchFamily="34" charset="0"/>
                   <a:cs typeface="Helvetica" panose="020B0604020202020204" pitchFamily="34" charset="0"/>
                 </a:rPr>
-                <a:t>S</a:t>
-              </a:r>
-              <a:r>
-                <a:rPr lang="en-GB" sz="600" dirty="0" smtClean="0">
-                  <a:latin typeface="Helvetica" panose="020B0604020202020204" pitchFamily="34" charset="0"/>
-                  <a:cs typeface="Helvetica" panose="020B0604020202020204" pitchFamily="34" charset="0"/>
-                </a:rPr>
-                <a:t>ervice</a:t>
+                <a:t>Service</a:t>
               </a:r>
               <a:endParaRPr lang="en-GB" sz="510" dirty="0">
                 <a:latin typeface="Helvetica" panose="020B0604020202020204" pitchFamily="34" charset="0"/>
@@ -6617,12 +6593,42 @@
         </p:nvGrpSpPr>
         <p:grpSpPr>
           <a:xfrm>
-            <a:off x="-45722" y="6819931"/>
-            <a:ext cx="2533037" cy="2042770"/>
-            <a:chOff x="2554517" y="5057916"/>
-            <a:chExt cx="2400875" cy="1936187"/>
+            <a:off x="-45722" y="6834934"/>
+            <a:ext cx="2468249" cy="2016741"/>
+            <a:chOff x="2554517" y="5072145"/>
+            <a:chExt cx="2339461" cy="1911521"/>
           </a:xfrm>
         </p:grpSpPr>
+        <p:pic>
+          <p:nvPicPr>
+            <p:cNvPr id="35" name="Picture 34"/>
+            <p:cNvPicPr>
+              <a:picLocks noChangeAspect="1"/>
+            </p:cNvPicPr>
+            <p:nvPr/>
+          </p:nvPicPr>
+          <p:blipFill>
+            <a:blip r:embed="rId4" cstate="print">
+              <a:extLst>
+                <a:ext uri="{28A0092B-C50C-407E-A947-70E740481C1C}">
+                  <a14:useLocalDpi xmlns:a14="http://schemas.microsoft.com/office/drawing/2010/main" val="0"/>
+                </a:ext>
+              </a:extLst>
+            </a:blip>
+            <a:stretch>
+              <a:fillRect/>
+            </a:stretch>
+          </p:blipFill>
+          <p:spPr>
+            <a:xfrm>
+              <a:off x="2767370" y="5072145"/>
+              <a:ext cx="2126608" cy="1700229"/>
+            </a:xfrm>
+            <a:prstGeom prst="rect">
+              <a:avLst/>
+            </a:prstGeom>
+          </p:spPr>
+        </p:pic>
         <p:sp>
           <p:nvSpPr>
             <p:cNvPr id="151" name="TextBox 150"/>
@@ -6631,8 +6637,8 @@
           </p:nvSpPr>
           <p:spPr>
             <a:xfrm>
-              <a:off x="3296852" y="6794048"/>
-              <a:ext cx="1176925" cy="200055"/>
+              <a:off x="3412641" y="6794049"/>
+              <a:ext cx="945346" cy="189617"/>
             </a:xfrm>
             <a:prstGeom prst="rect">
               <a:avLst/>
@@ -6651,14 +6657,7 @@
                   <a:latin typeface="Helvetica" panose="020B0604020202020204" pitchFamily="34" charset="0"/>
                   <a:cs typeface="Helvetica" panose="020B0604020202020204" pitchFamily="34" charset="0"/>
                 </a:rPr>
-                <a:t>Log(Transaction </a:t>
-              </a:r>
-              <a:r>
-                <a:rPr lang="en-GB" sz="700" dirty="0" smtClean="0">
-                  <a:latin typeface="Helvetica" panose="020B0604020202020204" pitchFamily="34" charset="0"/>
-                  <a:cs typeface="Helvetica" panose="020B0604020202020204" pitchFamily="34" charset="0"/>
-                </a:rPr>
-                <a:t>volume)</a:t>
+                <a:t>Transaction volume</a:t>
               </a:r>
               <a:endParaRPr lang="en-GB" sz="700" dirty="0">
                 <a:latin typeface="Helvetica" panose="020B0604020202020204" pitchFamily="34" charset="0"/>
@@ -6704,36 +6703,6 @@
             </a:p>
           </p:txBody>
         </p:sp>
-        <p:pic>
-          <p:nvPicPr>
-            <p:cNvPr id="35" name="Picture 34"/>
-            <p:cNvPicPr>
-              <a:picLocks noChangeAspect="1"/>
-            </p:cNvPicPr>
-            <p:nvPr/>
-          </p:nvPicPr>
-          <p:blipFill>
-            <a:blip r:embed="rId4" cstate="print">
-              <a:extLst>
-                <a:ext uri="{28A0092B-C50C-407E-A947-70E740481C1C}">
-                  <a14:useLocalDpi xmlns:a14="http://schemas.microsoft.com/office/drawing/2010/main" val="0"/>
-                </a:ext>
-              </a:extLst>
-            </a:blip>
-            <a:stretch>
-              <a:fillRect/>
-            </a:stretch>
-          </p:blipFill>
-          <p:spPr>
-            <a:xfrm>
-              <a:off x="2694225" y="5057916"/>
-              <a:ext cx="2261167" cy="1736132"/>
-            </a:xfrm>
-            <a:prstGeom prst="rect">
-              <a:avLst/>
-            </a:prstGeom>
-          </p:spPr>
-        </p:pic>
       </p:grpSp>
       <p:grpSp>
         <p:nvGrpSpPr>
@@ -6743,10 +6712,10 @@
         </p:nvGrpSpPr>
         <p:grpSpPr>
           <a:xfrm>
-            <a:off x="2430633" y="6813937"/>
-            <a:ext cx="2547920" cy="2048763"/>
-            <a:chOff x="5083698" y="5052531"/>
-            <a:chExt cx="2414982" cy="1941868"/>
+            <a:off x="2418440" y="6830699"/>
+            <a:ext cx="2579908" cy="2020988"/>
+            <a:chOff x="5072142" y="5068420"/>
+            <a:chExt cx="2445302" cy="1915543"/>
           </a:xfrm>
         </p:grpSpPr>
         <p:sp>
@@ -6757,8 +6726,8 @@
           </p:nvSpPr>
           <p:spPr>
             <a:xfrm>
-              <a:off x="5937017" y="6794344"/>
-              <a:ext cx="1176925" cy="200055"/>
+              <a:off x="6107685" y="6794346"/>
+              <a:ext cx="916482" cy="189617"/>
             </a:xfrm>
             <a:prstGeom prst="rect">
               <a:avLst/>
@@ -6777,14 +6746,7 @@
                   <a:latin typeface="Helvetica" panose="020B0604020202020204" pitchFamily="34" charset="0"/>
                   <a:cs typeface="Helvetica" panose="020B0604020202020204" pitchFamily="34" charset="0"/>
                 </a:rPr>
-                <a:t>Log(Transaction </a:t>
-              </a:r>
-              <a:r>
-                <a:rPr lang="en-GB" sz="700" dirty="0" smtClean="0">
-                  <a:latin typeface="Helvetica" panose="020B0604020202020204" pitchFamily="34" charset="0"/>
-                  <a:cs typeface="Helvetica" panose="020B0604020202020204" pitchFamily="34" charset="0"/>
-                </a:rPr>
-                <a:t>volume)</a:t>
+                <a:t>Transaction volume</a:t>
               </a:r>
               <a:endParaRPr lang="en-GB" sz="700" dirty="0">
                 <a:latin typeface="Helvetica" panose="020B0604020202020204" pitchFamily="34" charset="0"/>
@@ -6814,8 +6776,8 @@
           </p:blipFill>
           <p:spPr>
             <a:xfrm>
-              <a:off x="5156443" y="5052531"/>
-              <a:ext cx="2342237" cy="1716447"/>
+              <a:off x="5196889" y="5068420"/>
+              <a:ext cx="2320555" cy="1700558"/>
             </a:xfrm>
             <a:prstGeom prst="rect">
               <a:avLst/>
@@ -6830,7 +6792,7 @@
           </p:nvSpPr>
           <p:spPr>
             <a:xfrm rot="16200000">
-              <a:off x="4982388" y="5837784"/>
+              <a:off x="4970832" y="5837784"/>
               <a:ext cx="402675" cy="200055"/>
             </a:xfrm>
             <a:prstGeom prst="rect">
@@ -7046,7 +7008,7 @@
         </p:nvSpPr>
         <p:spPr>
           <a:xfrm>
-            <a:off x="5320703" y="795006"/>
+            <a:off x="5320703" y="815326"/>
             <a:ext cx="508473" cy="186128"/>
           </a:xfrm>
           <a:prstGeom prst="rect">
@@ -8036,7 +7998,7 @@
         </p:nvSpPr>
         <p:spPr>
           <a:xfrm>
-            <a:off x="2321666" y="573870"/>
+            <a:off x="2321666" y="584030"/>
             <a:ext cx="1196161" cy="200055"/>
           </a:xfrm>
           <a:prstGeom prst="rect">
@@ -8078,7 +8040,7 @@
         </p:nvSpPr>
         <p:spPr>
           <a:xfrm>
-            <a:off x="3829432" y="596025"/>
+            <a:off x="3829432" y="585865"/>
             <a:ext cx="1215397" cy="186128"/>
           </a:xfrm>
           <a:prstGeom prst="rect">
@@ -8454,7 +8416,7 @@
         </p:nvSpPr>
         <p:spPr>
           <a:xfrm>
-            <a:off x="3829432" y="362221"/>
+            <a:off x="3829432" y="346981"/>
             <a:ext cx="846707" cy="186128"/>
           </a:xfrm>
           <a:prstGeom prst="rect">
@@ -10545,7 +10507,7 @@
         </p:nvSpPr>
         <p:spPr>
           <a:xfrm>
-            <a:off x="3412050" y="6116771"/>
+            <a:off x="3608057" y="6157490"/>
             <a:ext cx="442750" cy="184666"/>
           </a:xfrm>
           <a:prstGeom prst="rect">
@@ -10581,8 +10543,8 @@
         </p:nvSpPr>
         <p:spPr>
           <a:xfrm>
-            <a:off x="3299706" y="6172959"/>
-            <a:ext cx="142175" cy="66960"/>
+            <a:off x="3375452" y="6205107"/>
+            <a:ext cx="262437" cy="86869"/>
           </a:xfrm>
           <a:prstGeom prst="rect">
             <a:avLst/>

--- a/reports/figures/edit-desindex-fig2.pptx
+++ b/reports/figures/edit-desindex-fig2.pptx
@@ -107,7 +107,7 @@
   <p:extLst>
     <p:ext uri="{EFAFB233-063F-42B5-8137-9DF3F51BA10A}">
       <p15:sldGuideLst xmlns:p15="http://schemas.microsoft.com/office/powerpoint/2012/main">
-        <p15:guide id="1" orient="horz" pos="3368" userDrawn="1">
+        <p15:guide id="1" orient="horz" pos="487" userDrawn="1">
           <p15:clr>
             <a:srgbClr val="A4A3A4"/>
           </p15:clr>
@@ -276,7 +276,7 @@
           <a:p>
             <a:fld id="{A1C612FA-B09C-4DDE-B9F8-2309F1C19A07}" type="datetimeFigureOut">
               <a:rPr lang="en-GB" smtClean="0"/>
-              <a:t>26/02/2024</a:t>
+              <a:t>28/02/2024</a:t>
             </a:fld>
             <a:endParaRPr lang="en-GB"/>
           </a:p>
@@ -446,7 +446,7 @@
           <a:p>
             <a:fld id="{A1C612FA-B09C-4DDE-B9F8-2309F1C19A07}" type="datetimeFigureOut">
               <a:rPr lang="en-GB" smtClean="0"/>
-              <a:t>26/02/2024</a:t>
+              <a:t>28/02/2024</a:t>
             </a:fld>
             <a:endParaRPr lang="en-GB"/>
           </a:p>
@@ -626,7 +626,7 @@
           <a:p>
             <a:fld id="{A1C612FA-B09C-4DDE-B9F8-2309F1C19A07}" type="datetimeFigureOut">
               <a:rPr lang="en-GB" smtClean="0"/>
-              <a:t>26/02/2024</a:t>
+              <a:t>28/02/2024</a:t>
             </a:fld>
             <a:endParaRPr lang="en-GB"/>
           </a:p>
@@ -796,7 +796,7 @@
           <a:p>
             <a:fld id="{A1C612FA-B09C-4DDE-B9F8-2309F1C19A07}" type="datetimeFigureOut">
               <a:rPr lang="en-GB" smtClean="0"/>
-              <a:t>26/02/2024</a:t>
+              <a:t>28/02/2024</a:t>
             </a:fld>
             <a:endParaRPr lang="en-GB"/>
           </a:p>
@@ -1040,7 +1040,7 @@
           <a:p>
             <a:fld id="{A1C612FA-B09C-4DDE-B9F8-2309F1C19A07}" type="datetimeFigureOut">
               <a:rPr lang="en-GB" smtClean="0"/>
-              <a:t>26/02/2024</a:t>
+              <a:t>28/02/2024</a:t>
             </a:fld>
             <a:endParaRPr lang="en-GB"/>
           </a:p>
@@ -1272,7 +1272,7 @@
           <a:p>
             <a:fld id="{A1C612FA-B09C-4DDE-B9F8-2309F1C19A07}" type="datetimeFigureOut">
               <a:rPr lang="en-GB" smtClean="0"/>
-              <a:t>26/02/2024</a:t>
+              <a:t>28/02/2024</a:t>
             </a:fld>
             <a:endParaRPr lang="en-GB"/>
           </a:p>
@@ -1639,7 +1639,7 @@
           <a:p>
             <a:fld id="{A1C612FA-B09C-4DDE-B9F8-2309F1C19A07}" type="datetimeFigureOut">
               <a:rPr lang="en-GB" smtClean="0"/>
-              <a:t>26/02/2024</a:t>
+              <a:t>28/02/2024</a:t>
             </a:fld>
             <a:endParaRPr lang="en-GB"/>
           </a:p>
@@ -1757,7 +1757,7 @@
           <a:p>
             <a:fld id="{A1C612FA-B09C-4DDE-B9F8-2309F1C19A07}" type="datetimeFigureOut">
               <a:rPr lang="en-GB" smtClean="0"/>
-              <a:t>26/02/2024</a:t>
+              <a:t>28/02/2024</a:t>
             </a:fld>
             <a:endParaRPr lang="en-GB"/>
           </a:p>
@@ -1852,7 +1852,7 @@
           <a:p>
             <a:fld id="{A1C612FA-B09C-4DDE-B9F8-2309F1C19A07}" type="datetimeFigureOut">
               <a:rPr lang="en-GB" smtClean="0"/>
-              <a:t>26/02/2024</a:t>
+              <a:t>28/02/2024</a:t>
             </a:fld>
             <a:endParaRPr lang="en-GB"/>
           </a:p>
@@ -2129,7 +2129,7 @@
           <a:p>
             <a:fld id="{A1C612FA-B09C-4DDE-B9F8-2309F1C19A07}" type="datetimeFigureOut">
               <a:rPr lang="en-GB" smtClean="0"/>
-              <a:t>26/02/2024</a:t>
+              <a:t>28/02/2024</a:t>
             </a:fld>
             <a:endParaRPr lang="en-GB"/>
           </a:p>
@@ -2386,7 +2386,7 @@
           <a:p>
             <a:fld id="{A1C612FA-B09C-4DDE-B9F8-2309F1C19A07}" type="datetimeFigureOut">
               <a:rPr lang="en-GB" smtClean="0"/>
-              <a:t>26/02/2024</a:t>
+              <a:t>28/02/2024</a:t>
             </a:fld>
             <a:endParaRPr lang="en-GB"/>
           </a:p>
@@ -2599,7 +2599,7 @@
           <a:p>
             <a:fld id="{A1C612FA-B09C-4DDE-B9F8-2309F1C19A07}" type="datetimeFigureOut">
               <a:rPr lang="en-GB" smtClean="0"/>
-              <a:t>26/02/2024</a:t>
+              <a:t>28/02/2024</a:t>
             </a:fld>
             <a:endParaRPr lang="en-GB"/>
           </a:p>
@@ -3026,7 +3026,7 @@
         </p:blipFill>
         <p:spPr>
           <a:xfrm rot="8896502">
-            <a:off x="2526882" y="40265"/>
+            <a:off x="2526882" y="403485"/>
             <a:ext cx="6632210" cy="6632210"/>
           </a:xfrm>
           <a:prstGeom prst="ellipse">
@@ -3042,7 +3042,7 @@
         </p:nvSpPr>
         <p:spPr>
           <a:xfrm rot="19521356">
-            <a:off x="7082054" y="2032150"/>
+            <a:off x="7082054" y="2395370"/>
             <a:ext cx="1060803" cy="170496"/>
           </a:xfrm>
           <a:prstGeom prst="rect">
@@ -3074,7 +3074,7 @@
         </p:nvGrpSpPr>
         <p:grpSpPr>
           <a:xfrm rot="19871965">
-            <a:off x="2507103" y="962148"/>
+            <a:off x="2507103" y="1325368"/>
             <a:ext cx="5372702" cy="5034770"/>
             <a:chOff x="1619789" y="309574"/>
             <a:chExt cx="5372702" cy="5034770"/>
@@ -5879,7 +5879,7 @@
         </p:nvSpPr>
         <p:spPr>
           <a:xfrm>
-            <a:off x="-36458" y="1381764"/>
+            <a:off x="-36458" y="1554484"/>
             <a:ext cx="287258" cy="261931"/>
           </a:xfrm>
           <a:prstGeom prst="rect">
@@ -5916,7 +5916,7 @@
         </p:nvSpPr>
         <p:spPr>
           <a:xfrm>
-            <a:off x="4928678" y="6542525"/>
+            <a:off x="4928678" y="6715245"/>
             <a:ext cx="279244" cy="261931"/>
           </a:xfrm>
           <a:prstGeom prst="rect">
@@ -5947,7 +5947,7 @@
         </p:nvGrpSpPr>
         <p:grpSpPr>
           <a:xfrm>
-            <a:off x="5011784" y="6830700"/>
+            <a:off x="5011784" y="7003420"/>
             <a:ext cx="2539636" cy="2026956"/>
             <a:chOff x="135451" y="5057416"/>
             <a:chExt cx="2395792" cy="1922733"/>
@@ -6593,7 +6593,7 @@
         </p:nvGrpSpPr>
         <p:grpSpPr>
           <a:xfrm>
-            <a:off x="-45722" y="6834934"/>
+            <a:off x="-45722" y="7007654"/>
             <a:ext cx="2468249" cy="2016741"/>
             <a:chOff x="2554517" y="5072145"/>
             <a:chExt cx="2339461" cy="1911521"/>
@@ -6712,7 +6712,7 @@
         </p:nvGrpSpPr>
         <p:grpSpPr>
           <a:xfrm>
-            <a:off x="2418440" y="6830699"/>
+            <a:off x="2418440" y="7003419"/>
             <a:ext cx="2579908" cy="2020988"/>
             <a:chOff x="5072142" y="5068420"/>
             <a:chExt cx="2445302" cy="1915543"/>
@@ -6836,7 +6836,7 @@
         </p:nvSpPr>
         <p:spPr>
           <a:xfrm>
-            <a:off x="-38096" y="6503656"/>
+            <a:off x="-38096" y="6676376"/>
             <a:ext cx="287258" cy="261931"/>
           </a:xfrm>
           <a:prstGeom prst="rect">
@@ -6876,7 +6876,7 @@
         </p:nvSpPr>
         <p:spPr>
           <a:xfrm>
-            <a:off x="2402958" y="6490599"/>
+            <a:off x="2402958" y="6663319"/>
             <a:ext cx="287258" cy="261931"/>
           </a:xfrm>
           <a:prstGeom prst="rect">
@@ -6910,8 +6910,8 @@
         </p:nvSpPr>
         <p:spPr>
           <a:xfrm>
-            <a:off x="65078" y="79785"/>
-            <a:ext cx="7385045" cy="1192868"/>
+            <a:off x="65078" y="49638"/>
+            <a:ext cx="7385045" cy="1395735"/>
           </a:xfrm>
           <a:prstGeom prst="rect">
             <a:avLst/>
@@ -6958,7 +6958,7 @@
         </p:nvSpPr>
         <p:spPr>
           <a:xfrm>
-            <a:off x="5038376" y="870306"/>
+            <a:off x="5038376" y="1043026"/>
             <a:ext cx="276635" cy="96354"/>
           </a:xfrm>
           <a:prstGeom prst="rect">
@@ -7008,7 +7008,7 @@
         </p:nvSpPr>
         <p:spPr>
           <a:xfrm>
-            <a:off x="5320703" y="815326"/>
+            <a:off x="5320703" y="988046"/>
             <a:ext cx="508473" cy="186128"/>
           </a:xfrm>
           <a:prstGeom prst="rect">
@@ -7050,7 +7050,7 @@
         </p:nvSpPr>
         <p:spPr>
           <a:xfrm>
-            <a:off x="2059140" y="402927"/>
+            <a:off x="2059140" y="575647"/>
             <a:ext cx="276635" cy="96354"/>
           </a:xfrm>
           <a:prstGeom prst="rect">
@@ -7100,7 +7100,7 @@
         </p:nvSpPr>
         <p:spPr>
           <a:xfrm>
-            <a:off x="2058503" y="1100523"/>
+            <a:off x="2058503" y="1273243"/>
             <a:ext cx="276635" cy="96354"/>
           </a:xfrm>
           <a:prstGeom prst="rect">
@@ -7150,7 +7150,7 @@
         </p:nvSpPr>
         <p:spPr>
           <a:xfrm>
-            <a:off x="3557236" y="628840"/>
+            <a:off x="3557236" y="801560"/>
             <a:ext cx="276635" cy="96354"/>
           </a:xfrm>
           <a:prstGeom prst="rect">
@@ -7200,7 +7200,7 @@
         </p:nvSpPr>
         <p:spPr>
           <a:xfrm>
-            <a:off x="2321666" y="324093"/>
+            <a:off x="2321666" y="496813"/>
             <a:ext cx="1184940" cy="286352"/>
           </a:xfrm>
           <a:prstGeom prst="rect">
@@ -7264,7 +7264,7 @@
         </p:nvSpPr>
         <p:spPr>
           <a:xfrm>
-            <a:off x="2059140" y="174167"/>
+            <a:off x="2059140" y="346887"/>
             <a:ext cx="276635" cy="96354"/>
           </a:xfrm>
           <a:prstGeom prst="rect">
@@ -7314,7 +7314,7 @@
         </p:nvSpPr>
         <p:spPr>
           <a:xfrm>
-            <a:off x="2321666" y="89798"/>
+            <a:off x="2321666" y="262518"/>
             <a:ext cx="1178528" cy="286352"/>
           </a:xfrm>
           <a:prstGeom prst="rect">
@@ -7368,7 +7368,7 @@
         </p:nvSpPr>
         <p:spPr>
           <a:xfrm>
-            <a:off x="6320861" y="405452"/>
+            <a:off x="6320861" y="578172"/>
             <a:ext cx="276635" cy="96354"/>
           </a:xfrm>
           <a:prstGeom prst="rect">
@@ -7418,7 +7418,7 @@
         </p:nvSpPr>
         <p:spPr>
           <a:xfrm>
-            <a:off x="5038376" y="402188"/>
+            <a:off x="5038376" y="574908"/>
             <a:ext cx="276635" cy="96354"/>
           </a:xfrm>
           <a:prstGeom prst="rect">
@@ -7468,7 +7468,7 @@
         </p:nvSpPr>
         <p:spPr>
           <a:xfrm>
-            <a:off x="3557236" y="1096829"/>
+            <a:off x="3557236" y="1269549"/>
             <a:ext cx="276635" cy="96354"/>
           </a:xfrm>
           <a:prstGeom prst="rect">
@@ -7518,7 +7518,7 @@
         </p:nvSpPr>
         <p:spPr>
           <a:xfrm>
-            <a:off x="6594862" y="356371"/>
+            <a:off x="6594862" y="529091"/>
             <a:ext cx="692818" cy="307777"/>
           </a:xfrm>
           <a:prstGeom prst="rect">
@@ -7572,7 +7572,7 @@
         </p:nvSpPr>
         <p:spPr>
           <a:xfrm>
-            <a:off x="5038376" y="1104364"/>
+            <a:off x="5038376" y="1277084"/>
             <a:ext cx="276635" cy="96354"/>
           </a:xfrm>
           <a:prstGeom prst="rect">
@@ -7622,7 +7622,7 @@
         </p:nvSpPr>
         <p:spPr>
           <a:xfrm>
-            <a:off x="5297834" y="581308"/>
+            <a:off x="5297834" y="754028"/>
             <a:ext cx="976549" cy="186128"/>
           </a:xfrm>
           <a:prstGeom prst="rect">
@@ -7664,7 +7664,7 @@
         </p:nvSpPr>
         <p:spPr>
           <a:xfrm>
-            <a:off x="6320861" y="176706"/>
+            <a:off x="6320861" y="349426"/>
             <a:ext cx="276635" cy="96354"/>
           </a:xfrm>
           <a:prstGeom prst="rect">
@@ -7714,7 +7714,7 @@
         </p:nvSpPr>
         <p:spPr>
           <a:xfrm>
-            <a:off x="2059140" y="860446"/>
+            <a:off x="2059140" y="1033166"/>
             <a:ext cx="276635" cy="96354"/>
           </a:xfrm>
           <a:prstGeom prst="rect">
@@ -7764,7 +7764,7 @@
         </p:nvSpPr>
         <p:spPr>
           <a:xfrm>
-            <a:off x="3557236" y="862835"/>
+            <a:off x="3557236" y="1035555"/>
             <a:ext cx="276635" cy="96354"/>
           </a:xfrm>
           <a:prstGeom prst="rect">
@@ -7814,7 +7814,7 @@
         </p:nvSpPr>
         <p:spPr>
           <a:xfrm>
-            <a:off x="6591264" y="124248"/>
+            <a:off x="6591264" y="296968"/>
             <a:ext cx="894797" cy="186128"/>
           </a:xfrm>
           <a:prstGeom prst="rect">
@@ -7856,7 +7856,7 @@
         </p:nvSpPr>
         <p:spPr>
           <a:xfrm>
-            <a:off x="2059140" y="631687"/>
+            <a:off x="2059140" y="804407"/>
             <a:ext cx="276635" cy="96354"/>
           </a:xfrm>
           <a:prstGeom prst="rect">
@@ -7906,7 +7906,7 @@
         </p:nvSpPr>
         <p:spPr>
           <a:xfrm>
-            <a:off x="5038376" y="636247"/>
+            <a:off x="5038376" y="808967"/>
             <a:ext cx="276635" cy="96354"/>
           </a:xfrm>
           <a:prstGeom prst="rect">
@@ -7956,7 +7956,7 @@
         </p:nvSpPr>
         <p:spPr>
           <a:xfrm>
-            <a:off x="5328974" y="1052700"/>
+            <a:off x="5328974" y="1225420"/>
             <a:ext cx="1229824" cy="200055"/>
           </a:xfrm>
           <a:prstGeom prst="rect">
@@ -7998,7 +7998,7 @@
         </p:nvSpPr>
         <p:spPr>
           <a:xfrm>
-            <a:off x="2321666" y="584030"/>
+            <a:off x="2321666" y="756750"/>
             <a:ext cx="1196161" cy="200055"/>
           </a:xfrm>
           <a:prstGeom prst="rect">
@@ -8040,7 +8040,7 @@
         </p:nvSpPr>
         <p:spPr>
           <a:xfrm>
-            <a:off x="3829432" y="585865"/>
+            <a:off x="3829432" y="758585"/>
             <a:ext cx="1215397" cy="186128"/>
           </a:xfrm>
           <a:prstGeom prst="rect">
@@ -8082,7 +8082,7 @@
         </p:nvSpPr>
         <p:spPr>
           <a:xfrm>
-            <a:off x="2321666" y="1047585"/>
+            <a:off x="2321666" y="1220305"/>
             <a:ext cx="1045479" cy="186128"/>
           </a:xfrm>
           <a:prstGeom prst="rect">
@@ -8124,7 +8124,7 @@
         </p:nvSpPr>
         <p:spPr>
           <a:xfrm>
-            <a:off x="3829432" y="1046354"/>
+            <a:off x="3829432" y="1219074"/>
             <a:ext cx="1122423" cy="186128"/>
           </a:xfrm>
           <a:prstGeom prst="rect">
@@ -8166,7 +8166,7 @@
         </p:nvSpPr>
         <p:spPr>
           <a:xfrm>
-            <a:off x="5305696" y="345588"/>
+            <a:off x="5305696" y="518308"/>
             <a:ext cx="1018227" cy="186128"/>
           </a:xfrm>
           <a:prstGeom prst="rect">
@@ -8208,7 +8208,7 @@
         </p:nvSpPr>
         <p:spPr>
           <a:xfrm>
-            <a:off x="2321666" y="767471"/>
+            <a:off x="2321666" y="940191"/>
             <a:ext cx="894797" cy="286352"/>
           </a:xfrm>
           <a:prstGeom prst="rect">
@@ -8262,7 +8262,7 @@
         </p:nvSpPr>
         <p:spPr>
           <a:xfrm>
-            <a:off x="3829432" y="782819"/>
+            <a:off x="3829432" y="955539"/>
             <a:ext cx="888385" cy="286352"/>
           </a:xfrm>
           <a:prstGeom prst="rect">
@@ -8316,7 +8316,7 @@
         </p:nvSpPr>
         <p:spPr>
           <a:xfrm>
-            <a:off x="3557236" y="394845"/>
+            <a:off x="3557236" y="567565"/>
             <a:ext cx="276635" cy="96354"/>
           </a:xfrm>
           <a:prstGeom prst="rect">
@@ -8366,7 +8366,7 @@
         </p:nvSpPr>
         <p:spPr>
           <a:xfrm>
-            <a:off x="5038376" y="168129"/>
+            <a:off x="5038376" y="340849"/>
             <a:ext cx="276635" cy="96354"/>
           </a:xfrm>
           <a:prstGeom prst="rect">
@@ -8416,7 +8416,7 @@
         </p:nvSpPr>
         <p:spPr>
           <a:xfrm>
-            <a:off x="3829432" y="346981"/>
+            <a:off x="3829432" y="519701"/>
             <a:ext cx="846707" cy="186128"/>
           </a:xfrm>
           <a:prstGeom prst="rect">
@@ -8458,7 +8458,7 @@
         </p:nvSpPr>
         <p:spPr>
           <a:xfrm>
-            <a:off x="5294139" y="103040"/>
+            <a:off x="5294139" y="275760"/>
             <a:ext cx="774571" cy="186128"/>
           </a:xfrm>
           <a:prstGeom prst="rect">
@@ -8500,7 +8500,7 @@
         </p:nvSpPr>
         <p:spPr>
           <a:xfrm>
-            <a:off x="3557236" y="160851"/>
+            <a:off x="3557236" y="333571"/>
             <a:ext cx="276635" cy="96354"/>
           </a:xfrm>
           <a:prstGeom prst="rect">
@@ -8550,7 +8550,7 @@
         </p:nvSpPr>
         <p:spPr>
           <a:xfrm>
-            <a:off x="3829432" y="81813"/>
+            <a:off x="3829432" y="254533"/>
             <a:ext cx="894797" cy="286352"/>
           </a:xfrm>
           <a:prstGeom prst="rect">
@@ -8614,7 +8614,7 @@
         </p:nvSpPr>
         <p:spPr>
           <a:xfrm rot="20962265">
-            <a:off x="134038" y="637472"/>
+            <a:off x="134038" y="810192"/>
             <a:ext cx="102689" cy="95540"/>
           </a:xfrm>
           <a:prstGeom prst="ellipse">
@@ -8662,7 +8662,7 @@
         </p:nvSpPr>
         <p:spPr>
           <a:xfrm rot="20962265">
-            <a:off x="135009" y="409268"/>
+            <a:off x="135009" y="581988"/>
             <a:ext cx="102689" cy="95540"/>
           </a:xfrm>
           <a:prstGeom prst="ellipse">
@@ -8710,7 +8710,7 @@
         </p:nvSpPr>
         <p:spPr>
           <a:xfrm rot="20962265">
-            <a:off x="125138" y="1083745"/>
+            <a:off x="125138" y="1256465"/>
             <a:ext cx="102689" cy="95540"/>
           </a:xfrm>
           <a:prstGeom prst="ellipse">
@@ -8758,7 +8758,7 @@
         </p:nvSpPr>
         <p:spPr>
           <a:xfrm rot="20962265">
-            <a:off x="1360754" y="385686"/>
+            <a:off x="1360754" y="558406"/>
             <a:ext cx="102689" cy="95540"/>
           </a:xfrm>
           <a:prstGeom prst="ellipse">
@@ -8806,7 +8806,7 @@
         </p:nvSpPr>
         <p:spPr>
           <a:xfrm rot="20962265">
-            <a:off x="134457" y="181065"/>
+            <a:off x="134457" y="353785"/>
             <a:ext cx="102689" cy="95540"/>
           </a:xfrm>
           <a:prstGeom prst="ellipse">
@@ -8854,7 +8854,7 @@
         </p:nvSpPr>
         <p:spPr>
           <a:xfrm rot="20962265">
-            <a:off x="748373" y="1090970"/>
+            <a:off x="748373" y="1263690"/>
             <a:ext cx="102689" cy="95540"/>
           </a:xfrm>
           <a:prstGeom prst="ellipse">
@@ -8902,7 +8902,7 @@
         </p:nvSpPr>
         <p:spPr>
           <a:xfrm rot="20962265">
-            <a:off x="748373" y="861219"/>
+            <a:off x="748373" y="1033939"/>
             <a:ext cx="102689" cy="95540"/>
           </a:xfrm>
           <a:prstGeom prst="ellipse">
@@ -8950,7 +8950,7 @@
         </p:nvSpPr>
         <p:spPr>
           <a:xfrm rot="20962265">
-            <a:off x="129740" y="865673"/>
+            <a:off x="129740" y="1038393"/>
             <a:ext cx="102689" cy="95540"/>
           </a:xfrm>
           <a:prstGeom prst="ellipse">
@@ -8998,7 +8998,7 @@
         </p:nvSpPr>
         <p:spPr>
           <a:xfrm rot="20962265">
-            <a:off x="748373" y="631470"/>
+            <a:off x="748373" y="804190"/>
             <a:ext cx="102689" cy="95540"/>
           </a:xfrm>
           <a:prstGeom prst="ellipse">
@@ -9046,7 +9046,7 @@
         </p:nvSpPr>
         <p:spPr>
           <a:xfrm rot="20962265">
-            <a:off x="748373" y="401721"/>
+            <a:off x="748373" y="574441"/>
             <a:ext cx="102689" cy="95540"/>
           </a:xfrm>
           <a:prstGeom prst="ellipse">
@@ -9094,7 +9094,7 @@
         </p:nvSpPr>
         <p:spPr>
           <a:xfrm rot="20962265">
-            <a:off x="748373" y="171972"/>
+            <a:off x="748373" y="344692"/>
             <a:ext cx="102689" cy="95540"/>
           </a:xfrm>
           <a:prstGeom prst="ellipse">
@@ -9142,7 +9142,7 @@
         </p:nvSpPr>
         <p:spPr>
           <a:xfrm rot="20962265">
-            <a:off x="1360754" y="602257"/>
+            <a:off x="1360754" y="774977"/>
             <a:ext cx="102689" cy="95540"/>
           </a:xfrm>
           <a:prstGeom prst="ellipse">
@@ -9190,7 +9190,7 @@
         </p:nvSpPr>
         <p:spPr>
           <a:xfrm rot="20962265">
-            <a:off x="1360754" y="169115"/>
+            <a:off x="1360754" y="341835"/>
             <a:ext cx="102689" cy="95540"/>
           </a:xfrm>
           <a:prstGeom prst="ellipse">
@@ -9238,7 +9238,7 @@
         </p:nvSpPr>
         <p:spPr>
           <a:xfrm rot="20962265">
-            <a:off x="1360754" y="818828"/>
+            <a:off x="1360754" y="991548"/>
             <a:ext cx="102689" cy="95540"/>
           </a:xfrm>
           <a:prstGeom prst="ellipse">
@@ -9286,7 +9286,7 @@
         </p:nvSpPr>
         <p:spPr>
           <a:xfrm>
-            <a:off x="229874" y="587175"/>
+            <a:off x="229874" y="759895"/>
             <a:ext cx="388248" cy="186128"/>
           </a:xfrm>
           <a:prstGeom prst="rect">
@@ -9328,7 +9328,7 @@
         </p:nvSpPr>
         <p:spPr>
           <a:xfrm>
-            <a:off x="229874" y="360565"/>
+            <a:off x="229874" y="533285"/>
             <a:ext cx="319318" cy="186128"/>
           </a:xfrm>
           <a:prstGeom prst="rect">
@@ -9370,7 +9370,7 @@
         </p:nvSpPr>
         <p:spPr>
           <a:xfrm>
-            <a:off x="232913" y="1034027"/>
+            <a:off x="232913" y="1206747"/>
             <a:ext cx="486030" cy="186128"/>
           </a:xfrm>
           <a:prstGeom prst="rect">
@@ -9412,7 +9412,7 @@
         </p:nvSpPr>
         <p:spPr>
           <a:xfrm>
-            <a:off x="1457232" y="335553"/>
+            <a:off x="1457232" y="508273"/>
             <a:ext cx="417102" cy="186128"/>
           </a:xfrm>
           <a:prstGeom prst="rect">
@@ -9454,7 +9454,7 @@
         </p:nvSpPr>
         <p:spPr>
           <a:xfrm>
-            <a:off x="229874" y="133955"/>
+            <a:off x="229874" y="306675"/>
             <a:ext cx="426720" cy="186128"/>
           </a:xfrm>
           <a:prstGeom prst="rect">
@@ -9496,7 +9496,7 @@
         </p:nvSpPr>
         <p:spPr>
           <a:xfrm>
-            <a:off x="846676" y="1039400"/>
+            <a:off x="846676" y="1212120"/>
             <a:ext cx="393056" cy="186128"/>
           </a:xfrm>
           <a:prstGeom prst="rect">
@@ -9538,7 +9538,7 @@
         </p:nvSpPr>
         <p:spPr>
           <a:xfrm>
-            <a:off x="846676" y="811723"/>
+            <a:off x="846676" y="984443"/>
             <a:ext cx="333746" cy="186128"/>
           </a:xfrm>
           <a:prstGeom prst="rect">
@@ -9580,7 +9580,7 @@
         </p:nvSpPr>
         <p:spPr>
           <a:xfrm>
-            <a:off x="229874" y="813785"/>
+            <a:off x="229874" y="986505"/>
             <a:ext cx="303288" cy="186128"/>
           </a:xfrm>
           <a:prstGeom prst="rect">
@@ -9622,7 +9622,7 @@
         </p:nvSpPr>
         <p:spPr>
           <a:xfrm>
-            <a:off x="846676" y="584047"/>
+            <a:off x="846676" y="756767"/>
             <a:ext cx="417102" cy="186128"/>
           </a:xfrm>
           <a:prstGeom prst="rect">
@@ -9664,7 +9664,7 @@
         </p:nvSpPr>
         <p:spPr>
           <a:xfrm>
-            <a:off x="846676" y="356371"/>
+            <a:off x="846676" y="529091"/>
             <a:ext cx="437940" cy="186128"/>
           </a:xfrm>
           <a:prstGeom prst="rect">
@@ -9706,8 +9706,8 @@
         </p:nvCxnSpPr>
         <p:spPr>
           <a:xfrm>
-            <a:off x="1895797" y="160463"/>
-            <a:ext cx="1" cy="1038602"/>
+            <a:off x="1895798" y="115824"/>
+            <a:ext cx="0" cy="1255961"/>
           </a:xfrm>
           <a:prstGeom prst="line">
             <a:avLst/>
@@ -9743,7 +9743,7 @@
         </p:nvSpPr>
         <p:spPr>
           <a:xfrm>
-            <a:off x="843616" y="127131"/>
+            <a:off x="843616" y="299851"/>
             <a:ext cx="452368" cy="186128"/>
           </a:xfrm>
           <a:prstGeom prst="rect">
@@ -9785,7 +9785,7 @@
         </p:nvSpPr>
         <p:spPr>
           <a:xfrm>
-            <a:off x="1457232" y="553066"/>
+            <a:off x="1457232" y="725786"/>
             <a:ext cx="319318" cy="186128"/>
           </a:xfrm>
           <a:prstGeom prst="rect">
@@ -9827,7 +9827,7 @@
         </p:nvSpPr>
         <p:spPr>
           <a:xfrm>
-            <a:off x="1457232" y="118040"/>
+            <a:off x="1457232" y="290760"/>
             <a:ext cx="354584" cy="186128"/>
           </a:xfrm>
           <a:prstGeom prst="rect">
@@ -9869,7 +9869,7 @@
         </p:nvSpPr>
         <p:spPr>
           <a:xfrm>
-            <a:off x="1457232" y="770580"/>
+            <a:off x="1457232" y="943300"/>
             <a:ext cx="410690" cy="186128"/>
           </a:xfrm>
           <a:prstGeom prst="rect">
@@ -9923,8 +9923,8 @@
           <a:stretch/>
         </p:blipFill>
         <p:spPr>
-          <a:xfrm rot="20549468" flipH="1" flipV="1">
-            <a:off x="184350" y="1797186"/>
+          <a:xfrm rot="20891721" flipH="1" flipV="1">
+            <a:off x="184350" y="1771786"/>
             <a:ext cx="4100599" cy="2923994"/>
           </a:xfrm>
           <a:prstGeom prst="plaque">
@@ -9942,7 +9942,7 @@
         </p:nvGrpSpPr>
         <p:grpSpPr>
           <a:xfrm>
-            <a:off x="129116" y="5036502"/>
+            <a:off x="129116" y="5209222"/>
             <a:ext cx="1341202" cy="1261718"/>
             <a:chOff x="55855" y="4830094"/>
             <a:chExt cx="1341202" cy="1261718"/>
@@ -10388,8 +10388,8 @@
         </p:nvSpPr>
         <p:spPr>
           <a:xfrm>
-            <a:off x="256486" y="1777684"/>
-            <a:ext cx="623889" cy="184666"/>
+            <a:off x="58173" y="76386"/>
+            <a:ext cx="769763" cy="215444"/>
           </a:xfrm>
           <a:prstGeom prst="rect">
             <a:avLst/>
@@ -10403,62 +10403,16 @@
           <a:lstStyle/>
           <a:p>
             <a:r>
-              <a:rPr lang="en-GB" sz="600" dirty="0" smtClean="0">
+              <a:rPr lang="en-GB" sz="800" dirty="0" smtClean="0">
                 <a:latin typeface="Helvetica" panose="020B0604020202020204" pitchFamily="34" charset="0"/>
                 <a:cs typeface="Helvetica" panose="020B0604020202020204" pitchFamily="34" charset="0"/>
               </a:rPr>
               <a:t>Organisation</a:t>
             </a:r>
-            <a:endParaRPr lang="en-GB" sz="510" dirty="0">
+            <a:endParaRPr lang="en-GB" sz="600" dirty="0">
               <a:latin typeface="Helvetica" panose="020B0604020202020204" pitchFamily="34" charset="0"/>
               <a:cs typeface="Helvetica" panose="020B0604020202020204" pitchFamily="34" charset="0"/>
             </a:endParaRPr>
-          </a:p>
-        </p:txBody>
-      </p:sp>
-      <p:sp>
-        <p:nvSpPr>
-          <p:cNvPr id="399" name="Oval 398"/>
-          <p:cNvSpPr/>
-          <p:nvPr/>
-        </p:nvSpPr>
-        <p:spPr>
-          <a:xfrm>
-            <a:off x="134007" y="1796785"/>
-            <a:ext cx="146464" cy="146464"/>
-          </a:xfrm>
-          <a:prstGeom prst="ellipse">
-            <a:avLst/>
-          </a:prstGeom>
-          <a:solidFill>
-            <a:srgbClr val="262626"/>
-          </a:solidFill>
-          <a:ln>
-            <a:noFill/>
-          </a:ln>
-        </p:spPr>
-        <p:style>
-          <a:lnRef idx="2">
-            <a:schemeClr val="accent1">
-              <a:shade val="50000"/>
-            </a:schemeClr>
-          </a:lnRef>
-          <a:fillRef idx="1">
-            <a:schemeClr val="accent1"/>
-          </a:fillRef>
-          <a:effectRef idx="0">
-            <a:schemeClr val="accent1"/>
-          </a:effectRef>
-          <a:fontRef idx="minor">
-            <a:schemeClr val="lt1"/>
-          </a:fontRef>
-        </p:style>
-        <p:txBody>
-          <a:bodyPr rtlCol="0" anchor="ctr"/>
-          <a:lstStyle/>
-          <a:p>
-            <a:pPr algn="ctr"/>
-            <a:endParaRPr lang="en-GB"/>
           </a:p>
         </p:txBody>
       </p:sp>
@@ -10476,7 +10430,7 @@
         </p:nvSpPr>
         <p:spPr>
           <a:xfrm>
-            <a:off x="3256999" y="1471703"/>
+            <a:off x="3256999" y="1644423"/>
             <a:ext cx="287258" cy="261931"/>
           </a:xfrm>
           <a:prstGeom prst="rect">
@@ -10501,14 +10455,14 @@
       </p:sp>
       <p:sp>
         <p:nvSpPr>
-          <p:cNvPr id="143" name="TextBox 142"/>
+          <p:cNvPr id="214" name="TextBox 213"/>
           <p:cNvSpPr txBox="1"/>
           <p:nvPr/>
         </p:nvSpPr>
         <p:spPr>
           <a:xfrm>
-            <a:off x="3608057" y="6157490"/>
-            <a:ext cx="442750" cy="184666"/>
+            <a:off x="1948271" y="70366"/>
+            <a:ext cx="774571" cy="215444"/>
           </a:xfrm>
           <a:prstGeom prst="rect">
             <a:avLst/>
@@ -10522,70 +10476,16 @@
           <a:lstStyle/>
           <a:p>
             <a:r>
-              <a:rPr lang="en-GB" sz="600" dirty="0" smtClean="0">
+              <a:rPr lang="en-GB" sz="800" dirty="0" smtClean="0">
                 <a:latin typeface="Helvetica" panose="020B0604020202020204" pitchFamily="34" charset="0"/>
                 <a:cs typeface="Helvetica" panose="020B0604020202020204" pitchFamily="34" charset="0"/>
               </a:rPr>
-              <a:t>Service</a:t>
-            </a:r>
-            <a:endParaRPr lang="en-GB" sz="510" dirty="0">
+              <a:t>Service topic</a:t>
+            </a:r>
+            <a:endParaRPr lang="en-GB" sz="600" dirty="0">
               <a:latin typeface="Helvetica" panose="020B0604020202020204" pitchFamily="34" charset="0"/>
               <a:cs typeface="Helvetica" panose="020B0604020202020204" pitchFamily="34" charset="0"/>
             </a:endParaRPr>
-          </a:p>
-        </p:txBody>
-      </p:sp>
-      <p:sp>
-        <p:nvSpPr>
-          <p:cNvPr id="20" name="Rectangle 19"/>
-          <p:cNvSpPr/>
-          <p:nvPr/>
-        </p:nvSpPr>
-        <p:spPr>
-          <a:xfrm>
-            <a:off x="3375452" y="6205107"/>
-            <a:ext cx="262437" cy="86869"/>
-          </a:xfrm>
-          <a:prstGeom prst="rect">
-            <a:avLst/>
-          </a:prstGeom>
-          <a:solidFill>
-            <a:schemeClr val="tx1">
-              <a:lumMod val="85000"/>
-              <a:lumOff val="15000"/>
-            </a:schemeClr>
-          </a:solidFill>
-          <a:ln>
-            <a:solidFill>
-              <a:schemeClr val="tx1">
-                <a:lumMod val="85000"/>
-                <a:lumOff val="15000"/>
-              </a:schemeClr>
-            </a:solidFill>
-          </a:ln>
-        </p:spPr>
-        <p:style>
-          <a:lnRef idx="2">
-            <a:schemeClr val="accent1">
-              <a:shade val="50000"/>
-            </a:schemeClr>
-          </a:lnRef>
-          <a:fillRef idx="1">
-            <a:schemeClr val="accent1"/>
-          </a:fillRef>
-          <a:effectRef idx="0">
-            <a:schemeClr val="accent1"/>
-          </a:effectRef>
-          <a:fontRef idx="minor">
-            <a:schemeClr val="lt1"/>
-          </a:fontRef>
-        </p:style>
-        <p:txBody>
-          <a:bodyPr rtlCol="0" anchor="ctr"/>
-          <a:lstStyle/>
-          <a:p>
-            <a:pPr algn="ctr"/>
-            <a:endParaRPr lang="en-GB"/>
           </a:p>
         </p:txBody>
       </p:sp>
